--- a/Knjižara – book store.pptx
+++ b/Knjižara – book store.pptx
@@ -12,12 +12,12 @@
     <p:sldId id="258" r:id="rId3"/>
     <p:sldId id="259" r:id="rId4"/>
     <p:sldId id="260" r:id="rId5"/>
-    <p:sldId id="261" r:id="rId6"/>
-    <p:sldId id="262" r:id="rId7"/>
-    <p:sldId id="264" r:id="rId8"/>
-    <p:sldId id="266" r:id="rId9"/>
-    <p:sldId id="267" r:id="rId10"/>
-    <p:sldId id="268" r:id="rId11"/>
+    <p:sldId id="282" r:id="rId6"/>
+    <p:sldId id="261" r:id="rId7"/>
+    <p:sldId id="280" r:id="rId8"/>
+    <p:sldId id="262" r:id="rId9"/>
+    <p:sldId id="264" r:id="rId10"/>
+    <p:sldId id="281" r:id="rId11"/>
     <p:sldId id="272" r:id="rId12"/>
     <p:sldId id="278" r:id="rId13"/>
     <p:sldId id="273" r:id="rId14"/>
@@ -133,12 +133,12 @@
             <p14:sldId id="258"/>
             <p14:sldId id="259"/>
             <p14:sldId id="260"/>
+            <p14:sldId id="282"/>
             <p14:sldId id="261"/>
+            <p14:sldId id="280"/>
             <p14:sldId id="262"/>
             <p14:sldId id="264"/>
-            <p14:sldId id="266"/>
-            <p14:sldId id="267"/>
-            <p14:sldId id="268"/>
+            <p14:sldId id="281"/>
             <p14:sldId id="272"/>
             <p14:sldId id="278"/>
             <p14:sldId id="273"/>
@@ -150,6 +150,9 @@
           </p14:sldIdLst>
         </p14:section>
       </p14:sectionLst>
+    </p:ext>
+    <p:ext uri="{EFAFB233-063F-42B5-8137-9DF3F51BA10A}">
+      <p15:sldGuideLst xmlns:p15="http://schemas.microsoft.com/office/powerpoint/2012/main"/>
     </p:ext>
   </p:extLst>
 </p:presentation>
@@ -237,7 +240,7 @@
           <a:p>
             <a:fld id="{1083D7A6-3405-4935-A2B4-81CE5582AAAE}" type="datetimeFigureOut">
               <a:rPr lang="en-US" smtClean="0"/>
-              <a:t>5/5/2019</a:t>
+              <a:t>5/6/2019</a:t>
             </a:fld>
             <a:endParaRPr lang="en-US"/>
           </a:p>
@@ -749,7 +752,7 @@
           <a:p>
             <a:fld id="{A6411263-A926-45A1-919A-D944EBAFCBA1}" type="datetime1">
               <a:rPr lang="en-US" smtClean="0"/>
-              <a:t>5/5/2019</a:t>
+              <a:t>5/6/2019</a:t>
             </a:fld>
             <a:endParaRPr lang="en-US" dirty="0"/>
           </a:p>
@@ -1007,7 +1010,7 @@
           <a:p>
             <a:fld id="{4F255B9A-CFCA-4825-A243-055731170E8B}" type="datetime1">
               <a:rPr lang="en-US" smtClean="0"/>
-              <a:t>5/5/2019</a:t>
+              <a:t>5/6/2019</a:t>
             </a:fld>
             <a:endParaRPr lang="en-US" dirty="0"/>
           </a:p>
@@ -1238,7 +1241,7 @@
           <a:p>
             <a:fld id="{21981E27-FBF3-4159-8FDB-AE4771654E6E}" type="datetime1">
               <a:rPr lang="en-US" smtClean="0"/>
-              <a:t>5/5/2019</a:t>
+              <a:t>5/6/2019</a:t>
             </a:fld>
             <a:endParaRPr lang="en-US" dirty="0"/>
           </a:p>
@@ -1474,7 +1477,7 @@
           <a:p>
             <a:fld id="{7D8CA0BB-A0E1-4C00-B667-E13A0393C1F4}" type="datetime1">
               <a:rPr lang="en-US" smtClean="0"/>
-              <a:t>5/5/2019</a:t>
+              <a:t>5/6/2019</a:t>
             </a:fld>
             <a:endParaRPr lang="en-US" dirty="0"/>
           </a:p>
@@ -1777,7 +1780,7 @@
           <a:p>
             <a:fld id="{7EAAD1A3-1020-4300-8081-24DEA40F0E1A}" type="datetime1">
               <a:rPr lang="en-US" smtClean="0"/>
-              <a:t>5/5/2019</a:t>
+              <a:t>5/6/2019</a:t>
             </a:fld>
             <a:endParaRPr lang="en-US" dirty="0"/>
           </a:p>
@@ -2075,7 +2078,7 @@
           <a:p>
             <a:fld id="{C5F9B8B3-01B7-46B0-B263-FD569E2EBD43}" type="datetime1">
               <a:rPr lang="en-US" smtClean="0"/>
-              <a:t>5/5/2019</a:t>
+              <a:t>5/6/2019</a:t>
             </a:fld>
             <a:endParaRPr lang="en-US" dirty="0"/>
           </a:p>
@@ -2493,7 +2496,7 @@
           <a:p>
             <a:fld id="{445073ED-D0BF-48EC-9FAC-796F20EBEAA9}" type="datetime1">
               <a:rPr lang="en-US" smtClean="0"/>
-              <a:t>5/5/2019</a:t>
+              <a:t>5/6/2019</a:t>
             </a:fld>
             <a:endParaRPr lang="en-US" dirty="0"/>
           </a:p>
@@ -2651,7 +2654,7 @@
           <a:p>
             <a:fld id="{E795A67F-4523-42C1-A537-23F98D4DAAED}" type="datetime1">
               <a:rPr lang="en-US" smtClean="0"/>
-              <a:t>5/5/2019</a:t>
+              <a:t>5/6/2019</a:t>
             </a:fld>
             <a:endParaRPr lang="en-US" dirty="0"/>
           </a:p>
@@ -2742,7 +2745,7 @@
           <a:p>
             <a:fld id="{7A82C1A7-7AD5-4C39-8C22-3BE19F67E826}" type="datetime1">
               <a:rPr lang="en-US" smtClean="0"/>
-              <a:t>5/5/2019</a:t>
+              <a:t>5/6/2019</a:t>
             </a:fld>
             <a:endParaRPr lang="en-US" dirty="0"/>
           </a:p>
@@ -3116,7 +3119,7 @@
           <a:p>
             <a:fld id="{7006F0A5-8DE4-48DA-B3C4-3784ED981A44}" type="datetime1">
               <a:rPr lang="en-US" smtClean="0"/>
-              <a:t>5/5/2019</a:t>
+              <a:t>5/6/2019</a:t>
             </a:fld>
             <a:endParaRPr lang="en-US" dirty="0"/>
           </a:p>
@@ -3401,7 +3404,7 @@
           <a:p>
             <a:fld id="{85D687EF-D1F2-43C5-81CA-2FAB671E6512}" type="datetime1">
               <a:rPr lang="en-US" smtClean="0"/>
-              <a:t>5/5/2019</a:t>
+              <a:t>5/6/2019</a:t>
             </a:fld>
             <a:endParaRPr lang="en-US" dirty="0"/>
           </a:p>
@@ -3608,7 +3611,7 @@
           <a:p>
             <a:fld id="{1153BBA6-3A18-4DBC-85E0-313077D8B8BB}" type="datetime1">
               <a:rPr lang="en-US" smtClean="0"/>
-              <a:t>5/5/2019</a:t>
+              <a:t>5/6/2019</a:t>
             </a:fld>
             <a:endParaRPr lang="en-US" dirty="0"/>
           </a:p>
@@ -4261,10 +4264,10 @@
           <a:p>
             <a:pPr algn="ctr"/>
             <a:r>
-              <a:rPr lang="sr-Latn-RS" sz="2000" dirty="0"/>
+              <a:rPr lang="sr-Latn-RS" sz="2400" dirty="0"/>
               <a:t>Obuka za web aplikacije – grupa 1</a:t>
             </a:r>
-            <a:endParaRPr lang="en-US" sz="2000" dirty="0"/>
+            <a:endParaRPr lang="en-US" sz="2400" dirty="0"/>
           </a:p>
         </p:txBody>
       </p:sp>
@@ -4282,8 +4285,8 @@
         </p:nvSpPr>
         <p:spPr>
           <a:xfrm>
-            <a:off x="3714750" y="4516891"/>
-            <a:ext cx="4057650" cy="1200329"/>
+            <a:off x="3911655" y="4024734"/>
+            <a:ext cx="4057650" cy="1846659"/>
           </a:xfrm>
           <a:prstGeom prst="rect">
             <a:avLst/>
@@ -4301,7 +4304,7 @@
           <a:p>
             <a:pPr algn="ctr"/>
             <a:r>
-              <a:rPr lang="sr-Latn-RS" dirty="0">
+              <a:rPr lang="sr-Latn-RS" sz="3200" dirty="0">
                 <a:solidFill>
                   <a:schemeClr val="bg1"/>
                 </a:solidFill>
@@ -4312,7 +4315,7 @@
           <a:p>
             <a:pPr algn="ctr"/>
             <a:r>
-              <a:rPr lang="sr-Latn-RS" dirty="0">
+              <a:rPr lang="sr-Latn-RS" sz="3200" dirty="0">
                 <a:solidFill>
                   <a:schemeClr val="bg1"/>
                 </a:solidFill>
@@ -4323,7 +4326,7 @@
           <a:p>
             <a:pPr algn="ctr"/>
             <a:r>
-              <a:rPr lang="sr-Latn-RS" dirty="0">
+              <a:rPr lang="sr-Latn-RS" sz="3200" dirty="0">
                 <a:solidFill>
                   <a:schemeClr val="bg1"/>
                 </a:solidFill>
@@ -4516,6 +4519,76 @@
           </a:prstGeom>
         </p:spPr>
       </p:pic>
+      <p:sp>
+        <p:nvSpPr>
+          <p:cNvPr id="8" name="TextBox 7">
+            <a:extLst>
+              <a:ext uri="{FF2B5EF4-FFF2-40B4-BE49-F238E27FC236}">
+                <a16:creationId xmlns:a16="http://schemas.microsoft.com/office/drawing/2014/main" id="{0D6D4CB3-E997-4EF2-B150-B1612D8AF663}"/>
+              </a:ext>
+            </a:extLst>
+          </p:cNvPr>
+          <p:cNvSpPr txBox="1"/>
+          <p:nvPr/>
+        </p:nvSpPr>
+        <p:spPr>
+          <a:xfrm>
+            <a:off x="208609" y="5192798"/>
+            <a:ext cx="3562350" cy="1107996"/>
+          </a:xfrm>
+          <a:prstGeom prst="rect">
+            <a:avLst/>
+          </a:prstGeom>
+          <a:noFill/>
+        </p:spPr>
+        <p:txBody>
+          <a:bodyPr wrap="square" rtlCol="0">
+            <a:spAutoFit/>
+          </a:bodyPr>
+          <a:lstStyle/>
+          <a:p>
+            <a:r>
+              <a:rPr lang="en-US" sz="2400" b="1" dirty="0">
+                <a:solidFill>
+                  <a:schemeClr val="bg1"/>
+                </a:solidFill>
+              </a:rPr>
+              <a:t>     </a:t>
+            </a:r>
+            <a:r>
+              <a:rPr lang="sr-Latn-RS" sz="2400" b="1" dirty="0">
+                <a:solidFill>
+                  <a:schemeClr val="bg1"/>
+                </a:solidFill>
+              </a:rPr>
+              <a:t>Predavač:</a:t>
+            </a:r>
+            <a:endParaRPr lang="en-US" sz="2400" b="1" dirty="0">
+              <a:solidFill>
+                <a:schemeClr val="bg1"/>
+              </a:solidFill>
+            </a:endParaRPr>
+          </a:p>
+          <a:p>
+            <a:r>
+              <a:rPr lang="sr-Latn-RS" sz="2400" dirty="0">
+                <a:solidFill>
+                  <a:schemeClr val="bg1"/>
+                </a:solidFill>
+              </a:rPr>
+              <a:t>	Pavle Dakić, M.Sc.</a:t>
+            </a:r>
+            <a:endParaRPr lang="en-US" sz="2400" dirty="0">
+              <a:solidFill>
+                <a:schemeClr val="bg1"/>
+              </a:solidFill>
+            </a:endParaRPr>
+          </a:p>
+          <a:p>
+            <a:endParaRPr lang="en-US" dirty="0"/>
+          </a:p>
+        </p:txBody>
+      </p:sp>
     </p:spTree>
     <p:extLst>
       <p:ext uri="{BB962C8B-B14F-4D97-AF65-F5344CB8AC3E}">
@@ -4755,8 +4828,8 @@
         </p:nvSpPr>
         <p:spPr>
           <a:xfrm>
-            <a:off x="117446" y="692991"/>
-            <a:ext cx="11830050" cy="5586145"/>
+            <a:off x="0" y="523220"/>
+            <a:ext cx="11830050" cy="6340197"/>
           </a:xfrm>
           <a:prstGeom prst="rect">
             <a:avLst/>
@@ -4770,377 +4843,491 @@
           <a:lstStyle/>
           <a:p>
             <a:r>
-              <a:rPr lang="sr-Latn-RS" sz="1700" dirty="0"/>
-              <a:t>    </a:t>
-            </a:r>
-            <a:r>
-              <a:rPr lang="en-US" sz="1700" dirty="0"/>
-              <a:t> public </a:t>
-            </a:r>
-            <a:r>
-              <a:rPr lang="en-US" sz="1700" dirty="0" err="1"/>
-              <a:t>ActionResult</a:t>
-            </a:r>
-            <a:r>
-              <a:rPr lang="en-US" sz="1700" dirty="0"/>
-              <a:t> Edit(int? id)</a:t>
-            </a:r>
-          </a:p>
-          <a:p>
-            <a:r>
-              <a:rPr lang="en-US" sz="1700" dirty="0"/>
-              <a:t>        {</a:t>
-            </a:r>
-          </a:p>
-          <a:p>
-            <a:r>
-              <a:rPr lang="en-US" sz="1700" dirty="0"/>
-              <a:t>            if (id == null)</a:t>
-            </a:r>
-            <a:endParaRPr lang="sr-Latn-RS" sz="1700" dirty="0"/>
-          </a:p>
-          <a:p>
-            <a:r>
-              <a:rPr lang="sr-Latn-RS" sz="1700" dirty="0"/>
-              <a:t>	    </a:t>
-            </a:r>
-            <a:r>
-              <a:rPr lang="en-US" sz="1700" dirty="0"/>
+              <a:rPr lang="en-US" sz="2400" dirty="0" err="1">
+                <a:latin typeface="Consolas" panose="020B0609020204030204" pitchFamily="49" charset="0"/>
+              </a:rPr>
+              <a:t>ViewBag.Message</a:t>
+            </a:r>
+            <a:r>
+              <a:rPr lang="en-US" sz="2400" dirty="0">
+                <a:latin typeface="Consolas" panose="020B0609020204030204" pitchFamily="49" charset="0"/>
+              </a:rPr>
+              <a:t> += </a:t>
+            </a:r>
+            <a:r>
+              <a:rPr lang="en-US" sz="2400" dirty="0" err="1">
+                <a:latin typeface="Consolas" panose="020B0609020204030204" pitchFamily="49" charset="0"/>
+              </a:rPr>
+              <a:t>string.Format</a:t>
+            </a:r>
+            <a:r>
+              <a:rPr lang="en-US" sz="2400" dirty="0">
+                <a:latin typeface="Consolas" panose="020B0609020204030204" pitchFamily="49" charset="0"/>
+              </a:rPr>
+              <a:t>("&lt;b&gt;{0}&lt;/b&gt; uploaded.&lt;</a:t>
+            </a:r>
+            <a:r>
+              <a:rPr lang="en-US" sz="2400" dirty="0" err="1">
+                <a:latin typeface="Consolas" panose="020B0609020204030204" pitchFamily="49" charset="0"/>
+              </a:rPr>
+              <a:t>br</a:t>
+            </a:r>
+            <a:r>
+              <a:rPr lang="en-US" sz="2400" dirty="0">
+                <a:latin typeface="Consolas" panose="020B0609020204030204" pitchFamily="49" charset="0"/>
+              </a:rPr>
+              <a:t> /&gt;", </a:t>
+            </a:r>
+            <a:r>
+              <a:rPr lang="en-US" sz="2400" dirty="0" err="1">
+                <a:latin typeface="Consolas" panose="020B0609020204030204" pitchFamily="49" charset="0"/>
+              </a:rPr>
+              <a:t>nazivSlike</a:t>
+            </a:r>
+            <a:r>
+              <a:rPr lang="en-US" sz="2400" dirty="0">
+                <a:latin typeface="Consolas" panose="020B0609020204030204" pitchFamily="49" charset="0"/>
+              </a:rPr>
+              <a:t>);   }</a:t>
+            </a:r>
+            <a:endParaRPr lang="sr-Latn-RS" sz="2400" dirty="0">
+              <a:latin typeface="Consolas" panose="020B0609020204030204" pitchFamily="49" charset="0"/>
+            </a:endParaRPr>
+          </a:p>
+          <a:p>
+            <a:r>
+              <a:rPr lang="sr-Latn-RS" sz="2400" dirty="0">
+                <a:latin typeface="Consolas" panose="020B0609020204030204" pitchFamily="49" charset="0"/>
+              </a:rPr>
+              <a:t>		</a:t>
+            </a:r>
+            <a:r>
+              <a:rPr lang="en-US" sz="2400" dirty="0" err="1">
+                <a:latin typeface="Consolas" panose="020B0609020204030204" pitchFamily="49" charset="0"/>
+              </a:rPr>
+              <a:t>Knjige</a:t>
+            </a:r>
+            <a:r>
+              <a:rPr lang="en-US" sz="2400" dirty="0">
+                <a:latin typeface="Consolas" panose="020B0609020204030204" pitchFamily="49" charset="0"/>
+              </a:rPr>
+              <a:t> </a:t>
+            </a:r>
+            <a:r>
+              <a:rPr lang="en-US" sz="2400" dirty="0" err="1">
+                <a:latin typeface="Consolas" panose="020B0609020204030204" pitchFamily="49" charset="0"/>
+              </a:rPr>
+              <a:t>novaKnjiga</a:t>
+            </a:r>
+            <a:r>
+              <a:rPr lang="en-US" sz="2400" dirty="0">
+                <a:latin typeface="Consolas" panose="020B0609020204030204" pitchFamily="49" charset="0"/>
+              </a:rPr>
+              <a:t> = </a:t>
+            </a:r>
+            <a:r>
+              <a:rPr lang="en-US" sz="2400" dirty="0" err="1">
+                <a:latin typeface="Consolas" panose="020B0609020204030204" pitchFamily="49" charset="0"/>
+              </a:rPr>
+              <a:t>db.Knjiges.Add</a:t>
+            </a:r>
+            <a:r>
+              <a:rPr lang="en-US" sz="2400" dirty="0">
+                <a:latin typeface="Consolas" panose="020B0609020204030204" pitchFamily="49" charset="0"/>
+              </a:rPr>
+              <a:t>(</a:t>
+            </a:r>
+            <a:r>
+              <a:rPr lang="en-US" sz="2400" dirty="0" err="1">
+                <a:latin typeface="Consolas" panose="020B0609020204030204" pitchFamily="49" charset="0"/>
+              </a:rPr>
+              <a:t>knjige</a:t>
+            </a:r>
+            <a:r>
+              <a:rPr lang="en-US" sz="2400" dirty="0">
+                <a:latin typeface="Consolas" panose="020B0609020204030204" pitchFamily="49" charset="0"/>
+              </a:rPr>
+              <a:t>);</a:t>
+            </a:r>
+          </a:p>
+          <a:p>
+            <a:r>
+              <a:rPr lang="en-US" sz="2400" dirty="0">
+                <a:latin typeface="Consolas" panose="020B0609020204030204" pitchFamily="49" charset="0"/>
+              </a:rPr>
+              <a:t>                foreach (int </a:t>
+            </a:r>
+            <a:r>
+              <a:rPr lang="en-US" sz="2400" dirty="0" err="1">
+                <a:latin typeface="Consolas" panose="020B0609020204030204" pitchFamily="49" charset="0"/>
+              </a:rPr>
+              <a:t>zanr</a:t>
+            </a:r>
+            <a:r>
+              <a:rPr lang="en-US" sz="2400" dirty="0">
+                <a:latin typeface="Consolas" panose="020B0609020204030204" pitchFamily="49" charset="0"/>
+              </a:rPr>
+              <a:t> in </a:t>
+            </a:r>
+            <a:r>
+              <a:rPr lang="en-US" sz="2400" dirty="0" err="1">
+                <a:latin typeface="Consolas" panose="020B0609020204030204" pitchFamily="49" charset="0"/>
+              </a:rPr>
+              <a:t>odabraniZanrovi</a:t>
+            </a:r>
+            <a:r>
+              <a:rPr lang="en-US" sz="2400" dirty="0">
+                <a:latin typeface="Consolas" panose="020B0609020204030204" pitchFamily="49" charset="0"/>
+              </a:rPr>
+              <a:t>)</a:t>
+            </a:r>
+          </a:p>
+          <a:p>
+            <a:r>
+              <a:rPr lang="en-US" sz="2400" dirty="0">
+                <a:latin typeface="Consolas" panose="020B0609020204030204" pitchFamily="49" charset="0"/>
+              </a:rPr>
+              <a:t>                {</a:t>
+            </a:r>
+            <a:r>
+              <a:rPr lang="sr-Latn-RS" sz="2400" dirty="0">
+                <a:latin typeface="Consolas" panose="020B0609020204030204" pitchFamily="49" charset="0"/>
+              </a:rPr>
+              <a:t>   </a:t>
+            </a:r>
+            <a:r>
+              <a:rPr lang="en-US" sz="2400" dirty="0" err="1">
+                <a:latin typeface="Consolas" panose="020B0609020204030204" pitchFamily="49" charset="0"/>
+              </a:rPr>
+              <a:t>Knjige_Zanr</a:t>
+            </a:r>
+            <a:r>
+              <a:rPr lang="en-US" sz="2400" dirty="0">
+                <a:latin typeface="Consolas" panose="020B0609020204030204" pitchFamily="49" charset="0"/>
+              </a:rPr>
+              <a:t> </a:t>
+            </a:r>
+            <a:r>
+              <a:rPr lang="en-US" sz="2400" dirty="0" err="1">
+                <a:latin typeface="Consolas" panose="020B0609020204030204" pitchFamily="49" charset="0"/>
+              </a:rPr>
+              <a:t>kz</a:t>
+            </a:r>
+            <a:r>
+              <a:rPr lang="en-US" sz="2400" dirty="0">
+                <a:latin typeface="Consolas" panose="020B0609020204030204" pitchFamily="49" charset="0"/>
+              </a:rPr>
+              <a:t> = new </a:t>
+            </a:r>
+            <a:r>
+              <a:rPr lang="en-US" sz="2400" dirty="0" err="1">
+                <a:latin typeface="Consolas" panose="020B0609020204030204" pitchFamily="49" charset="0"/>
+              </a:rPr>
+              <a:t>Knjige_Zanr</a:t>
+            </a:r>
+            <a:r>
+              <a:rPr lang="sr-Latn-RS" sz="2400" dirty="0">
+                <a:latin typeface="Consolas" panose="020B0609020204030204" pitchFamily="49" charset="0"/>
+              </a:rPr>
+              <a:t>   </a:t>
+            </a:r>
+            <a:r>
+              <a:rPr lang="en-US" sz="2400" dirty="0">
+                <a:latin typeface="Consolas" panose="020B0609020204030204" pitchFamily="49" charset="0"/>
+              </a:rPr>
               <a:t>{</a:t>
             </a:r>
             <a:r>
-              <a:rPr lang="sr-Latn-RS" sz="1700" dirty="0"/>
+              <a:rPr lang="sr-Latn-RS" sz="1600" dirty="0"/>
+              <a:t>	</a:t>
+            </a:r>
+            <a:endParaRPr lang="en-US" sz="1200" dirty="0"/>
+          </a:p>
+          <a:p>
+            <a:r>
+              <a:rPr lang="en-US" sz="2400" dirty="0">
+                <a:latin typeface="Consolas" panose="020B0609020204030204" pitchFamily="49" charset="0"/>
+              </a:rPr>
+              <a:t>								</a:t>
+            </a:r>
+            <a:r>
+              <a:rPr lang="en-US" sz="2400" dirty="0" err="1">
+                <a:latin typeface="Consolas" panose="020B0609020204030204" pitchFamily="49" charset="0"/>
+              </a:rPr>
+              <a:t>id_knjige</a:t>
+            </a:r>
+            <a:r>
+              <a:rPr lang="en-US" sz="2400" dirty="0">
+                <a:latin typeface="Consolas" panose="020B0609020204030204" pitchFamily="49" charset="0"/>
+              </a:rPr>
+              <a:t> = </a:t>
+            </a:r>
+            <a:r>
+              <a:rPr lang="en-US" sz="2400" dirty="0" err="1">
+                <a:latin typeface="Consolas" panose="020B0609020204030204" pitchFamily="49" charset="0"/>
+              </a:rPr>
+              <a:t>novaKnjiga.id_knjige</a:t>
+            </a:r>
+            <a:r>
+              <a:rPr lang="en-US" sz="2400" dirty="0">
+                <a:latin typeface="Consolas" panose="020B0609020204030204" pitchFamily="49" charset="0"/>
+              </a:rPr>
+              <a:t>,</a:t>
+            </a:r>
+          </a:p>
+          <a:p>
+            <a:r>
+              <a:rPr lang="en-US" sz="2400" dirty="0">
+                <a:latin typeface="Consolas" panose="020B0609020204030204" pitchFamily="49" charset="0"/>
+              </a:rPr>
+              <a:t>                      </a:t>
+            </a:r>
+            <a:r>
+              <a:rPr lang="en-US" sz="2400" dirty="0" err="1">
+                <a:latin typeface="Consolas" panose="020B0609020204030204" pitchFamily="49" charset="0"/>
+              </a:rPr>
+              <a:t>id_zanr</a:t>
+            </a:r>
+            <a:r>
+              <a:rPr lang="en-US" sz="2400" dirty="0">
+                <a:latin typeface="Consolas" panose="020B0609020204030204" pitchFamily="49" charset="0"/>
+              </a:rPr>
+              <a:t> = </a:t>
+            </a:r>
+            <a:r>
+              <a:rPr lang="en-US" sz="2400" dirty="0" err="1">
+                <a:latin typeface="Consolas" panose="020B0609020204030204" pitchFamily="49" charset="0"/>
+              </a:rPr>
+              <a:t>zanr</a:t>
+            </a:r>
+            <a:r>
+              <a:rPr lang="sr-Latn-RS" sz="2400" dirty="0">
+                <a:latin typeface="Consolas" panose="020B0609020204030204" pitchFamily="49" charset="0"/>
+              </a:rPr>
+              <a:t>   </a:t>
+            </a:r>
+            <a:r>
+              <a:rPr lang="en-US" sz="2400" dirty="0">
+                <a:latin typeface="Consolas" panose="020B0609020204030204" pitchFamily="49" charset="0"/>
+              </a:rPr>
+              <a:t>};</a:t>
+            </a:r>
+          </a:p>
+          <a:p>
+            <a:r>
+              <a:rPr lang="nl-NL" sz="2400" dirty="0">
+                <a:latin typeface="Consolas" panose="020B0609020204030204" pitchFamily="49" charset="0"/>
+              </a:rPr>
+              <a:t>                    db.Knjige_Zanr.Add(kz);  </a:t>
+            </a:r>
+            <a:r>
+              <a:rPr lang="en-US" sz="2400" dirty="0">
+                <a:latin typeface="Consolas" panose="020B0609020204030204" pitchFamily="49" charset="0"/>
+              </a:rPr>
+              <a:t>}</a:t>
+            </a:r>
+          </a:p>
+          <a:p>
+            <a:r>
+              <a:rPr lang="en-US" sz="2400" dirty="0">
+                <a:latin typeface="Consolas" panose="020B0609020204030204" pitchFamily="49" charset="0"/>
+              </a:rPr>
+              <a:t>                </a:t>
+            </a:r>
+            <a:r>
+              <a:rPr lang="en-US" sz="2400" dirty="0" err="1">
+                <a:latin typeface="Consolas" panose="020B0609020204030204" pitchFamily="49" charset="0"/>
+              </a:rPr>
+              <a:t>db.SaveChanges</a:t>
+            </a:r>
+            <a:r>
+              <a:rPr lang="en-US" sz="2400" dirty="0">
+                <a:latin typeface="Consolas" panose="020B0609020204030204" pitchFamily="49" charset="0"/>
+              </a:rPr>
+              <a:t>();</a:t>
+            </a:r>
+          </a:p>
+          <a:p>
+            <a:r>
+              <a:rPr lang="en-US" sz="2400" dirty="0">
+                <a:latin typeface="Consolas" panose="020B0609020204030204" pitchFamily="49" charset="0"/>
+              </a:rPr>
+              <a:t>                return </a:t>
+            </a:r>
+            <a:r>
+              <a:rPr lang="en-US" sz="2400" dirty="0" err="1">
+                <a:latin typeface="Consolas" panose="020B0609020204030204" pitchFamily="49" charset="0"/>
+              </a:rPr>
+              <a:t>RedirectToAction</a:t>
+            </a:r>
+            <a:r>
+              <a:rPr lang="en-US" sz="2400" dirty="0">
+                <a:latin typeface="Consolas" panose="020B0609020204030204" pitchFamily="49" charset="0"/>
+              </a:rPr>
+              <a:t>("Index");</a:t>
+            </a:r>
+          </a:p>
+          <a:p>
+            <a:r>
+              <a:rPr lang="en-US" sz="2400" dirty="0">
+                <a:latin typeface="Consolas" panose="020B0609020204030204" pitchFamily="49" charset="0"/>
+              </a:rPr>
+              <a:t>            }</a:t>
+            </a:r>
+            <a:endParaRPr lang="sr-Latn-RS" sz="2400" dirty="0">
+              <a:latin typeface="Consolas" panose="020B0609020204030204" pitchFamily="49" charset="0"/>
+            </a:endParaRPr>
+          </a:p>
+          <a:p>
+            <a:r>
+              <a:rPr lang="sr-Latn-RS" sz="2400" dirty="0">
+                <a:latin typeface="Consolas" panose="020B0609020204030204" pitchFamily="49" charset="0"/>
+              </a:rPr>
+              <a:t>	   </a:t>
+            </a:r>
+            <a:r>
+              <a:rPr lang="en-US" sz="2400" dirty="0" err="1">
+                <a:latin typeface="Consolas" panose="020B0609020204030204" pitchFamily="49" charset="0"/>
+              </a:rPr>
+              <a:t>ViewBag.id_autora</a:t>
+            </a:r>
+            <a:r>
+              <a:rPr lang="en-US" sz="2400" dirty="0">
+                <a:latin typeface="Consolas" panose="020B0609020204030204" pitchFamily="49" charset="0"/>
+              </a:rPr>
+              <a:t> = new </a:t>
+            </a:r>
+            <a:r>
+              <a:rPr lang="en-US" sz="2400" dirty="0" err="1">
+                <a:latin typeface="Consolas" panose="020B0609020204030204" pitchFamily="49" charset="0"/>
+              </a:rPr>
+              <a:t>SelectList</a:t>
+            </a:r>
+            <a:r>
+              <a:rPr lang="en-US" sz="2400" dirty="0">
+                <a:latin typeface="Consolas" panose="020B0609020204030204" pitchFamily="49" charset="0"/>
+              </a:rPr>
+              <a:t>(</a:t>
+            </a:r>
+            <a:r>
+              <a:rPr lang="en-US" sz="2400" dirty="0" err="1">
+                <a:latin typeface="Consolas" panose="020B0609020204030204" pitchFamily="49" charset="0"/>
+              </a:rPr>
+              <a:t>db.Autoris</a:t>
+            </a:r>
+            <a:r>
+              <a:rPr lang="en-US" sz="2400" dirty="0">
+                <a:latin typeface="Consolas" panose="020B0609020204030204" pitchFamily="49" charset="0"/>
+              </a:rPr>
+              <a:t>, "</a:t>
+            </a:r>
+            <a:r>
+              <a:rPr lang="en-US" sz="2400" dirty="0" err="1">
+                <a:latin typeface="Consolas" panose="020B0609020204030204" pitchFamily="49" charset="0"/>
+              </a:rPr>
+              <a:t>id_autora</a:t>
+            </a:r>
+            <a:r>
+              <a:rPr lang="en-US" sz="2400" dirty="0">
+                <a:latin typeface="Consolas" panose="020B0609020204030204" pitchFamily="49" charset="0"/>
+              </a:rPr>
+              <a:t>", "</a:t>
+            </a:r>
+            <a:r>
+              <a:rPr lang="en-US" sz="2400" dirty="0" err="1">
+                <a:latin typeface="Consolas" panose="020B0609020204030204" pitchFamily="49" charset="0"/>
+              </a:rPr>
+              <a:t>ime</a:t>
+            </a:r>
+            <a:r>
+              <a:rPr lang="en-US" sz="2400" dirty="0">
+                <a:latin typeface="Consolas" panose="020B0609020204030204" pitchFamily="49" charset="0"/>
+              </a:rPr>
+              <a:t>", </a:t>
+            </a:r>
+            <a:r>
+              <a:rPr lang="en-US" sz="2400" dirty="0" err="1">
+                <a:latin typeface="Consolas" panose="020B0609020204030204" pitchFamily="49" charset="0"/>
+              </a:rPr>
+              <a:t>knjige.id_autora</a:t>
+            </a:r>
+            <a:r>
+              <a:rPr lang="en-US" sz="2400" dirty="0">
+                <a:latin typeface="Consolas" panose="020B0609020204030204" pitchFamily="49" charset="0"/>
+              </a:rPr>
+              <a:t>);</a:t>
+            </a:r>
+          </a:p>
+          <a:p>
+            <a:r>
+              <a:rPr lang="en-US" sz="2400" dirty="0">
+                <a:latin typeface="Consolas" panose="020B0609020204030204" pitchFamily="49" charset="0"/>
+              </a:rPr>
+              <a:t>            return View("~/Views/Back-end/</a:t>
+            </a:r>
+            <a:r>
+              <a:rPr lang="en-US" sz="2400" dirty="0" err="1">
+                <a:latin typeface="Consolas" panose="020B0609020204030204" pitchFamily="49" charset="0"/>
+              </a:rPr>
+              <a:t>Knjige</a:t>
+            </a:r>
+            <a:r>
+              <a:rPr lang="en-US" sz="2400" dirty="0">
+                <a:latin typeface="Consolas" panose="020B0609020204030204" pitchFamily="49" charset="0"/>
+              </a:rPr>
+              <a:t>/</a:t>
+            </a:r>
+            <a:r>
+              <a:rPr lang="en-US" sz="2400" dirty="0" err="1">
+                <a:latin typeface="Consolas" panose="020B0609020204030204" pitchFamily="49" charset="0"/>
+              </a:rPr>
+              <a:t>Create.cshtml</a:t>
+            </a:r>
+            <a:r>
+              <a:rPr lang="en-US" sz="2400" dirty="0">
+                <a:latin typeface="Consolas" panose="020B0609020204030204" pitchFamily="49" charset="0"/>
+              </a:rPr>
+              <a:t>", </a:t>
+            </a:r>
+            <a:r>
+              <a:rPr lang="en-US" sz="2400" dirty="0" err="1">
+                <a:latin typeface="Consolas" panose="020B0609020204030204" pitchFamily="49" charset="0"/>
+              </a:rPr>
+              <a:t>knjige</a:t>
+            </a:r>
+            <a:r>
+              <a:rPr lang="en-US" sz="2400" dirty="0">
+                <a:latin typeface="Consolas" panose="020B0609020204030204" pitchFamily="49" charset="0"/>
+              </a:rPr>
+              <a:t>);</a:t>
+            </a:r>
+            <a:r>
+              <a:rPr lang="sr-Latn-RS" sz="2400" dirty="0">
+                <a:latin typeface="Consolas" panose="020B0609020204030204" pitchFamily="49" charset="0"/>
+              </a:rPr>
               <a:t>     </a:t>
             </a:r>
             <a:r>
-              <a:rPr lang="en-US" sz="1700" dirty="0"/>
-              <a:t>return new </a:t>
-            </a:r>
-            <a:r>
-              <a:rPr lang="en-US" sz="1700" dirty="0" err="1"/>
-              <a:t>HttpStatusCodeResult</a:t>
-            </a:r>
-            <a:r>
-              <a:rPr lang="en-US" sz="1700" dirty="0"/>
-              <a:t>(</a:t>
-            </a:r>
-            <a:r>
-              <a:rPr lang="en-US" sz="1700" dirty="0" err="1"/>
-              <a:t>HttpStatusCode.BadRequest</a:t>
-            </a:r>
-            <a:r>
-              <a:rPr lang="en-US" sz="1700" dirty="0"/>
-              <a:t>);</a:t>
-            </a:r>
-            <a:r>
-              <a:rPr lang="sr-Latn-RS" sz="1700" dirty="0"/>
-              <a:t>      </a:t>
-            </a:r>
-            <a:r>
-              <a:rPr lang="en-US" sz="1700" dirty="0"/>
+              <a:rPr lang="en-US" sz="2400" dirty="0">
+                <a:latin typeface="Consolas" panose="020B0609020204030204" pitchFamily="49" charset="0"/>
+              </a:rPr>
               <a:t>}</a:t>
             </a:r>
           </a:p>
           <a:p>
             <a:r>
-              <a:rPr lang="en-US" sz="1700" dirty="0"/>
-              <a:t>            </a:t>
-            </a:r>
-            <a:r>
-              <a:rPr lang="en-US" sz="1700" dirty="0" err="1"/>
-              <a:t>Narudzbina</a:t>
-            </a:r>
-            <a:r>
-              <a:rPr lang="en-US" sz="1700" dirty="0"/>
-              <a:t> </a:t>
-            </a:r>
-            <a:r>
-              <a:rPr lang="en-US" sz="1700" dirty="0" err="1"/>
-              <a:t>adminNarudzbina</a:t>
-            </a:r>
-            <a:r>
-              <a:rPr lang="en-US" sz="1700" dirty="0"/>
-              <a:t> = </a:t>
-            </a:r>
-            <a:r>
-              <a:rPr lang="en-US" sz="1700" dirty="0" err="1"/>
-              <a:t>db.Narudzbinas.Find</a:t>
-            </a:r>
-            <a:r>
-              <a:rPr lang="en-US" sz="1700" dirty="0"/>
-              <a:t>(id);</a:t>
-            </a:r>
-          </a:p>
-          <a:p>
-            <a:r>
-              <a:rPr lang="en-US" sz="1700" dirty="0"/>
-              <a:t>            if (</a:t>
-            </a:r>
-            <a:r>
-              <a:rPr lang="en-US" sz="1700" dirty="0" err="1"/>
-              <a:t>adminNarudzbina</a:t>
-            </a:r>
-            <a:r>
-              <a:rPr lang="en-US" sz="1700" dirty="0"/>
-              <a:t> == null)</a:t>
-            </a:r>
-          </a:p>
-          <a:p>
-            <a:r>
-              <a:rPr lang="en-US" sz="1700" dirty="0"/>
-              <a:t>            {</a:t>
-            </a:r>
-            <a:r>
-              <a:rPr lang="sr-Latn-RS" sz="1700" dirty="0"/>
-              <a:t>     </a:t>
-            </a:r>
-            <a:r>
-              <a:rPr lang="en-US" sz="1700" dirty="0"/>
-              <a:t>return </a:t>
-            </a:r>
-            <a:r>
-              <a:rPr lang="en-US" sz="1700" dirty="0" err="1"/>
-              <a:t>HttpNotFound</a:t>
-            </a:r>
-            <a:r>
-              <a:rPr lang="en-US" sz="1700" dirty="0"/>
-              <a:t>();</a:t>
-            </a:r>
-            <a:r>
-              <a:rPr lang="sr-Latn-RS" sz="1700" dirty="0"/>
-              <a:t>      </a:t>
-            </a:r>
-            <a:r>
-              <a:rPr lang="en-US" sz="1700" dirty="0"/>
-              <a:t>}</a:t>
-            </a:r>
-          </a:p>
-          <a:p>
-            <a:r>
-              <a:rPr lang="en-US" sz="1700" dirty="0"/>
-              <a:t>            return View("~/Views/Back-end/</a:t>
-            </a:r>
-            <a:r>
-              <a:rPr lang="en-US" sz="1700" dirty="0" err="1"/>
-              <a:t>AdminNarudzbina</a:t>
-            </a:r>
-            <a:r>
-              <a:rPr lang="en-US" sz="1700" dirty="0"/>
-              <a:t>/</a:t>
-            </a:r>
-            <a:r>
-              <a:rPr lang="en-US" sz="1700" dirty="0" err="1"/>
-              <a:t>Edit.cshtml</a:t>
-            </a:r>
-            <a:r>
-              <a:rPr lang="en-US" sz="1700" dirty="0"/>
-              <a:t>", </a:t>
-            </a:r>
-            <a:r>
-              <a:rPr lang="en-US" sz="1700" dirty="0" err="1"/>
-              <a:t>adminNarudzbina</a:t>
-            </a:r>
-            <a:r>
-              <a:rPr lang="en-US" sz="1700" dirty="0"/>
-              <a:t>);</a:t>
-            </a:r>
-          </a:p>
-          <a:p>
-            <a:r>
-              <a:rPr lang="en-US" sz="1700" dirty="0"/>
-              <a:t>        }</a:t>
-            </a:r>
-          </a:p>
-          <a:p>
-            <a:r>
-              <a:rPr lang="en-US" sz="1700" dirty="0"/>
-              <a:t>        [</a:t>
-            </a:r>
-            <a:r>
-              <a:rPr lang="en-US" sz="1700" dirty="0" err="1"/>
-              <a:t>HttpPost</a:t>
-            </a:r>
-            <a:r>
-              <a:rPr lang="en-US" sz="1700" dirty="0"/>
-              <a:t>]</a:t>
-            </a:r>
-          </a:p>
-          <a:p>
-            <a:r>
-              <a:rPr lang="en-US" sz="1700" dirty="0"/>
-              <a:t>        [</a:t>
-            </a:r>
-            <a:r>
-              <a:rPr lang="en-US" sz="1700" dirty="0" err="1"/>
-              <a:t>ValidateAntiForgeryToken</a:t>
-            </a:r>
-            <a:r>
-              <a:rPr lang="en-US" sz="1700" dirty="0"/>
-              <a:t>]</a:t>
-            </a:r>
-          </a:p>
-          <a:p>
-            <a:r>
-              <a:rPr lang="en-US" sz="1700" dirty="0"/>
-              <a:t>        public </a:t>
-            </a:r>
-            <a:r>
-              <a:rPr lang="en-US" sz="1700" dirty="0" err="1"/>
-              <a:t>ActionResult</a:t>
-            </a:r>
-            <a:r>
-              <a:rPr lang="en-US" sz="1700" dirty="0"/>
-              <a:t> Edit([Bind(Include = "</a:t>
-            </a:r>
-            <a:r>
-              <a:rPr lang="en-US" sz="1700" dirty="0" err="1"/>
-              <a:t>status,id_narudzbine,datum,id_osoba</a:t>
-            </a:r>
-            <a:r>
-              <a:rPr lang="en-US" sz="1700" dirty="0"/>
-              <a:t>")] </a:t>
-            </a:r>
-            <a:r>
-              <a:rPr lang="en-US" sz="1700" dirty="0" err="1"/>
-              <a:t>Narudzbina</a:t>
-            </a:r>
-            <a:r>
-              <a:rPr lang="en-US" sz="1700" dirty="0"/>
-              <a:t> </a:t>
-            </a:r>
-            <a:r>
-              <a:rPr lang="en-US" sz="1700" dirty="0" err="1"/>
-              <a:t>narudzbina</a:t>
-            </a:r>
-            <a:r>
-              <a:rPr lang="en-US" sz="1700" dirty="0"/>
-              <a:t>)</a:t>
-            </a:r>
-          </a:p>
-          <a:p>
-            <a:r>
-              <a:rPr lang="en-US" sz="1700" dirty="0"/>
-              <a:t>        {</a:t>
-            </a:r>
-          </a:p>
-          <a:p>
-            <a:r>
-              <a:rPr lang="en-US" sz="1700" dirty="0"/>
-              <a:t>            if (</a:t>
-            </a:r>
-            <a:r>
-              <a:rPr lang="en-US" sz="1700" dirty="0" err="1"/>
-              <a:t>ModelState.IsValid</a:t>
-            </a:r>
-            <a:r>
-              <a:rPr lang="en-US" sz="1700" dirty="0"/>
-              <a:t>)</a:t>
-            </a:r>
-          </a:p>
-          <a:p>
-            <a:r>
-              <a:rPr lang="en-US" sz="1700" dirty="0"/>
-              <a:t>            {</a:t>
-            </a:r>
-          </a:p>
-          <a:p>
-            <a:r>
-              <a:rPr lang="en-US" sz="1700" dirty="0"/>
+              <a:rPr lang="sr-Latn-RS" sz="1600" dirty="0"/>
+              <a:t>	</a:t>
+            </a:r>
+            <a:endParaRPr lang="en-US" sz="1200" dirty="0"/>
+          </a:p>
+          <a:p>
+            <a:endParaRPr lang="en-US" sz="1600" dirty="0"/>
+          </a:p>
+          <a:p>
+            <a:r>
+              <a:rPr lang="en-US" sz="1400" dirty="0"/>
               <a:t>                </a:t>
-            </a:r>
-            <a:r>
-              <a:rPr lang="en-US" sz="1700" dirty="0" err="1"/>
-              <a:t>db.Entry</a:t>
-            </a:r>
-            <a:r>
-              <a:rPr lang="en-US" sz="1700" dirty="0"/>
-              <a:t>(</a:t>
-            </a:r>
-            <a:r>
-              <a:rPr lang="en-US" sz="1700" dirty="0" err="1"/>
-              <a:t>narudzbina</a:t>
-            </a:r>
-            <a:r>
-              <a:rPr lang="en-US" sz="1700" dirty="0"/>
-              <a:t>).State = </a:t>
-            </a:r>
-            <a:r>
-              <a:rPr lang="en-US" sz="1700" dirty="0" err="1"/>
-              <a:t>EntityState.Modified</a:t>
-            </a:r>
-            <a:r>
-              <a:rPr lang="en-US" sz="1700" dirty="0"/>
-              <a:t>;</a:t>
-            </a:r>
-          </a:p>
-          <a:p>
-            <a:r>
-              <a:rPr lang="en-US" sz="1700" dirty="0"/>
-              <a:t>                </a:t>
-            </a:r>
-            <a:r>
-              <a:rPr lang="en-US" sz="1700" dirty="0" err="1"/>
-              <a:t>db.SaveChanges</a:t>
-            </a:r>
-            <a:r>
-              <a:rPr lang="en-US" sz="1700" dirty="0"/>
-              <a:t>();</a:t>
-            </a:r>
-          </a:p>
-          <a:p>
-            <a:r>
-              <a:rPr lang="en-US" sz="1700" dirty="0"/>
-              <a:t>                return </a:t>
-            </a:r>
-            <a:r>
-              <a:rPr lang="en-US" sz="1700" dirty="0" err="1"/>
-              <a:t>RedirectToAction</a:t>
-            </a:r>
-            <a:r>
-              <a:rPr lang="en-US" sz="1700" dirty="0"/>
-              <a:t>("Index");</a:t>
-            </a:r>
-          </a:p>
-          <a:p>
-            <a:r>
-              <a:rPr lang="en-US" sz="1700" dirty="0"/>
-              <a:t>            }</a:t>
-            </a:r>
-          </a:p>
-          <a:p>
-            <a:r>
-              <a:rPr lang="en-US" sz="1700" dirty="0"/>
-              <a:t>            return View("~/Views/Back-end/</a:t>
-            </a:r>
-            <a:r>
-              <a:rPr lang="en-US" sz="1700" dirty="0" err="1"/>
-              <a:t>AdminNarudzbina</a:t>
-            </a:r>
-            <a:r>
-              <a:rPr lang="en-US" sz="1700" dirty="0"/>
-              <a:t>/</a:t>
-            </a:r>
-            <a:r>
-              <a:rPr lang="en-US" sz="1700" dirty="0" err="1"/>
-              <a:t>Edit.cshtml</a:t>
-            </a:r>
-            <a:r>
-              <a:rPr lang="en-US" sz="1700" dirty="0"/>
-              <a:t>", </a:t>
-            </a:r>
-            <a:r>
-              <a:rPr lang="en-US" sz="1700" dirty="0" err="1"/>
-              <a:t>narudzbina</a:t>
-            </a:r>
-            <a:r>
-              <a:rPr lang="en-US" sz="1700" dirty="0"/>
-              <a:t>);</a:t>
-            </a:r>
-          </a:p>
-          <a:p>
-            <a:r>
-              <a:rPr lang="en-US" sz="1700" dirty="0"/>
-              <a:t>        }</a:t>
             </a:r>
           </a:p>
         </p:txBody>
@@ -5148,7 +5335,7 @@
     </p:spTree>
     <p:extLst>
       <p:ext uri="{BB962C8B-B14F-4D97-AF65-F5344CB8AC3E}">
-        <p14:creationId xmlns:p14="http://schemas.microsoft.com/office/powerpoint/2010/main" val="2818386897"/>
+        <p14:creationId xmlns:p14="http://schemas.microsoft.com/office/powerpoint/2010/main" val="3012113485"/>
       </p:ext>
     </p:extLst>
   </p:cSld>
@@ -7845,7 +8032,9 @@
           </a:xfrm>
         </p:spPr>
         <p:txBody>
-          <a:bodyPr/>
+          <a:bodyPr>
+            <a:normAutofit fontScale="92500" lnSpcReduction="10000"/>
+          </a:bodyPr>
           <a:lstStyle/>
           <a:p>
             <a:pPr marL="285750" indent="-285750">
@@ -7853,7 +8042,7 @@
               <a:buChar char="•"/>
             </a:pPr>
             <a:r>
-              <a:rPr lang="sr-Latn-RS" dirty="0"/>
+              <a:rPr lang="sr-Latn-RS" sz="2400" dirty="0"/>
               <a:t>Opis problema</a:t>
             </a:r>
           </a:p>
@@ -7863,7 +8052,7 @@
               <a:buChar char="•"/>
             </a:pPr>
             <a:r>
-              <a:rPr lang="sr-Latn-RS" dirty="0"/>
+              <a:rPr lang="sr-Latn-RS" sz="2400" dirty="0"/>
               <a:t>SQL dijagram baze podataka</a:t>
             </a:r>
           </a:p>
@@ -7873,7 +8062,7 @@
               <a:buChar char="•"/>
             </a:pPr>
             <a:r>
-              <a:rPr lang="sr-Latn-RS" dirty="0"/>
+              <a:rPr lang="sr-Latn-RS" sz="2400" dirty="0"/>
               <a:t>C# ASP.NET MVC kod</a:t>
             </a:r>
           </a:p>
@@ -7883,7 +8072,7 @@
               <a:buChar char="•"/>
             </a:pPr>
             <a:r>
-              <a:rPr lang="sr-Latn-RS" dirty="0"/>
+              <a:rPr lang="sr-Latn-RS" sz="2400" dirty="0"/>
               <a:t>Grafički izgled</a:t>
             </a:r>
           </a:p>
@@ -7893,7 +8082,7 @@
               <a:buChar char="•"/>
             </a:pPr>
             <a:r>
-              <a:rPr lang="sr-Latn-RS" dirty="0"/>
+              <a:rPr lang="sr-Latn-RS" sz="2400" dirty="0"/>
               <a:t>Front End</a:t>
             </a:r>
           </a:p>
@@ -7903,7 +8092,7 @@
               <a:buChar char="•"/>
             </a:pPr>
             <a:r>
-              <a:rPr lang="sr-Latn-RS" dirty="0"/>
+              <a:rPr lang="sr-Latn-RS" sz="2400" dirty="0"/>
               <a:t>Back End </a:t>
             </a:r>
           </a:p>
@@ -8098,7 +8287,7 @@
         <p:spPr>
           <a:xfrm>
             <a:off x="509587" y="1628775"/>
-            <a:ext cx="11172825" cy="2831544"/>
+            <a:ext cx="11172825" cy="4062651"/>
           </a:xfrm>
           <a:prstGeom prst="rect">
             <a:avLst/>
@@ -8112,17 +8301,25 @@
           <a:lstStyle/>
           <a:p>
             <a:r>
-              <a:rPr lang="sr-Latn-RS" sz="2000" dirty="0"/>
-              <a:t>Napraviti bazu podataka za poslovanje online knjižare. Osnovna delatnost knjižare je prodaja knjiga. Knjiga sadrži: naziv, ime autora, cenu, žanrove, naslovnu stranu. Knjige se prodaju putem online narudžbine. Narudžbina sadrži sledeće podatke: datum narudžbine, e-mail korisnika, naziv knjige, količinu i cenu knjige, kao i status narudžbine (koji se menja kada se poslje knjiga).</a:t>
-            </a:r>
-            <a:endParaRPr lang="en-US" sz="2000" dirty="0"/>
-          </a:p>
-          <a:p>
-            <a:r>
-              <a:rPr lang="sr-Latn-RS" sz="2000" dirty="0"/>
+              <a:rPr lang="sr-Latn-RS" sz="2400" dirty="0"/>
+              <a:t>Napraviti bazu podataka za poslovanje online knjižare. Osnovna delatnost knjižare je prodaja knjiga. Knjiga sadrži: naziv, ime autora, cenu, žanrove, naslovnu stranu. Knjige se prodaju putem online narudžbine. Narudžbina sadrži sledeće podatke: datum narudžbine, e-mail korisnika, naziv knjige, količinu i cenu knjige, kao i status narudžbine (koji se menja kada se poš</a:t>
+            </a:r>
+            <a:r>
+              <a:rPr lang="en-US" sz="2400" dirty="0" err="1"/>
+              <a:t>alj</a:t>
+            </a:r>
+            <a:r>
+              <a:rPr lang="sr-Latn-RS" sz="2400" dirty="0"/>
+              <a:t>e knjiga).</a:t>
+            </a:r>
+            <a:endParaRPr lang="en-US" sz="2400" dirty="0"/>
+          </a:p>
+          <a:p>
+            <a:r>
+              <a:rPr lang="sr-Latn-RS" sz="2400" dirty="0"/>
               <a:t>Korisnik se registruje ili prijavljuje ukoliko već ima svoj nalog. Korisnik može da izvrši pretragu knjiga po kategorijama, nazivu knjiga i autorima, takodje može da detaljno pregleda knjigu ili da napravi svoju listu omiljenih knjiga za kasniju narudžbinu. Pre narudžbine knjiga se dodaje u korpu gde korisnik može da izmeni narudžbinu, ima uvid u količinu i ukupnu cenu i potvrdi porudžbinu.</a:t>
             </a:r>
-            <a:endParaRPr lang="en-US" sz="2000" dirty="0"/>
+            <a:endParaRPr lang="en-US" sz="2400" dirty="0"/>
           </a:p>
           <a:p>
             <a:endParaRPr lang="en-US" dirty="0"/>
@@ -8576,6 +8773,263 @@
           <p:cNvPr id="2" name="TextBox 1">
             <a:extLst>
               <a:ext uri="{FF2B5EF4-FFF2-40B4-BE49-F238E27FC236}">
+                <a16:creationId xmlns:a16="http://schemas.microsoft.com/office/drawing/2014/main" id="{DD204FA0-C5B4-482A-AD8B-098381DD8310}"/>
+              </a:ext>
+            </a:extLst>
+          </p:cNvPr>
+          <p:cNvSpPr txBox="1"/>
+          <p:nvPr/>
+        </p:nvSpPr>
+        <p:spPr>
+          <a:xfrm>
+            <a:off x="3914774" y="743961"/>
+            <a:ext cx="4752975" cy="523220"/>
+          </a:xfrm>
+          <a:prstGeom prst="rect">
+            <a:avLst/>
+          </a:prstGeom>
+          <a:noFill/>
+        </p:spPr>
+        <p:txBody>
+          <a:bodyPr wrap="square" rtlCol="0">
+            <a:spAutoFit/>
+          </a:bodyPr>
+          <a:lstStyle/>
+          <a:p>
+            <a:r>
+              <a:rPr lang="sr-Latn-RS" sz="2800" dirty="0">
+                <a:solidFill>
+                  <a:schemeClr val="accent1">
+                    <a:lumMod val="90000"/>
+                    <a:lumOff val="10000"/>
+                  </a:schemeClr>
+                </a:solidFill>
+              </a:rPr>
+              <a:t>SQL dijagram baze podataka</a:t>
+            </a:r>
+            <a:endParaRPr lang="en-US" sz="2800" dirty="0">
+              <a:solidFill>
+                <a:schemeClr val="accent1">
+                  <a:lumMod val="90000"/>
+                  <a:lumOff val="10000"/>
+                </a:schemeClr>
+              </a:solidFill>
+            </a:endParaRPr>
+          </a:p>
+        </p:txBody>
+      </p:sp>
+      <p:pic>
+        <p:nvPicPr>
+          <p:cNvPr id="4" name="Picture 3">
+            <a:extLst>
+              <a:ext uri="{FF2B5EF4-FFF2-40B4-BE49-F238E27FC236}">
+                <a16:creationId xmlns:a16="http://schemas.microsoft.com/office/drawing/2014/main" id="{1BBB51BF-B69C-4246-A57A-0886114C81B6}"/>
+              </a:ext>
+            </a:extLst>
+          </p:cNvPr>
+          <p:cNvPicPr>
+            <a:picLocks noChangeAspect="1"/>
+          </p:cNvPicPr>
+          <p:nvPr/>
+        </p:nvPicPr>
+        <p:blipFill>
+          <a:blip r:embed="rId2"/>
+          <a:stretch>
+            <a:fillRect/>
+          </a:stretch>
+        </p:blipFill>
+        <p:spPr>
+          <a:xfrm>
+            <a:off x="1712889" y="1267181"/>
+            <a:ext cx="8451260" cy="5029230"/>
+          </a:xfrm>
+          <a:prstGeom prst="rect">
+            <a:avLst/>
+          </a:prstGeom>
+        </p:spPr>
+      </p:pic>
+      <p:graphicFrame>
+        <p:nvGraphicFramePr>
+          <p:cNvPr id="5" name="Table 4">
+            <a:extLst>
+              <a:ext uri="{FF2B5EF4-FFF2-40B4-BE49-F238E27FC236}">
+                <a16:creationId xmlns:a16="http://schemas.microsoft.com/office/drawing/2014/main" id="{5A811285-D781-4786-9CC4-572253EC88A4}"/>
+              </a:ext>
+            </a:extLst>
+          </p:cNvPr>
+          <p:cNvGraphicFramePr>
+            <a:graphicFrameLocks noGrp="1"/>
+          </p:cNvGraphicFramePr>
+          <p:nvPr>
+            <p:extLst/>
+          </p:nvPr>
+        </p:nvGraphicFramePr>
+        <p:xfrm>
+          <a:off x="0" y="6315074"/>
+          <a:ext cx="12192000" cy="542925"/>
+        </p:xfrm>
+        <a:graphic>
+          <a:graphicData uri="http://schemas.openxmlformats.org/drawingml/2006/table">
+            <a:tbl>
+              <a:tblPr firstRow="1" bandRow="1">
+                <a:tableStyleId>{5C22544A-7EE6-4342-B048-85BDC9FD1C3A}</a:tableStyleId>
+              </a:tblPr>
+              <a:tblGrid>
+                <a:gridCol w="12192000">
+                  <a:extLst>
+                    <a:ext uri="{9D8B030D-6E8A-4147-A177-3AD203B41FA5}">
+                      <a16:colId xmlns:a16="http://schemas.microsoft.com/office/drawing/2014/main" val="1851491877"/>
+                    </a:ext>
+                  </a:extLst>
+                </a:gridCol>
+              </a:tblGrid>
+              <a:tr h="542925">
+                <a:tc>
+                  <a:txBody>
+                    <a:bodyPr/>
+                    <a:lstStyle/>
+                    <a:p>
+                      <a:endParaRPr lang="en-US" dirty="0"/>
+                    </a:p>
+                  </a:txBody>
+                  <a:tcPr/>
+                </a:tc>
+                <a:extLst>
+                  <a:ext uri="{0D108BD9-81ED-4DB2-BD59-A6C34878D82A}">
+                    <a16:rowId xmlns:a16="http://schemas.microsoft.com/office/drawing/2014/main" val="2912094421"/>
+                  </a:ext>
+                </a:extLst>
+              </a:tr>
+            </a:tbl>
+          </a:graphicData>
+        </a:graphic>
+      </p:graphicFrame>
+      <p:sp>
+        <p:nvSpPr>
+          <p:cNvPr id="20" name="TextBox 19">
+            <a:extLst>
+              <a:ext uri="{FF2B5EF4-FFF2-40B4-BE49-F238E27FC236}">
+                <a16:creationId xmlns:a16="http://schemas.microsoft.com/office/drawing/2014/main" id="{B0126556-665E-45F2-AB82-A81DCC4AC753}"/>
+              </a:ext>
+            </a:extLst>
+          </p:cNvPr>
+          <p:cNvSpPr txBox="1"/>
+          <p:nvPr/>
+        </p:nvSpPr>
+        <p:spPr>
+          <a:xfrm>
+            <a:off x="4562475" y="6364090"/>
+            <a:ext cx="6791325" cy="646331"/>
+          </a:xfrm>
+          <a:prstGeom prst="rect">
+            <a:avLst/>
+          </a:prstGeom>
+          <a:noFill/>
+        </p:spPr>
+        <p:txBody>
+          <a:bodyPr wrap="square" rtlCol="0">
+            <a:spAutoFit/>
+          </a:bodyPr>
+          <a:lstStyle/>
+          <a:p>
+            <a:r>
+              <a:rPr lang="pl-PL" dirty="0">
+                <a:solidFill>
+                  <a:schemeClr val="bg1"/>
+                </a:solidFill>
+              </a:rPr>
+              <a:t>Obuka za Web aplikacije – Grupa 1 - </a:t>
+            </a:r>
+            <a:r>
+              <a:rPr lang="sr-Latn-RS" altLang="en-US" dirty="0">
+                <a:solidFill>
+                  <a:schemeClr val="bg1"/>
+                </a:solidFill>
+              </a:rPr>
+              <a:t>Knjižara</a:t>
+            </a:r>
+            <a:endParaRPr lang="en-US" dirty="0">
+              <a:solidFill>
+                <a:schemeClr val="bg1"/>
+              </a:solidFill>
+            </a:endParaRPr>
+          </a:p>
+          <a:p>
+            <a:endParaRPr lang="en-US" dirty="0"/>
+          </a:p>
+        </p:txBody>
+      </p:sp>
+      <p:pic>
+        <p:nvPicPr>
+          <p:cNvPr id="21" name="Picture 20">
+            <a:extLst>
+              <a:ext uri="{FF2B5EF4-FFF2-40B4-BE49-F238E27FC236}">
+                <a16:creationId xmlns:a16="http://schemas.microsoft.com/office/drawing/2014/main" id="{CC4CEF6C-6B3E-4D56-9C10-E17FA738CB87}"/>
+              </a:ext>
+            </a:extLst>
+          </p:cNvPr>
+          <p:cNvPicPr>
+            <a:picLocks noChangeAspect="1"/>
+          </p:cNvPicPr>
+          <p:nvPr/>
+        </p:nvPicPr>
+        <p:blipFill>
+          <a:blip r:embed="rId3">
+            <a:extLst>
+              <a:ext uri="{28A0092B-C50C-407E-A947-70E740481C1C}">
+                <a14:useLocalDpi xmlns:a14="http://schemas.microsoft.com/office/drawing/2010/main" val="0"/>
+              </a:ext>
+            </a:extLst>
+          </a:blip>
+          <a:stretch>
+            <a:fillRect/>
+          </a:stretch>
+        </p:blipFill>
+        <p:spPr>
+          <a:xfrm>
+            <a:off x="1171741" y="6364090"/>
+            <a:ext cx="2352509" cy="426230"/>
+          </a:xfrm>
+          <a:prstGeom prst="rect">
+            <a:avLst/>
+          </a:prstGeom>
+        </p:spPr>
+      </p:pic>
+    </p:spTree>
+    <p:extLst>
+      <p:ext uri="{BB962C8B-B14F-4D97-AF65-F5344CB8AC3E}">
+        <p14:creationId xmlns:p14="http://schemas.microsoft.com/office/powerpoint/2010/main" val="2860985538"/>
+      </p:ext>
+    </p:extLst>
+  </p:cSld>
+  <p:clrMapOvr>
+    <a:masterClrMapping/>
+  </p:clrMapOvr>
+</p:sld>
+</file>
+
+<file path=ppt/slides/slide6.xml><?xml version="1.0" encoding="utf-8"?>
+<p:sld xmlns:a="http://schemas.openxmlformats.org/drawingml/2006/main" xmlns:r="http://schemas.openxmlformats.org/officeDocument/2006/relationships" xmlns:p="http://schemas.openxmlformats.org/presentationml/2006/main">
+  <p:cSld>
+    <p:spTree>
+      <p:nvGrpSpPr>
+        <p:cNvPr id="1" name=""/>
+        <p:cNvGrpSpPr/>
+        <p:nvPr/>
+      </p:nvGrpSpPr>
+      <p:grpSpPr>
+        <a:xfrm>
+          <a:off x="0" y="0"/>
+          <a:ext cx="0" cy="0"/>
+          <a:chOff x="0" y="0"/>
+          <a:chExt cx="0" cy="0"/>
+        </a:xfrm>
+      </p:grpSpPr>
+      <p:sp>
+        <p:nvSpPr>
+          <p:cNvPr id="2" name="TextBox 1">
+            <a:extLst>
+              <a:ext uri="{FF2B5EF4-FFF2-40B4-BE49-F238E27FC236}">
                 <a16:creationId xmlns:a16="http://schemas.microsoft.com/office/drawing/2014/main" id="{E49E0F87-C52C-4876-9409-C4DE16D33DD5}"/>
               </a:ext>
             </a:extLst>
@@ -8787,7 +9241,7 @@
         <p:spPr>
           <a:xfrm>
             <a:off x="361950" y="649446"/>
-            <a:ext cx="11830050" cy="5539978"/>
+            <a:ext cx="11830050" cy="5632311"/>
           </a:xfrm>
           <a:prstGeom prst="rect">
             <a:avLst/>
@@ -8801,510 +9255,331 @@
           <a:lstStyle/>
           <a:p>
             <a:r>
-              <a:rPr lang="en-US" sz="1600" dirty="0"/>
+              <a:rPr lang="en-US" sz="2400" dirty="0">
+                <a:latin typeface="Consolas" panose="020B0609020204030204" pitchFamily="49" charset="0"/>
+              </a:rPr>
               <a:t>public class </a:t>
             </a:r>
             <a:r>
-              <a:rPr lang="en-US" sz="1600" dirty="0" err="1"/>
+              <a:rPr lang="en-US" sz="2400" dirty="0" err="1">
+                <a:latin typeface="Consolas" panose="020B0609020204030204" pitchFamily="49" charset="0"/>
+              </a:rPr>
               <a:t>KnjigeController</a:t>
             </a:r>
             <a:r>
-              <a:rPr lang="en-US" sz="1600" dirty="0"/>
+              <a:rPr lang="en-US" sz="2400" dirty="0">
+                <a:latin typeface="Consolas" panose="020B0609020204030204" pitchFamily="49" charset="0"/>
+              </a:rPr>
               <a:t> : Controller</a:t>
             </a:r>
           </a:p>
           <a:p>
             <a:r>
-              <a:rPr lang="en-US" sz="1600" dirty="0"/>
+              <a:rPr lang="en-US" sz="2400" dirty="0">
+                <a:latin typeface="Consolas" panose="020B0609020204030204" pitchFamily="49" charset="0"/>
+              </a:rPr>
               <a:t>    {</a:t>
             </a:r>
           </a:p>
           <a:p>
             <a:r>
-              <a:rPr lang="en-US" sz="1600" dirty="0"/>
+              <a:rPr lang="en-US" sz="2400" dirty="0">
+                <a:latin typeface="Consolas" panose="020B0609020204030204" pitchFamily="49" charset="0"/>
+              </a:rPr>
               <a:t>        private </a:t>
             </a:r>
             <a:r>
-              <a:rPr lang="en-US" sz="1600" dirty="0" err="1"/>
+              <a:rPr lang="en-US" sz="2400" dirty="0" err="1">
+                <a:latin typeface="Consolas" panose="020B0609020204030204" pitchFamily="49" charset="0"/>
+              </a:rPr>
               <a:t>KnjizaraDBEntities</a:t>
             </a:r>
             <a:r>
-              <a:rPr lang="en-US" sz="1600" dirty="0"/>
+              <a:rPr lang="en-US" sz="2400" dirty="0">
+                <a:latin typeface="Consolas" panose="020B0609020204030204" pitchFamily="49" charset="0"/>
+              </a:rPr>
               <a:t> </a:t>
             </a:r>
             <a:r>
-              <a:rPr lang="en-US" sz="1600" dirty="0" err="1"/>
+              <a:rPr lang="en-US" sz="2400" dirty="0" err="1">
+                <a:latin typeface="Consolas" panose="020B0609020204030204" pitchFamily="49" charset="0"/>
+              </a:rPr>
               <a:t>db</a:t>
             </a:r>
             <a:r>
-              <a:rPr lang="en-US" sz="1600" dirty="0"/>
+              <a:rPr lang="en-US" sz="2400" dirty="0">
+                <a:latin typeface="Consolas" panose="020B0609020204030204" pitchFamily="49" charset="0"/>
+              </a:rPr>
               <a:t> = new </a:t>
             </a:r>
             <a:r>
-              <a:rPr lang="en-US" sz="1600" dirty="0" err="1"/>
+              <a:rPr lang="en-US" sz="2400" dirty="0" err="1">
+                <a:latin typeface="Consolas" panose="020B0609020204030204" pitchFamily="49" charset="0"/>
+              </a:rPr>
               <a:t>KnjizaraDBEntities</a:t>
             </a:r>
             <a:r>
-              <a:rPr lang="en-US" sz="1600" dirty="0"/>
+              <a:rPr lang="en-US" sz="2400" dirty="0">
+                <a:latin typeface="Consolas" panose="020B0609020204030204" pitchFamily="49" charset="0"/>
+              </a:rPr>
               <a:t>();</a:t>
             </a:r>
-            <a:endParaRPr lang="sr-Latn-RS" sz="1600" dirty="0"/>
-          </a:p>
-          <a:p>
-            <a:endParaRPr lang="en-US" sz="1600" dirty="0"/>
-          </a:p>
-          <a:p>
-            <a:r>
-              <a:rPr lang="en-US" sz="1600" dirty="0"/>
+          </a:p>
+          <a:p>
+            <a:r>
+              <a:rPr lang="en-US" sz="2400" dirty="0">
+                <a:latin typeface="Consolas" panose="020B0609020204030204" pitchFamily="49" charset="0"/>
+              </a:rPr>
               <a:t>        // GET: </a:t>
             </a:r>
             <a:r>
-              <a:rPr lang="en-US" sz="1600" dirty="0" err="1"/>
+              <a:rPr lang="en-US" sz="2400" dirty="0" err="1">
+                <a:latin typeface="Consolas" panose="020B0609020204030204" pitchFamily="49" charset="0"/>
+              </a:rPr>
               <a:t>Knjige</a:t>
             </a:r>
-            <a:endParaRPr lang="en-US" sz="1600" dirty="0"/>
-          </a:p>
-          <a:p>
-            <a:r>
-              <a:rPr lang="en-US" sz="1600" dirty="0"/>
+            <a:endParaRPr lang="en-US" sz="2400" dirty="0">
+              <a:latin typeface="Consolas" panose="020B0609020204030204" pitchFamily="49" charset="0"/>
+            </a:endParaRPr>
+          </a:p>
+          <a:p>
+            <a:r>
+              <a:rPr lang="en-US" sz="2400" dirty="0">
+                <a:latin typeface="Consolas" panose="020B0609020204030204" pitchFamily="49" charset="0"/>
+              </a:rPr>
               <a:t>        public </a:t>
             </a:r>
             <a:r>
-              <a:rPr lang="en-US" sz="1600" dirty="0" err="1"/>
+              <a:rPr lang="en-US" sz="2400" dirty="0" err="1">
+                <a:latin typeface="Consolas" panose="020B0609020204030204" pitchFamily="49" charset="0"/>
+              </a:rPr>
               <a:t>ActionResult</a:t>
             </a:r>
             <a:r>
-              <a:rPr lang="en-US" sz="1600" dirty="0"/>
+              <a:rPr lang="en-US" sz="2400" dirty="0">
+                <a:latin typeface="Consolas" panose="020B0609020204030204" pitchFamily="49" charset="0"/>
+              </a:rPr>
               <a:t> Index(int? </a:t>
             </a:r>
             <a:r>
-              <a:rPr lang="en-US" sz="1600" dirty="0" err="1"/>
+              <a:rPr lang="en-US" sz="2400" dirty="0" err="1">
+                <a:latin typeface="Consolas" panose="020B0609020204030204" pitchFamily="49" charset="0"/>
+              </a:rPr>
               <a:t>currentPage</a:t>
             </a:r>
             <a:r>
-              <a:rPr lang="en-US" sz="1600" dirty="0"/>
+              <a:rPr lang="en-US" sz="2400" dirty="0">
+                <a:latin typeface="Consolas" panose="020B0609020204030204" pitchFamily="49" charset="0"/>
+              </a:rPr>
               <a:t>, string search)</a:t>
             </a:r>
           </a:p>
           <a:p>
             <a:r>
-              <a:rPr lang="en-US" sz="1600" dirty="0"/>
+              <a:rPr lang="en-US" sz="2400" dirty="0">
+                <a:latin typeface="Consolas" panose="020B0609020204030204" pitchFamily="49" charset="0"/>
+              </a:rPr>
               <a:t>        {</a:t>
             </a:r>
           </a:p>
           <a:p>
             <a:r>
-              <a:rPr lang="en-US" sz="1600" dirty="0"/>
+              <a:rPr lang="en-US" sz="2400" dirty="0">
+                <a:latin typeface="Consolas" panose="020B0609020204030204" pitchFamily="49" charset="0"/>
+              </a:rPr>
               <a:t>            int </a:t>
             </a:r>
             <a:r>
-              <a:rPr lang="en-US" sz="1600" dirty="0" err="1"/>
+              <a:rPr lang="en-US" sz="2400" dirty="0" err="1">
+                <a:latin typeface="Consolas" panose="020B0609020204030204" pitchFamily="49" charset="0"/>
+              </a:rPr>
               <a:t>maxRows</a:t>
             </a:r>
             <a:r>
-              <a:rPr lang="en-US" sz="1600" dirty="0"/>
+              <a:rPr lang="en-US" sz="2400" dirty="0">
+                <a:latin typeface="Consolas" panose="020B0609020204030204" pitchFamily="49" charset="0"/>
+              </a:rPr>
               <a:t> = 5;</a:t>
             </a:r>
           </a:p>
           <a:p>
             <a:r>
-              <a:rPr lang="en-US" sz="1600" dirty="0"/>
+              <a:rPr lang="en-US" sz="2400" dirty="0">
+                <a:latin typeface="Consolas" panose="020B0609020204030204" pitchFamily="49" charset="0"/>
+              </a:rPr>
               <a:t>            int </a:t>
             </a:r>
             <a:r>
-              <a:rPr lang="en-US" sz="1600" dirty="0" err="1"/>
+              <a:rPr lang="en-US" sz="2400" dirty="0" err="1">
+                <a:latin typeface="Consolas" panose="020B0609020204030204" pitchFamily="49" charset="0"/>
+              </a:rPr>
               <a:t>pageNumber</a:t>
             </a:r>
             <a:r>
-              <a:rPr lang="en-US" sz="1600" dirty="0"/>
+              <a:rPr lang="en-US" sz="2400" dirty="0">
+                <a:latin typeface="Consolas" panose="020B0609020204030204" pitchFamily="49" charset="0"/>
+              </a:rPr>
               <a:t> = (</a:t>
             </a:r>
             <a:r>
-              <a:rPr lang="en-US" sz="1600" dirty="0" err="1"/>
+              <a:rPr lang="en-US" sz="2400" dirty="0" err="1">
+                <a:latin typeface="Consolas" panose="020B0609020204030204" pitchFamily="49" charset="0"/>
+              </a:rPr>
               <a:t>currentPage</a:t>
             </a:r>
             <a:r>
-              <a:rPr lang="en-US" sz="1600" dirty="0"/>
+              <a:rPr lang="en-US" sz="2400" dirty="0">
+                <a:latin typeface="Consolas" panose="020B0609020204030204" pitchFamily="49" charset="0"/>
+              </a:rPr>
               <a:t> ?? 1);</a:t>
             </a:r>
-            <a:endParaRPr lang="sr-Latn-RS" sz="1600" dirty="0"/>
-          </a:p>
-          <a:p>
-            <a:endParaRPr lang="en-US" sz="1600" dirty="0"/>
-          </a:p>
-          <a:p>
-            <a:r>
-              <a:rPr lang="en-US" sz="1600" dirty="0"/>
+            <a:endParaRPr lang="sr-Latn-RS" sz="2400" dirty="0">
+              <a:latin typeface="Consolas" panose="020B0609020204030204" pitchFamily="49" charset="0"/>
+            </a:endParaRPr>
+          </a:p>
+          <a:p>
+            <a:endParaRPr lang="en-US" sz="2400" dirty="0">
+              <a:latin typeface="Consolas" panose="020B0609020204030204" pitchFamily="49" charset="0"/>
+            </a:endParaRPr>
+          </a:p>
+          <a:p>
+            <a:r>
+              <a:rPr lang="en-US" sz="2400" dirty="0">
+                <a:latin typeface="Consolas" panose="020B0609020204030204" pitchFamily="49" charset="0"/>
+              </a:rPr>
               <a:t>            </a:t>
             </a:r>
             <a:r>
-              <a:rPr lang="en-US" sz="1600" dirty="0" err="1"/>
+              <a:rPr lang="en-US" sz="2400" dirty="0" err="1">
+                <a:latin typeface="Consolas" panose="020B0609020204030204" pitchFamily="49" charset="0"/>
+              </a:rPr>
               <a:t>KnjigaZanroviViewModel</a:t>
             </a:r>
             <a:r>
-              <a:rPr lang="en-US" sz="1600" dirty="0"/>
+              <a:rPr lang="en-US" sz="2400" dirty="0">
+                <a:latin typeface="Consolas" panose="020B0609020204030204" pitchFamily="49" charset="0"/>
+              </a:rPr>
               <a:t> </a:t>
             </a:r>
             <a:r>
-              <a:rPr lang="en-US" sz="1600" dirty="0" err="1"/>
+              <a:rPr lang="en-US" sz="2400" dirty="0" err="1">
+                <a:latin typeface="Consolas" panose="020B0609020204030204" pitchFamily="49" charset="0"/>
+              </a:rPr>
               <a:t>knjigaZanroviViewModel</a:t>
             </a:r>
             <a:r>
-              <a:rPr lang="en-US" sz="1600" dirty="0"/>
+              <a:rPr lang="en-US" sz="2400" dirty="0">
+                <a:latin typeface="Consolas" panose="020B0609020204030204" pitchFamily="49" charset="0"/>
+              </a:rPr>
               <a:t> = new </a:t>
             </a:r>
             <a:r>
-              <a:rPr lang="en-US" sz="1600" dirty="0" err="1"/>
+              <a:rPr lang="en-US" sz="2400" dirty="0" err="1">
+                <a:latin typeface="Consolas" panose="020B0609020204030204" pitchFamily="49" charset="0"/>
+              </a:rPr>
               <a:t>KnjigaZanroviViewModel</a:t>
             </a:r>
             <a:r>
-              <a:rPr lang="en-US" sz="1600" dirty="0"/>
+              <a:rPr lang="en-US" sz="2400" dirty="0">
+                <a:latin typeface="Consolas" panose="020B0609020204030204" pitchFamily="49" charset="0"/>
+              </a:rPr>
               <a:t>();</a:t>
             </a:r>
           </a:p>
           <a:p>
             <a:r>
-              <a:rPr lang="en-US" sz="1600" dirty="0"/>
+              <a:rPr lang="en-US" sz="2400" dirty="0">
+                <a:latin typeface="Consolas" panose="020B0609020204030204" pitchFamily="49" charset="0"/>
+              </a:rPr>
               <a:t>            List &lt;</a:t>
             </a:r>
             <a:r>
-              <a:rPr lang="en-US" sz="1600" dirty="0" err="1"/>
+              <a:rPr lang="en-US" sz="2400" dirty="0" err="1">
+                <a:latin typeface="Consolas" panose="020B0609020204030204" pitchFamily="49" charset="0"/>
+              </a:rPr>
               <a:t>KnjigaSaZanrovima</a:t>
             </a:r>
             <a:r>
-              <a:rPr lang="en-US" sz="1600" dirty="0"/>
+              <a:rPr lang="en-US" sz="2400" dirty="0">
+                <a:latin typeface="Consolas" panose="020B0609020204030204" pitchFamily="49" charset="0"/>
+              </a:rPr>
               <a:t>&gt; </a:t>
             </a:r>
             <a:r>
-              <a:rPr lang="en-US" sz="1600" dirty="0" err="1"/>
+              <a:rPr lang="en-US" sz="2400" dirty="0" err="1">
+                <a:latin typeface="Consolas" panose="020B0609020204030204" pitchFamily="49" charset="0"/>
+              </a:rPr>
               <a:t>knjigeSaZanrovima</a:t>
             </a:r>
             <a:r>
-              <a:rPr lang="en-US" sz="1600" dirty="0"/>
+              <a:rPr lang="en-US" sz="2400" dirty="0">
+                <a:latin typeface="Consolas" panose="020B0609020204030204" pitchFamily="49" charset="0"/>
+              </a:rPr>
               <a:t> = new List&lt;</a:t>
             </a:r>
             <a:r>
-              <a:rPr lang="en-US" sz="1600" dirty="0" err="1"/>
+              <a:rPr lang="en-US" sz="2400" dirty="0" err="1">
+                <a:latin typeface="Consolas" panose="020B0609020204030204" pitchFamily="49" charset="0"/>
+              </a:rPr>
               <a:t>KnjigaSaZanrovima</a:t>
             </a:r>
             <a:r>
-              <a:rPr lang="en-US" sz="1600" dirty="0"/>
+              <a:rPr lang="en-US" sz="2400" dirty="0">
+                <a:latin typeface="Consolas" panose="020B0609020204030204" pitchFamily="49" charset="0"/>
+              </a:rPr>
               <a:t>&gt;();</a:t>
             </a:r>
           </a:p>
           <a:p>
             <a:r>
-              <a:rPr lang="en-US" sz="1600" dirty="0"/>
+              <a:rPr lang="en-US" sz="2400" dirty="0">
+                <a:latin typeface="Consolas" panose="020B0609020204030204" pitchFamily="49" charset="0"/>
+              </a:rPr>
               <a:t>            List&lt;</a:t>
             </a:r>
             <a:r>
-              <a:rPr lang="en-US" sz="1600" dirty="0" err="1"/>
+              <a:rPr lang="en-US" sz="2400" dirty="0" err="1">
+                <a:latin typeface="Consolas" panose="020B0609020204030204" pitchFamily="49" charset="0"/>
+              </a:rPr>
               <a:t>Knjige</a:t>
             </a:r>
             <a:r>
-              <a:rPr lang="en-US" sz="1600" dirty="0"/>
+              <a:rPr lang="en-US" sz="2400" dirty="0">
+                <a:latin typeface="Consolas" panose="020B0609020204030204" pitchFamily="49" charset="0"/>
+              </a:rPr>
               <a:t>&gt; </a:t>
             </a:r>
             <a:r>
-              <a:rPr lang="en-US" sz="1600" dirty="0" err="1"/>
+              <a:rPr lang="en-US" sz="2400" dirty="0" err="1">
+                <a:latin typeface="Consolas" panose="020B0609020204030204" pitchFamily="49" charset="0"/>
+              </a:rPr>
               <a:t>knjiges</a:t>
             </a:r>
             <a:r>
-              <a:rPr lang="en-US" sz="1600" dirty="0"/>
+              <a:rPr lang="en-US" sz="2400" dirty="0">
+                <a:latin typeface="Consolas" panose="020B0609020204030204" pitchFamily="49" charset="0"/>
+              </a:rPr>
               <a:t>;</a:t>
             </a:r>
           </a:p>
           <a:p>
             <a:r>
-              <a:rPr lang="en-US" sz="1600" dirty="0"/>
+              <a:rPr lang="en-US" sz="2400" dirty="0">
+                <a:latin typeface="Consolas" panose="020B0609020204030204" pitchFamily="49" charset="0"/>
+              </a:rPr>
               <a:t>            if (!</a:t>
             </a:r>
             <a:r>
-              <a:rPr lang="en-US" sz="1600" dirty="0" err="1"/>
+              <a:rPr lang="en-US" sz="2400" dirty="0" err="1">
+                <a:latin typeface="Consolas" panose="020B0609020204030204" pitchFamily="49" charset="0"/>
+              </a:rPr>
               <a:t>String.IsNullOrEmpty</a:t>
             </a:r>
             <a:r>
-              <a:rPr lang="en-US" sz="1600" dirty="0"/>
-              <a:t>(search))</a:t>
-            </a:r>
-          </a:p>
-          <a:p>
-            <a:r>
-              <a:rPr lang="en-US" sz="1600" dirty="0"/>
-              <a:t>            {</a:t>
-            </a:r>
-          </a:p>
-          <a:p>
-            <a:r>
-              <a:rPr lang="en-US" sz="1600" dirty="0"/>
-              <a:t>                </a:t>
-            </a:r>
-            <a:r>
-              <a:rPr lang="en-US" sz="1600" dirty="0" err="1"/>
-              <a:t>knjiges</a:t>
-            </a:r>
-            <a:r>
-              <a:rPr lang="en-US" sz="1600" dirty="0"/>
-              <a:t> = </a:t>
-            </a:r>
-            <a:r>
-              <a:rPr lang="en-US" sz="1600" dirty="0" err="1"/>
-              <a:t>db.Knjige.Include</a:t>
-            </a:r>
-            <a:r>
-              <a:rPr lang="en-US" sz="1600" dirty="0"/>
-              <a:t>(k =&gt; </a:t>
-            </a:r>
-            <a:r>
-              <a:rPr lang="en-US" sz="1600" dirty="0" err="1"/>
-              <a:t>k.Autori</a:t>
-            </a:r>
-            <a:r>
-              <a:rPr lang="en-US" sz="1600" dirty="0"/>
-              <a:t>).Where(k =&gt; </a:t>
-            </a:r>
-            <a:r>
-              <a:rPr lang="en-US" sz="1600" dirty="0" err="1"/>
-              <a:t>k.naziv.Contains</a:t>
-            </a:r>
-            <a:r>
-              <a:rPr lang="en-US" sz="1600" dirty="0"/>
-              <a:t>(search) || </a:t>
-            </a:r>
-            <a:r>
-              <a:rPr lang="en-US" sz="1600" dirty="0" err="1"/>
-              <a:t>k.Autori.ime.Contains</a:t>
-            </a:r>
-            <a:r>
-              <a:rPr lang="en-US" sz="1600" dirty="0"/>
-              <a:t>(search)).</a:t>
-            </a:r>
-            <a:r>
-              <a:rPr lang="en-US" sz="1600" dirty="0" err="1"/>
-              <a:t>OrderByDescending</a:t>
-            </a:r>
-            <a:r>
-              <a:rPr lang="en-US" sz="1600" dirty="0"/>
-              <a:t>(</a:t>
-            </a:r>
-            <a:r>
-              <a:rPr lang="en-US" sz="1600" dirty="0" err="1"/>
-              <a:t>i</a:t>
-            </a:r>
-            <a:r>
-              <a:rPr lang="en-US" sz="1600" dirty="0"/>
-              <a:t> =&gt; </a:t>
-            </a:r>
-            <a:r>
-              <a:rPr lang="en-US" sz="1600" dirty="0" err="1"/>
-              <a:t>i.id_knjige</a:t>
-            </a:r>
-            <a:r>
-              <a:rPr lang="en-US" sz="1600" dirty="0"/>
-              <a:t>).Skip((</a:t>
-            </a:r>
-            <a:r>
-              <a:rPr lang="en-US" sz="1600" dirty="0" err="1"/>
-              <a:t>pageNumber</a:t>
-            </a:r>
-            <a:r>
-              <a:rPr lang="en-US" sz="1600" dirty="0"/>
-              <a:t> - 1) * </a:t>
-            </a:r>
-            <a:r>
-              <a:rPr lang="en-US" sz="1600" dirty="0" err="1"/>
-              <a:t>maxRows</a:t>
-            </a:r>
-            <a:r>
-              <a:rPr lang="en-US" sz="1600" dirty="0"/>
-              <a:t>).Take(</a:t>
-            </a:r>
-            <a:r>
-              <a:rPr lang="en-US" sz="1600" dirty="0" err="1"/>
-              <a:t>maxRows</a:t>
-            </a:r>
-            <a:r>
-              <a:rPr lang="en-US" sz="1600" dirty="0"/>
-              <a:t>).</a:t>
-            </a:r>
-            <a:r>
-              <a:rPr lang="en-US" sz="1600" dirty="0" err="1"/>
-              <a:t>ToList</a:t>
-            </a:r>
-            <a:r>
-              <a:rPr lang="en-US" sz="1600" dirty="0"/>
-              <a:t>();</a:t>
-            </a:r>
-          </a:p>
-          <a:p>
-            <a:r>
-              <a:rPr lang="en-US" sz="1600" dirty="0"/>
-              <a:t>            } else</a:t>
-            </a:r>
-            <a:r>
-              <a:rPr lang="sr-Latn-RS" sz="1600" dirty="0"/>
-              <a:t> {</a:t>
-            </a:r>
-          </a:p>
-          <a:p>
-            <a:r>
-              <a:rPr lang="en-US" sz="1600" dirty="0" err="1"/>
-              <a:t>knjiges</a:t>
-            </a:r>
-            <a:r>
-              <a:rPr lang="en-US" sz="1600" dirty="0"/>
-              <a:t> = </a:t>
-            </a:r>
-            <a:r>
-              <a:rPr lang="en-US" sz="1600" dirty="0" err="1"/>
-              <a:t>db.Knjiges.Include</a:t>
-            </a:r>
-            <a:r>
-              <a:rPr lang="en-US" sz="1600" dirty="0"/>
-              <a:t>(k =&gt; </a:t>
-            </a:r>
-            <a:r>
-              <a:rPr lang="en-US" sz="1600" dirty="0" err="1"/>
-              <a:t>k.Autori</a:t>
-            </a:r>
-            <a:r>
-              <a:rPr lang="en-US" sz="1600" dirty="0"/>
-              <a:t>).</a:t>
-            </a:r>
-            <a:r>
-              <a:rPr lang="en-US" sz="1600" dirty="0" err="1"/>
-              <a:t>OrderByDescending</a:t>
-            </a:r>
-            <a:r>
-              <a:rPr lang="en-US" sz="1600" dirty="0"/>
-              <a:t>(</a:t>
-            </a:r>
-            <a:r>
-              <a:rPr lang="en-US" sz="1600" dirty="0" err="1"/>
-              <a:t>i</a:t>
-            </a:r>
-            <a:r>
-              <a:rPr lang="en-US" sz="1600" dirty="0"/>
-              <a:t> =&gt; </a:t>
-            </a:r>
-            <a:r>
-              <a:rPr lang="en-US" sz="1600" dirty="0" err="1"/>
-              <a:t>i.id_knjige</a:t>
-            </a:r>
-            <a:r>
-              <a:rPr lang="en-US" sz="1600" dirty="0"/>
-              <a:t>).Skip((</a:t>
-            </a:r>
-            <a:r>
-              <a:rPr lang="en-US" sz="1600" dirty="0" err="1"/>
-              <a:t>pageNumber</a:t>
-            </a:r>
-            <a:r>
-              <a:rPr lang="en-US" sz="1600" dirty="0"/>
-              <a:t> - 1) * </a:t>
-            </a:r>
-            <a:r>
-              <a:rPr lang="en-US" sz="1600" dirty="0" err="1"/>
-              <a:t>maxRows</a:t>
-            </a:r>
-            <a:r>
-              <a:rPr lang="en-US" sz="1600" dirty="0"/>
-              <a:t>).Take(</a:t>
-            </a:r>
-            <a:r>
-              <a:rPr lang="en-US" sz="1600" dirty="0" err="1"/>
-              <a:t>maxRows</a:t>
-            </a:r>
-            <a:r>
-              <a:rPr lang="en-US" sz="1600" dirty="0"/>
-              <a:t>).</a:t>
-            </a:r>
-            <a:r>
-              <a:rPr lang="en-US" sz="1600" dirty="0" err="1"/>
-              <a:t>ToList</a:t>
-            </a:r>
-            <a:r>
-              <a:rPr lang="en-US" sz="1600" dirty="0"/>
-              <a:t>();</a:t>
-            </a:r>
-          </a:p>
-          <a:p>
-            <a:r>
-              <a:rPr lang="en-US" sz="1600" dirty="0"/>
-              <a:t>            }</a:t>
-            </a:r>
-            <a:endParaRPr lang="sr-Latn-RS" sz="1600" dirty="0"/>
-          </a:p>
-          <a:p>
-            <a:r>
-              <a:rPr lang="sr-Latn-RS" sz="1600" dirty="0"/>
-              <a:t> 	    </a:t>
-            </a:r>
-            <a:r>
-              <a:rPr lang="en-US" sz="1600" dirty="0"/>
-              <a:t>double </a:t>
-            </a:r>
-            <a:r>
-              <a:rPr lang="en-US" sz="1600" dirty="0" err="1"/>
-              <a:t>pageCount</a:t>
-            </a:r>
-            <a:r>
-              <a:rPr lang="en-US" sz="1600" dirty="0"/>
-              <a:t> = (double)((decimal)</a:t>
-            </a:r>
-            <a:r>
-              <a:rPr lang="en-US" sz="1600" dirty="0" err="1"/>
-              <a:t>db.Knjiges.Count</a:t>
-            </a:r>
-            <a:r>
-              <a:rPr lang="en-US" sz="1600" dirty="0"/>
-              <a:t>() / </a:t>
-            </a:r>
-            <a:r>
-              <a:rPr lang="en-US" sz="1600" dirty="0" err="1"/>
-              <a:t>Convert.ToDecimal</a:t>
-            </a:r>
-            <a:r>
-              <a:rPr lang="en-US" sz="1600" dirty="0"/>
-              <a:t>(</a:t>
-            </a:r>
-            <a:r>
-              <a:rPr lang="en-US" sz="1600" dirty="0" err="1"/>
-              <a:t>maxRows</a:t>
-            </a:r>
-            <a:r>
-              <a:rPr lang="en-US" sz="1600" dirty="0"/>
-              <a:t>));</a:t>
-            </a:r>
-          </a:p>
-          <a:p>
-            <a:r>
-              <a:rPr lang="en-US" sz="1600" dirty="0"/>
-              <a:t>            </a:t>
-            </a:r>
-            <a:r>
-              <a:rPr lang="en-US" sz="1600" dirty="0" err="1"/>
-              <a:t>knjigaZanroviViewModel.PageCount</a:t>
-            </a:r>
-            <a:r>
-              <a:rPr lang="en-US" sz="1600" dirty="0"/>
-              <a:t> = (int)</a:t>
-            </a:r>
-            <a:r>
-              <a:rPr lang="en-US" sz="1600" dirty="0" err="1"/>
-              <a:t>Math.Ceiling</a:t>
-            </a:r>
-            <a:r>
-              <a:rPr lang="en-US" sz="1600" dirty="0"/>
-              <a:t>(</a:t>
-            </a:r>
-            <a:r>
-              <a:rPr lang="en-US" sz="1600" dirty="0" err="1"/>
-              <a:t>pageCount</a:t>
-            </a:r>
-            <a:r>
-              <a:rPr lang="en-US" sz="1600" dirty="0"/>
-              <a:t>);</a:t>
+              <a:rPr lang="en-US" sz="2400" dirty="0">
+                <a:latin typeface="Consolas" panose="020B0609020204030204" pitchFamily="49" charset="0"/>
+              </a:rPr>
+              <a:t>(search))  {</a:t>
             </a:r>
           </a:p>
         </p:txBody>
@@ -9322,7 +9597,770 @@
 </p:sld>
 </file>
 
-<file path=ppt/slides/slide6.xml><?xml version="1.0" encoding="utf-8"?>
+<file path=ppt/slides/slide7.xml><?xml version="1.0" encoding="utf-8"?>
+<p:sld xmlns:a="http://schemas.openxmlformats.org/drawingml/2006/main" xmlns:r="http://schemas.openxmlformats.org/officeDocument/2006/relationships" xmlns:p="http://schemas.openxmlformats.org/presentationml/2006/main">
+  <p:cSld>
+    <p:spTree>
+      <p:nvGrpSpPr>
+        <p:cNvPr id="1" name=""/>
+        <p:cNvGrpSpPr/>
+        <p:nvPr/>
+      </p:nvGrpSpPr>
+      <p:grpSpPr>
+        <a:xfrm>
+          <a:off x="0" y="0"/>
+          <a:ext cx="0" cy="0"/>
+          <a:chOff x="0" y="0"/>
+          <a:chExt cx="0" cy="0"/>
+        </a:xfrm>
+      </p:grpSpPr>
+      <p:sp>
+        <p:nvSpPr>
+          <p:cNvPr id="2" name="TextBox 1">
+            <a:extLst>
+              <a:ext uri="{FF2B5EF4-FFF2-40B4-BE49-F238E27FC236}">
+                <a16:creationId xmlns:a16="http://schemas.microsoft.com/office/drawing/2014/main" id="{E49E0F87-C52C-4876-9409-C4DE16D33DD5}"/>
+              </a:ext>
+            </a:extLst>
+          </p:cNvPr>
+          <p:cNvSpPr txBox="1"/>
+          <p:nvPr/>
+        </p:nvSpPr>
+        <p:spPr>
+          <a:xfrm>
+            <a:off x="4362449" y="0"/>
+            <a:ext cx="4752975" cy="523220"/>
+          </a:xfrm>
+          <a:prstGeom prst="rect">
+            <a:avLst/>
+          </a:prstGeom>
+          <a:noFill/>
+        </p:spPr>
+        <p:txBody>
+          <a:bodyPr wrap="square" rtlCol="0">
+            <a:spAutoFit/>
+          </a:bodyPr>
+          <a:lstStyle/>
+          <a:p>
+            <a:r>
+              <a:rPr lang="sr-Latn-RS" sz="2800" dirty="0">
+                <a:solidFill>
+                  <a:schemeClr val="accent1">
+                    <a:lumMod val="90000"/>
+                    <a:lumOff val="10000"/>
+                  </a:schemeClr>
+                </a:solidFill>
+              </a:rPr>
+              <a:t>C# ASP.NET MVC kod</a:t>
+            </a:r>
+            <a:endParaRPr lang="en-US" sz="2800" dirty="0">
+              <a:solidFill>
+                <a:schemeClr val="accent1">
+                  <a:lumMod val="90000"/>
+                  <a:lumOff val="10000"/>
+                </a:schemeClr>
+              </a:solidFill>
+            </a:endParaRPr>
+          </a:p>
+        </p:txBody>
+      </p:sp>
+      <p:graphicFrame>
+        <p:nvGraphicFramePr>
+          <p:cNvPr id="3" name="Table 2">
+            <a:extLst>
+              <a:ext uri="{FF2B5EF4-FFF2-40B4-BE49-F238E27FC236}">
+                <a16:creationId xmlns:a16="http://schemas.microsoft.com/office/drawing/2014/main" id="{DC4840CB-35D2-4F42-B42B-82EB07DC32A6}"/>
+              </a:ext>
+            </a:extLst>
+          </p:cNvPr>
+          <p:cNvGraphicFramePr>
+            <a:graphicFrameLocks noGrp="1"/>
+          </p:cNvGraphicFramePr>
+          <p:nvPr>
+            <p:extLst/>
+          </p:nvPr>
+        </p:nvGraphicFramePr>
+        <p:xfrm>
+          <a:off x="0" y="6237864"/>
+          <a:ext cx="12192000" cy="620136"/>
+        </p:xfrm>
+        <a:graphic>
+          <a:graphicData uri="http://schemas.openxmlformats.org/drawingml/2006/table">
+            <a:tbl>
+              <a:tblPr firstRow="1" bandRow="1">
+                <a:tableStyleId>{5C22544A-7EE6-4342-B048-85BDC9FD1C3A}</a:tableStyleId>
+              </a:tblPr>
+              <a:tblGrid>
+                <a:gridCol w="12192000">
+                  <a:extLst>
+                    <a:ext uri="{9D8B030D-6E8A-4147-A177-3AD203B41FA5}">
+                      <a16:colId xmlns:a16="http://schemas.microsoft.com/office/drawing/2014/main" val="989831799"/>
+                    </a:ext>
+                  </a:extLst>
+                </a:gridCol>
+              </a:tblGrid>
+              <a:tr h="620136">
+                <a:tc>
+                  <a:txBody>
+                    <a:bodyPr/>
+                    <a:lstStyle/>
+                    <a:p>
+                      <a:endParaRPr lang="en-US" dirty="0"/>
+                    </a:p>
+                  </a:txBody>
+                  <a:tcPr/>
+                </a:tc>
+                <a:extLst>
+                  <a:ext uri="{0D108BD9-81ED-4DB2-BD59-A6C34878D82A}">
+                    <a16:rowId xmlns:a16="http://schemas.microsoft.com/office/drawing/2014/main" val="3009869639"/>
+                  </a:ext>
+                </a:extLst>
+              </a:tr>
+            </a:tbl>
+          </a:graphicData>
+        </a:graphic>
+      </p:graphicFrame>
+      <p:pic>
+        <p:nvPicPr>
+          <p:cNvPr id="4" name="Picture 3">
+            <a:extLst>
+              <a:ext uri="{FF2B5EF4-FFF2-40B4-BE49-F238E27FC236}">
+                <a16:creationId xmlns:a16="http://schemas.microsoft.com/office/drawing/2014/main" id="{77728E6F-4F05-4830-B644-01566A8F8C57}"/>
+              </a:ext>
+            </a:extLst>
+          </p:cNvPr>
+          <p:cNvPicPr>
+            <a:picLocks noChangeAspect="1"/>
+          </p:cNvPicPr>
+          <p:nvPr/>
+        </p:nvPicPr>
+        <p:blipFill>
+          <a:blip r:embed="rId2">
+            <a:extLst>
+              <a:ext uri="{28A0092B-C50C-407E-A947-70E740481C1C}">
+                <a14:useLocalDpi xmlns:a14="http://schemas.microsoft.com/office/drawing/2010/main" val="0"/>
+              </a:ext>
+            </a:extLst>
+          </a:blip>
+          <a:stretch>
+            <a:fillRect/>
+          </a:stretch>
+        </p:blipFill>
+        <p:spPr>
+          <a:xfrm>
+            <a:off x="1171741" y="6364090"/>
+            <a:ext cx="2352509" cy="426230"/>
+          </a:xfrm>
+          <a:prstGeom prst="rect">
+            <a:avLst/>
+          </a:prstGeom>
+        </p:spPr>
+      </p:pic>
+      <p:sp>
+        <p:nvSpPr>
+          <p:cNvPr id="5" name="TextBox 4">
+            <a:extLst>
+              <a:ext uri="{FF2B5EF4-FFF2-40B4-BE49-F238E27FC236}">
+                <a16:creationId xmlns:a16="http://schemas.microsoft.com/office/drawing/2014/main" id="{AA584C96-CFCB-48F8-A8F0-E87DC4A60F31}"/>
+              </a:ext>
+            </a:extLst>
+          </p:cNvPr>
+          <p:cNvSpPr txBox="1"/>
+          <p:nvPr/>
+        </p:nvSpPr>
+        <p:spPr>
+          <a:xfrm>
+            <a:off x="4562475" y="6364090"/>
+            <a:ext cx="6791325" cy="646331"/>
+          </a:xfrm>
+          <a:prstGeom prst="rect">
+            <a:avLst/>
+          </a:prstGeom>
+          <a:noFill/>
+        </p:spPr>
+        <p:txBody>
+          <a:bodyPr wrap="square" rtlCol="0">
+            <a:spAutoFit/>
+          </a:bodyPr>
+          <a:lstStyle/>
+          <a:p>
+            <a:r>
+              <a:rPr lang="pl-PL" dirty="0">
+                <a:solidFill>
+                  <a:schemeClr val="bg1"/>
+                </a:solidFill>
+              </a:rPr>
+              <a:t>Obuka za Web aplikacije – Grupa 1 - </a:t>
+            </a:r>
+            <a:r>
+              <a:rPr lang="sr-Latn-RS" altLang="en-US" dirty="0">
+                <a:solidFill>
+                  <a:schemeClr val="bg1"/>
+                </a:solidFill>
+              </a:rPr>
+              <a:t>Knjižara</a:t>
+            </a:r>
+            <a:endParaRPr lang="en-US" dirty="0">
+              <a:solidFill>
+                <a:schemeClr val="bg1"/>
+              </a:solidFill>
+            </a:endParaRPr>
+          </a:p>
+          <a:p>
+            <a:endParaRPr lang="en-US" dirty="0"/>
+          </a:p>
+        </p:txBody>
+      </p:sp>
+      <p:sp>
+        <p:nvSpPr>
+          <p:cNvPr id="6" name="TextBox 5">
+            <a:extLst>
+              <a:ext uri="{FF2B5EF4-FFF2-40B4-BE49-F238E27FC236}">
+                <a16:creationId xmlns:a16="http://schemas.microsoft.com/office/drawing/2014/main" id="{97326CC1-9C50-4717-8925-EF1AD35F3015}"/>
+              </a:ext>
+            </a:extLst>
+          </p:cNvPr>
+          <p:cNvSpPr txBox="1"/>
+          <p:nvPr/>
+        </p:nvSpPr>
+        <p:spPr>
+          <a:xfrm>
+            <a:off x="76200" y="649446"/>
+            <a:ext cx="11830050" cy="5632311"/>
+          </a:xfrm>
+          <a:prstGeom prst="rect">
+            <a:avLst/>
+          </a:prstGeom>
+          <a:noFill/>
+        </p:spPr>
+        <p:txBody>
+          <a:bodyPr wrap="square" rtlCol="0">
+            <a:spAutoFit/>
+          </a:bodyPr>
+          <a:lstStyle/>
+          <a:p>
+            <a:r>
+              <a:rPr lang="en-US" sz="2400" dirty="0" err="1">
+                <a:latin typeface="Consolas" panose="020B0609020204030204" pitchFamily="49" charset="0"/>
+              </a:rPr>
+              <a:t>knjiges</a:t>
+            </a:r>
+            <a:r>
+              <a:rPr lang="en-US" sz="2400" dirty="0">
+                <a:latin typeface="Consolas" panose="020B0609020204030204" pitchFamily="49" charset="0"/>
+              </a:rPr>
+              <a:t> = </a:t>
+            </a:r>
+            <a:r>
+              <a:rPr lang="en-US" sz="2400" dirty="0" err="1">
+                <a:latin typeface="Consolas" panose="020B0609020204030204" pitchFamily="49" charset="0"/>
+              </a:rPr>
+              <a:t>db.Knjige.Include</a:t>
+            </a:r>
+            <a:r>
+              <a:rPr lang="en-US" sz="2400" dirty="0">
+                <a:latin typeface="Consolas" panose="020B0609020204030204" pitchFamily="49" charset="0"/>
+              </a:rPr>
+              <a:t>(k =&gt; </a:t>
+            </a:r>
+            <a:r>
+              <a:rPr lang="en-US" sz="2400" dirty="0" err="1">
+                <a:latin typeface="Consolas" panose="020B0609020204030204" pitchFamily="49" charset="0"/>
+              </a:rPr>
+              <a:t>k.Autori</a:t>
+            </a:r>
+            <a:r>
+              <a:rPr lang="en-US" sz="2400" dirty="0">
+                <a:latin typeface="Consolas" panose="020B0609020204030204" pitchFamily="49" charset="0"/>
+              </a:rPr>
+              <a:t>).Where(k =&gt; </a:t>
+            </a:r>
+            <a:r>
+              <a:rPr lang="en-US" sz="2400" dirty="0" err="1">
+                <a:latin typeface="Consolas" panose="020B0609020204030204" pitchFamily="49" charset="0"/>
+              </a:rPr>
+              <a:t>k.naziv.Contains</a:t>
+            </a:r>
+            <a:r>
+              <a:rPr lang="en-US" sz="2400" dirty="0">
+                <a:latin typeface="Consolas" panose="020B0609020204030204" pitchFamily="49" charset="0"/>
+              </a:rPr>
+              <a:t>(search) || </a:t>
+            </a:r>
+            <a:r>
+              <a:rPr lang="en-US" sz="2400" dirty="0" err="1">
+                <a:latin typeface="Consolas" panose="020B0609020204030204" pitchFamily="49" charset="0"/>
+              </a:rPr>
+              <a:t>k.Autori.ime.Contains</a:t>
+            </a:r>
+            <a:r>
+              <a:rPr lang="en-US" sz="2400" dirty="0">
+                <a:latin typeface="Consolas" panose="020B0609020204030204" pitchFamily="49" charset="0"/>
+              </a:rPr>
+              <a:t>(search)).</a:t>
+            </a:r>
+            <a:r>
+              <a:rPr lang="en-US" sz="2400" dirty="0" err="1">
+                <a:latin typeface="Consolas" panose="020B0609020204030204" pitchFamily="49" charset="0"/>
+              </a:rPr>
+              <a:t>OrderByDescending</a:t>
+            </a:r>
+            <a:r>
+              <a:rPr lang="en-US" sz="2400" dirty="0">
+                <a:latin typeface="Consolas" panose="020B0609020204030204" pitchFamily="49" charset="0"/>
+              </a:rPr>
+              <a:t>(</a:t>
+            </a:r>
+            <a:r>
+              <a:rPr lang="en-US" sz="2400" dirty="0" err="1">
+                <a:latin typeface="Consolas" panose="020B0609020204030204" pitchFamily="49" charset="0"/>
+              </a:rPr>
+              <a:t>i</a:t>
+            </a:r>
+            <a:r>
+              <a:rPr lang="en-US" sz="2400" dirty="0">
+                <a:latin typeface="Consolas" panose="020B0609020204030204" pitchFamily="49" charset="0"/>
+              </a:rPr>
+              <a:t> =&gt; </a:t>
+            </a:r>
+            <a:r>
+              <a:rPr lang="en-US" sz="2400" dirty="0" err="1">
+                <a:latin typeface="Consolas" panose="020B0609020204030204" pitchFamily="49" charset="0"/>
+              </a:rPr>
+              <a:t>i.id_knjige</a:t>
+            </a:r>
+            <a:r>
+              <a:rPr lang="en-US" sz="2400" dirty="0">
+                <a:latin typeface="Consolas" panose="020B0609020204030204" pitchFamily="49" charset="0"/>
+              </a:rPr>
+              <a:t>).Skip((</a:t>
+            </a:r>
+            <a:r>
+              <a:rPr lang="en-US" sz="2400" dirty="0" err="1">
+                <a:latin typeface="Consolas" panose="020B0609020204030204" pitchFamily="49" charset="0"/>
+              </a:rPr>
+              <a:t>pageNumber</a:t>
+            </a:r>
+            <a:r>
+              <a:rPr lang="en-US" sz="2400" dirty="0">
+                <a:latin typeface="Consolas" panose="020B0609020204030204" pitchFamily="49" charset="0"/>
+              </a:rPr>
+              <a:t> - 1) * </a:t>
+            </a:r>
+            <a:r>
+              <a:rPr lang="en-US" sz="2400" dirty="0" err="1">
+                <a:latin typeface="Consolas" panose="020B0609020204030204" pitchFamily="49" charset="0"/>
+              </a:rPr>
+              <a:t>maxRows</a:t>
+            </a:r>
+            <a:r>
+              <a:rPr lang="en-US" sz="2400" dirty="0">
+                <a:latin typeface="Consolas" panose="020B0609020204030204" pitchFamily="49" charset="0"/>
+              </a:rPr>
+              <a:t>).Take(</a:t>
+            </a:r>
+            <a:r>
+              <a:rPr lang="en-US" sz="2400" dirty="0" err="1">
+                <a:latin typeface="Consolas" panose="020B0609020204030204" pitchFamily="49" charset="0"/>
+              </a:rPr>
+              <a:t>maxRows</a:t>
+            </a:r>
+            <a:r>
+              <a:rPr lang="en-US" sz="2400" dirty="0">
+                <a:latin typeface="Consolas" panose="020B0609020204030204" pitchFamily="49" charset="0"/>
+              </a:rPr>
+              <a:t>).</a:t>
+            </a:r>
+            <a:r>
+              <a:rPr lang="en-US" sz="2400" dirty="0" err="1">
+                <a:latin typeface="Consolas" panose="020B0609020204030204" pitchFamily="49" charset="0"/>
+              </a:rPr>
+              <a:t>ToList</a:t>
+            </a:r>
+            <a:r>
+              <a:rPr lang="en-US" sz="2400" dirty="0">
+                <a:latin typeface="Consolas" panose="020B0609020204030204" pitchFamily="49" charset="0"/>
+              </a:rPr>
+              <a:t>();</a:t>
+            </a:r>
+          </a:p>
+          <a:p>
+            <a:r>
+              <a:rPr lang="en-US" sz="2400" dirty="0">
+                <a:latin typeface="Consolas" panose="020B0609020204030204" pitchFamily="49" charset="0"/>
+              </a:rPr>
+              <a:t>            } else</a:t>
+            </a:r>
+            <a:r>
+              <a:rPr lang="sr-Latn-RS" sz="2400" dirty="0">
+                <a:latin typeface="Consolas" panose="020B0609020204030204" pitchFamily="49" charset="0"/>
+              </a:rPr>
+              <a:t> {</a:t>
+            </a:r>
+          </a:p>
+          <a:p>
+            <a:r>
+              <a:rPr lang="en-US" sz="2400" dirty="0" err="1">
+                <a:latin typeface="Consolas" panose="020B0609020204030204" pitchFamily="49" charset="0"/>
+              </a:rPr>
+              <a:t>knjiges</a:t>
+            </a:r>
+            <a:r>
+              <a:rPr lang="en-US" sz="2400" dirty="0">
+                <a:latin typeface="Consolas" panose="020B0609020204030204" pitchFamily="49" charset="0"/>
+              </a:rPr>
+              <a:t> = </a:t>
+            </a:r>
+            <a:r>
+              <a:rPr lang="en-US" sz="2400" dirty="0" err="1">
+                <a:latin typeface="Consolas" panose="020B0609020204030204" pitchFamily="49" charset="0"/>
+              </a:rPr>
+              <a:t>db.Knjiges.Include</a:t>
+            </a:r>
+            <a:r>
+              <a:rPr lang="en-US" sz="2400" dirty="0">
+                <a:latin typeface="Consolas" panose="020B0609020204030204" pitchFamily="49" charset="0"/>
+              </a:rPr>
+              <a:t>(k =&gt; </a:t>
+            </a:r>
+            <a:r>
+              <a:rPr lang="en-US" sz="2400" dirty="0" err="1">
+                <a:latin typeface="Consolas" panose="020B0609020204030204" pitchFamily="49" charset="0"/>
+              </a:rPr>
+              <a:t>k.Autori</a:t>
+            </a:r>
+            <a:r>
+              <a:rPr lang="en-US" sz="2400" dirty="0">
+                <a:latin typeface="Consolas" panose="020B0609020204030204" pitchFamily="49" charset="0"/>
+              </a:rPr>
+              <a:t>).</a:t>
+            </a:r>
+            <a:r>
+              <a:rPr lang="en-US" sz="2400" dirty="0" err="1">
+                <a:latin typeface="Consolas" panose="020B0609020204030204" pitchFamily="49" charset="0"/>
+              </a:rPr>
+              <a:t>OrderByDescending</a:t>
+            </a:r>
+            <a:r>
+              <a:rPr lang="en-US" sz="2400" dirty="0">
+                <a:latin typeface="Consolas" panose="020B0609020204030204" pitchFamily="49" charset="0"/>
+              </a:rPr>
+              <a:t>(</a:t>
+            </a:r>
+            <a:r>
+              <a:rPr lang="en-US" sz="2400" dirty="0" err="1">
+                <a:latin typeface="Consolas" panose="020B0609020204030204" pitchFamily="49" charset="0"/>
+              </a:rPr>
+              <a:t>i</a:t>
+            </a:r>
+            <a:r>
+              <a:rPr lang="en-US" sz="2400" dirty="0">
+                <a:latin typeface="Consolas" panose="020B0609020204030204" pitchFamily="49" charset="0"/>
+              </a:rPr>
+              <a:t> =&gt; </a:t>
+            </a:r>
+            <a:r>
+              <a:rPr lang="en-US" sz="2400" dirty="0" err="1">
+                <a:latin typeface="Consolas" panose="020B0609020204030204" pitchFamily="49" charset="0"/>
+              </a:rPr>
+              <a:t>i.id_knjige</a:t>
+            </a:r>
+            <a:r>
+              <a:rPr lang="en-US" sz="2400" dirty="0">
+                <a:latin typeface="Consolas" panose="020B0609020204030204" pitchFamily="49" charset="0"/>
+              </a:rPr>
+              <a:t>).Skip((</a:t>
+            </a:r>
+            <a:r>
+              <a:rPr lang="en-US" sz="2400" dirty="0" err="1">
+                <a:latin typeface="Consolas" panose="020B0609020204030204" pitchFamily="49" charset="0"/>
+              </a:rPr>
+              <a:t>pageNumber</a:t>
+            </a:r>
+            <a:r>
+              <a:rPr lang="en-US" sz="2400" dirty="0">
+                <a:latin typeface="Consolas" panose="020B0609020204030204" pitchFamily="49" charset="0"/>
+              </a:rPr>
+              <a:t> - 1) * </a:t>
+            </a:r>
+            <a:r>
+              <a:rPr lang="en-US" sz="2400" dirty="0" err="1">
+                <a:latin typeface="Consolas" panose="020B0609020204030204" pitchFamily="49" charset="0"/>
+              </a:rPr>
+              <a:t>maxRows</a:t>
+            </a:r>
+            <a:r>
+              <a:rPr lang="en-US" sz="2400" dirty="0">
+                <a:latin typeface="Consolas" panose="020B0609020204030204" pitchFamily="49" charset="0"/>
+              </a:rPr>
+              <a:t>).Take(</a:t>
+            </a:r>
+            <a:r>
+              <a:rPr lang="en-US" sz="2400" dirty="0" err="1">
+                <a:latin typeface="Consolas" panose="020B0609020204030204" pitchFamily="49" charset="0"/>
+              </a:rPr>
+              <a:t>maxRows</a:t>
+            </a:r>
+            <a:r>
+              <a:rPr lang="en-US" sz="2400" dirty="0">
+                <a:latin typeface="Consolas" panose="020B0609020204030204" pitchFamily="49" charset="0"/>
+              </a:rPr>
+              <a:t>).</a:t>
+            </a:r>
+            <a:r>
+              <a:rPr lang="en-US" sz="2400" dirty="0" err="1">
+                <a:latin typeface="Consolas" panose="020B0609020204030204" pitchFamily="49" charset="0"/>
+              </a:rPr>
+              <a:t>ToList</a:t>
+            </a:r>
+            <a:r>
+              <a:rPr lang="en-US" sz="2400" dirty="0">
+                <a:latin typeface="Consolas" panose="020B0609020204030204" pitchFamily="49" charset="0"/>
+              </a:rPr>
+              <a:t>();</a:t>
+            </a:r>
+          </a:p>
+          <a:p>
+            <a:r>
+              <a:rPr lang="en-US" sz="2400" dirty="0">
+                <a:latin typeface="Consolas" panose="020B0609020204030204" pitchFamily="49" charset="0"/>
+              </a:rPr>
+              <a:t>            }</a:t>
+            </a:r>
+            <a:endParaRPr lang="sr-Latn-RS" sz="2400" dirty="0">
+              <a:latin typeface="Consolas" panose="020B0609020204030204" pitchFamily="49" charset="0"/>
+            </a:endParaRPr>
+          </a:p>
+          <a:p>
+            <a:r>
+              <a:rPr lang="sr-Latn-RS" sz="2400" dirty="0">
+                <a:latin typeface="Consolas" panose="020B0609020204030204" pitchFamily="49" charset="0"/>
+              </a:rPr>
+              <a:t> 	    </a:t>
+            </a:r>
+            <a:r>
+              <a:rPr lang="en-US" sz="2400" dirty="0">
+                <a:latin typeface="Consolas" panose="020B0609020204030204" pitchFamily="49" charset="0"/>
+              </a:rPr>
+              <a:t>double </a:t>
+            </a:r>
+            <a:r>
+              <a:rPr lang="en-US" sz="2400" dirty="0" err="1">
+                <a:latin typeface="Consolas" panose="020B0609020204030204" pitchFamily="49" charset="0"/>
+              </a:rPr>
+              <a:t>pageCount</a:t>
+            </a:r>
+            <a:r>
+              <a:rPr lang="en-US" sz="2400" dirty="0">
+                <a:latin typeface="Consolas" panose="020B0609020204030204" pitchFamily="49" charset="0"/>
+              </a:rPr>
+              <a:t> = (double)((decimal)</a:t>
+            </a:r>
+            <a:r>
+              <a:rPr lang="en-US" sz="2400" dirty="0" err="1">
+                <a:latin typeface="Consolas" panose="020B0609020204030204" pitchFamily="49" charset="0"/>
+              </a:rPr>
+              <a:t>db.Knjiges.Count</a:t>
+            </a:r>
+            <a:r>
+              <a:rPr lang="en-US" sz="2400" dirty="0">
+                <a:latin typeface="Consolas" panose="020B0609020204030204" pitchFamily="49" charset="0"/>
+              </a:rPr>
+              <a:t>() / </a:t>
+            </a:r>
+            <a:r>
+              <a:rPr lang="en-US" sz="2400" dirty="0" err="1">
+                <a:latin typeface="Consolas" panose="020B0609020204030204" pitchFamily="49" charset="0"/>
+              </a:rPr>
+              <a:t>Convert.ToDecimal</a:t>
+            </a:r>
+            <a:r>
+              <a:rPr lang="en-US" sz="2400" dirty="0">
+                <a:latin typeface="Consolas" panose="020B0609020204030204" pitchFamily="49" charset="0"/>
+              </a:rPr>
+              <a:t>(</a:t>
+            </a:r>
+            <a:r>
+              <a:rPr lang="en-US" sz="2400" dirty="0" err="1">
+                <a:latin typeface="Consolas" panose="020B0609020204030204" pitchFamily="49" charset="0"/>
+              </a:rPr>
+              <a:t>maxRows</a:t>
+            </a:r>
+            <a:r>
+              <a:rPr lang="en-US" sz="2400" dirty="0">
+                <a:latin typeface="Consolas" panose="020B0609020204030204" pitchFamily="49" charset="0"/>
+              </a:rPr>
+              <a:t>));</a:t>
+            </a:r>
+          </a:p>
+          <a:p>
+            <a:r>
+              <a:rPr lang="en-US" sz="2400" dirty="0" err="1">
+                <a:latin typeface="Consolas" panose="020B0609020204030204" pitchFamily="49" charset="0"/>
+              </a:rPr>
+              <a:t>knjigaZanroviViewModel.PageCount</a:t>
+            </a:r>
+            <a:r>
+              <a:rPr lang="en-US" sz="2400" dirty="0">
+                <a:latin typeface="Consolas" panose="020B0609020204030204" pitchFamily="49" charset="0"/>
+              </a:rPr>
+              <a:t> = (int)</a:t>
+            </a:r>
+            <a:r>
+              <a:rPr lang="en-US" sz="2400" dirty="0" err="1">
+                <a:latin typeface="Consolas" panose="020B0609020204030204" pitchFamily="49" charset="0"/>
+              </a:rPr>
+              <a:t>Math.Ceiling</a:t>
+            </a:r>
+            <a:r>
+              <a:rPr lang="en-US" sz="2400" dirty="0">
+                <a:latin typeface="Consolas" panose="020B0609020204030204" pitchFamily="49" charset="0"/>
+              </a:rPr>
+              <a:t>(</a:t>
+            </a:r>
+            <a:r>
+              <a:rPr lang="en-US" sz="2400" dirty="0" err="1">
+                <a:latin typeface="Consolas" panose="020B0609020204030204" pitchFamily="49" charset="0"/>
+              </a:rPr>
+              <a:t>pageCount</a:t>
+            </a:r>
+            <a:r>
+              <a:rPr lang="en-US" sz="2400" dirty="0">
+                <a:latin typeface="Consolas" panose="020B0609020204030204" pitchFamily="49" charset="0"/>
+              </a:rPr>
+              <a:t>);</a:t>
+            </a:r>
+          </a:p>
+          <a:p>
+            <a:r>
+              <a:rPr lang="sv-SE" sz="2400" dirty="0">
+                <a:latin typeface="Consolas" panose="020B0609020204030204" pitchFamily="49" charset="0"/>
+              </a:rPr>
+              <a:t>foreach (Knjige knjiga in knjiges)</a:t>
+            </a:r>
+            <a:r>
+              <a:rPr lang="en-US" sz="2400" dirty="0">
+                <a:latin typeface="Consolas" panose="020B0609020204030204" pitchFamily="49" charset="0"/>
+              </a:rPr>
+              <a:t> {</a:t>
+            </a:r>
+          </a:p>
+          <a:p>
+            <a:r>
+              <a:rPr lang="en-US" sz="2400" dirty="0">
+                <a:latin typeface="Consolas" panose="020B0609020204030204" pitchFamily="49" charset="0"/>
+              </a:rPr>
+              <a:t>    List&lt;</a:t>
+            </a:r>
+            <a:r>
+              <a:rPr lang="en-US" sz="2400" dirty="0" err="1">
+                <a:latin typeface="Consolas" panose="020B0609020204030204" pitchFamily="49" charset="0"/>
+              </a:rPr>
+              <a:t>Knjige_Zanr</a:t>
+            </a:r>
+            <a:r>
+              <a:rPr lang="en-US" sz="2400" dirty="0">
+                <a:latin typeface="Consolas" panose="020B0609020204030204" pitchFamily="49" charset="0"/>
+              </a:rPr>
+              <a:t>&gt; </a:t>
+            </a:r>
+            <a:r>
+              <a:rPr lang="en-US" sz="2400" dirty="0" err="1">
+                <a:latin typeface="Consolas" panose="020B0609020204030204" pitchFamily="49" charset="0"/>
+              </a:rPr>
+              <a:t>knjigeZanrovi</a:t>
+            </a:r>
+            <a:r>
+              <a:rPr lang="en-US" sz="2400" dirty="0">
+                <a:latin typeface="Consolas" panose="020B0609020204030204" pitchFamily="49" charset="0"/>
+              </a:rPr>
+              <a:t> = </a:t>
+            </a:r>
+            <a:r>
+              <a:rPr lang="en-US" sz="2400" dirty="0" err="1">
+                <a:latin typeface="Consolas" panose="020B0609020204030204" pitchFamily="49" charset="0"/>
+              </a:rPr>
+              <a:t>db.Knjige_Zanr.Where</a:t>
+            </a:r>
+            <a:r>
+              <a:rPr lang="en-US" sz="2400" dirty="0">
+                <a:latin typeface="Consolas" panose="020B0609020204030204" pitchFamily="49" charset="0"/>
+              </a:rPr>
+              <a:t>(</a:t>
+            </a:r>
+            <a:r>
+              <a:rPr lang="en-US" sz="2400" dirty="0" err="1">
+                <a:latin typeface="Consolas" panose="020B0609020204030204" pitchFamily="49" charset="0"/>
+              </a:rPr>
+              <a:t>kz</a:t>
+            </a:r>
+            <a:r>
+              <a:rPr lang="en-US" sz="2400" dirty="0">
+                <a:latin typeface="Consolas" panose="020B0609020204030204" pitchFamily="49" charset="0"/>
+              </a:rPr>
+              <a:t> =&gt; </a:t>
+            </a:r>
+            <a:r>
+              <a:rPr lang="en-US" sz="2400" dirty="0" err="1">
+                <a:latin typeface="Consolas" panose="020B0609020204030204" pitchFamily="49" charset="0"/>
+              </a:rPr>
+              <a:t>kz.id_knjige</a:t>
+            </a:r>
+            <a:r>
+              <a:rPr lang="en-US" sz="2400" dirty="0">
+                <a:latin typeface="Consolas" panose="020B0609020204030204" pitchFamily="49" charset="0"/>
+              </a:rPr>
+              <a:t> == </a:t>
+            </a:r>
+            <a:r>
+              <a:rPr lang="en-US" sz="2400" dirty="0" err="1">
+                <a:latin typeface="Consolas" panose="020B0609020204030204" pitchFamily="49" charset="0"/>
+              </a:rPr>
+              <a:t>knjiga.id_knjige</a:t>
+            </a:r>
+            <a:r>
+              <a:rPr lang="en-US" sz="2400" dirty="0">
+                <a:latin typeface="Consolas" panose="020B0609020204030204" pitchFamily="49" charset="0"/>
+              </a:rPr>
+              <a:t>).</a:t>
+            </a:r>
+            <a:r>
+              <a:rPr lang="en-US" sz="2400" dirty="0" err="1">
+                <a:latin typeface="Consolas" panose="020B0609020204030204" pitchFamily="49" charset="0"/>
+              </a:rPr>
+              <a:t>ToList</a:t>
+            </a:r>
+            <a:r>
+              <a:rPr lang="en-US" sz="2400" dirty="0">
+                <a:latin typeface="Consolas" panose="020B0609020204030204" pitchFamily="49" charset="0"/>
+              </a:rPr>
+              <a:t>();</a:t>
+            </a:r>
+          </a:p>
+          <a:p>
+            <a:r>
+              <a:rPr lang="pl-PL" sz="2400" dirty="0">
+                <a:latin typeface="Consolas" panose="020B0609020204030204" pitchFamily="49" charset="0"/>
+              </a:rPr>
+              <a:t>                List&lt;Zanr&gt; zanrovi = new List&lt;Zanr&gt;();</a:t>
+            </a:r>
+          </a:p>
+        </p:txBody>
+      </p:sp>
+    </p:spTree>
+    <p:extLst>
+      <p:ext uri="{BB962C8B-B14F-4D97-AF65-F5344CB8AC3E}">
+        <p14:creationId xmlns:p14="http://schemas.microsoft.com/office/powerpoint/2010/main" val="2800159111"/>
+      </p:ext>
+    </p:extLst>
+  </p:cSld>
+  <p:clrMapOvr>
+    <a:masterClrMapping/>
+  </p:clrMapOvr>
+</p:sld>
+</file>
+
+<file path=ppt/slides/slide8.xml><?xml version="1.0" encoding="utf-8"?>
 <p:sld xmlns:a="http://schemas.openxmlformats.org/drawingml/2006/main" xmlns:r="http://schemas.openxmlformats.org/officeDocument/2006/relationships" xmlns:p="http://schemas.openxmlformats.org/presentationml/2006/main">
   <p:cSld>
     <p:spTree>
@@ -9563,518 +10601,581 @@
           <a:lstStyle/>
           <a:p>
             <a:r>
-              <a:rPr lang="sv-SE" sz="1600" dirty="0"/>
-              <a:t>            foreach (Knjige knjiga in knjiges)</a:t>
-            </a:r>
-          </a:p>
-          <a:p>
-            <a:r>
               <a:rPr lang="en-US" sz="1600" dirty="0"/>
-              <a:t>            {</a:t>
-            </a:r>
-          </a:p>
-          <a:p>
-            <a:r>
-              <a:rPr lang="en-US" sz="1600" dirty="0"/>
-              <a:t>                List&lt;</a:t>
-            </a:r>
-            <a:r>
-              <a:rPr lang="en-US" sz="1600" dirty="0" err="1"/>
+              <a:t>	</a:t>
+            </a:r>
+            <a:r>
+              <a:rPr lang="en-US" sz="2400" dirty="0"/>
+              <a:t>	</a:t>
+            </a:r>
+            <a:r>
+              <a:rPr lang="en-US" sz="2400" dirty="0">
+                <a:latin typeface="Consolas" panose="020B0609020204030204" pitchFamily="49" charset="0"/>
+              </a:rPr>
+              <a:t>foreach (</a:t>
+            </a:r>
+            <a:r>
+              <a:rPr lang="en-US" sz="2400" dirty="0" err="1">
+                <a:latin typeface="Consolas" panose="020B0609020204030204" pitchFamily="49" charset="0"/>
+              </a:rPr>
               <a:t>Knjige_Zanr</a:t>
             </a:r>
             <a:r>
-              <a:rPr lang="en-US" sz="1600" dirty="0"/>
-              <a:t>&gt; </a:t>
-            </a:r>
-            <a:r>
-              <a:rPr lang="en-US" sz="1600" dirty="0" err="1"/>
+              <a:rPr lang="en-US" sz="2400" dirty="0">
+                <a:latin typeface="Consolas" panose="020B0609020204030204" pitchFamily="49" charset="0"/>
+              </a:rPr>
+              <a:t> </a:t>
+            </a:r>
+            <a:r>
+              <a:rPr lang="en-US" sz="2400" dirty="0" err="1">
+                <a:latin typeface="Consolas" panose="020B0609020204030204" pitchFamily="49" charset="0"/>
+              </a:rPr>
+              <a:t>kz</a:t>
+            </a:r>
+            <a:r>
+              <a:rPr lang="en-US" sz="2400" dirty="0">
+                <a:latin typeface="Consolas" panose="020B0609020204030204" pitchFamily="49" charset="0"/>
+              </a:rPr>
+              <a:t> in </a:t>
+            </a:r>
+            <a:r>
+              <a:rPr lang="en-US" sz="2400" dirty="0" err="1">
+                <a:latin typeface="Consolas" panose="020B0609020204030204" pitchFamily="49" charset="0"/>
+              </a:rPr>
               <a:t>knjigeZanrovi</a:t>
             </a:r>
             <a:r>
-              <a:rPr lang="en-US" sz="1600" dirty="0"/>
+              <a:rPr lang="en-US" sz="2400" dirty="0">
+                <a:latin typeface="Consolas" panose="020B0609020204030204" pitchFamily="49" charset="0"/>
+              </a:rPr>
+              <a:t>)  {</a:t>
+            </a:r>
+            <a:r>
+              <a:rPr lang="sr-Latn-RS" sz="2400" dirty="0">
+                <a:latin typeface="Consolas" panose="020B0609020204030204" pitchFamily="49" charset="0"/>
+              </a:rPr>
+              <a:t>   </a:t>
+            </a:r>
+            <a:endParaRPr lang="en-US" sz="2400" dirty="0">
+              <a:latin typeface="Consolas" panose="020B0609020204030204" pitchFamily="49" charset="0"/>
+            </a:endParaRPr>
+          </a:p>
+          <a:p>
+            <a:r>
+              <a:rPr lang="en-US" sz="2400" dirty="0">
+                <a:latin typeface="Consolas" panose="020B0609020204030204" pitchFamily="49" charset="0"/>
+              </a:rPr>
+              <a:t>				</a:t>
+            </a:r>
+            <a:r>
+              <a:rPr lang="en-US" sz="2400" dirty="0" err="1">
+                <a:latin typeface="Consolas" panose="020B0609020204030204" pitchFamily="49" charset="0"/>
+              </a:rPr>
+              <a:t>Zanr</a:t>
+            </a:r>
+            <a:r>
+              <a:rPr lang="en-US" sz="2400" dirty="0">
+                <a:latin typeface="Consolas" panose="020B0609020204030204" pitchFamily="49" charset="0"/>
+              </a:rPr>
+              <a:t> </a:t>
+            </a:r>
+            <a:r>
+              <a:rPr lang="en-US" sz="2400" dirty="0" err="1">
+                <a:latin typeface="Consolas" panose="020B0609020204030204" pitchFamily="49" charset="0"/>
+              </a:rPr>
+              <a:t>zanr</a:t>
+            </a:r>
+            <a:r>
+              <a:rPr lang="en-US" sz="2400" dirty="0">
+                <a:latin typeface="Consolas" panose="020B0609020204030204" pitchFamily="49" charset="0"/>
+              </a:rPr>
               <a:t> = </a:t>
             </a:r>
             <a:r>
-              <a:rPr lang="en-US" sz="1600" dirty="0" err="1"/>
-              <a:t>db.Knjige_Zanr.Where</a:t>
-            </a:r>
-            <a:r>
-              <a:rPr lang="en-US" sz="1600" dirty="0"/>
+              <a:rPr lang="en-US" sz="2400" dirty="0" err="1">
+                <a:latin typeface="Consolas" panose="020B0609020204030204" pitchFamily="49" charset="0"/>
+              </a:rPr>
+              <a:t>db.Zanrs.Find</a:t>
+            </a:r>
+            <a:r>
+              <a:rPr lang="en-US" sz="2400" dirty="0">
+                <a:latin typeface="Consolas" panose="020B0609020204030204" pitchFamily="49" charset="0"/>
+              </a:rPr>
               <a:t>(</a:t>
             </a:r>
             <a:r>
-              <a:rPr lang="en-US" sz="1600" dirty="0" err="1"/>
-              <a:t>kz</a:t>
-            </a:r>
-            <a:r>
-              <a:rPr lang="en-US" sz="1600" dirty="0"/>
-              <a:t> =&gt; </a:t>
-            </a:r>
-            <a:r>
-              <a:rPr lang="en-US" sz="1600" dirty="0" err="1"/>
-              <a:t>kz.id_knjige</a:t>
-            </a:r>
-            <a:r>
-              <a:rPr lang="en-US" sz="1600" dirty="0"/>
-              <a:t> == </a:t>
-            </a:r>
-            <a:r>
-              <a:rPr lang="en-US" sz="1600" dirty="0" err="1"/>
-              <a:t>knjiga.id_knjige</a:t>
-            </a:r>
-            <a:r>
-              <a:rPr lang="en-US" sz="1600" dirty="0"/>
+              <a:rPr lang="en-US" sz="2400" dirty="0" err="1">
+                <a:latin typeface="Consolas" panose="020B0609020204030204" pitchFamily="49" charset="0"/>
+              </a:rPr>
+              <a:t>kz.id_zanr</a:t>
+            </a:r>
+            <a:r>
+              <a:rPr lang="en-US" sz="2400" dirty="0">
+                <a:latin typeface="Consolas" panose="020B0609020204030204" pitchFamily="49" charset="0"/>
+              </a:rPr>
+              <a:t>);</a:t>
+            </a:r>
+          </a:p>
+          <a:p>
+            <a:r>
+              <a:rPr lang="en-US" sz="2400" dirty="0">
+                <a:latin typeface="Consolas" panose="020B0609020204030204" pitchFamily="49" charset="0"/>
+              </a:rPr>
+              <a:t>				</a:t>
+            </a:r>
+            <a:r>
+              <a:rPr lang="en-US" sz="2400" dirty="0" err="1">
+                <a:latin typeface="Consolas" panose="020B0609020204030204" pitchFamily="49" charset="0"/>
+              </a:rPr>
+              <a:t>zanrovi.Add</a:t>
+            </a:r>
+            <a:r>
+              <a:rPr lang="en-US" sz="2400" dirty="0">
+                <a:latin typeface="Consolas" panose="020B0609020204030204" pitchFamily="49" charset="0"/>
+              </a:rPr>
+              <a:t>(</a:t>
+            </a:r>
+            <a:r>
+              <a:rPr lang="en-US" sz="2400" dirty="0" err="1">
+                <a:latin typeface="Consolas" panose="020B0609020204030204" pitchFamily="49" charset="0"/>
+              </a:rPr>
+              <a:t>zanr</a:t>
+            </a:r>
+            <a:r>
+              <a:rPr lang="en-US" sz="2400" dirty="0">
+                <a:latin typeface="Consolas" panose="020B0609020204030204" pitchFamily="49" charset="0"/>
+              </a:rPr>
+              <a:t>);</a:t>
+            </a:r>
+            <a:r>
+              <a:rPr lang="sr-Latn-RS" sz="2400" dirty="0">
+                <a:latin typeface="Consolas" panose="020B0609020204030204" pitchFamily="49" charset="0"/>
+              </a:rPr>
+              <a:t>    </a:t>
+            </a:r>
+            <a:r>
+              <a:rPr lang="en-US" sz="2400" dirty="0">
+                <a:latin typeface="Consolas" panose="020B0609020204030204" pitchFamily="49" charset="0"/>
+              </a:rPr>
+              <a:t>}</a:t>
+            </a:r>
+          </a:p>
+          <a:p>
+            <a:r>
+              <a:rPr lang="en-US" sz="2400" dirty="0">
+                <a:latin typeface="Consolas" panose="020B0609020204030204" pitchFamily="49" charset="0"/>
+              </a:rPr>
+              <a:t>     </a:t>
+            </a:r>
+            <a:r>
+              <a:rPr lang="en-US" sz="2400" dirty="0" err="1">
+                <a:latin typeface="Consolas" panose="020B0609020204030204" pitchFamily="49" charset="0"/>
+              </a:rPr>
+              <a:t>KnjigaSaZanrovima</a:t>
+            </a:r>
+            <a:r>
+              <a:rPr lang="en-US" sz="2400" dirty="0">
+                <a:latin typeface="Consolas" panose="020B0609020204030204" pitchFamily="49" charset="0"/>
+              </a:rPr>
+              <a:t> </a:t>
+            </a:r>
+            <a:r>
+              <a:rPr lang="en-US" sz="2400" dirty="0" err="1">
+                <a:latin typeface="Consolas" panose="020B0609020204030204" pitchFamily="49" charset="0"/>
+              </a:rPr>
+              <a:t>knjigaSaZanrovima</a:t>
+            </a:r>
+            <a:r>
+              <a:rPr lang="en-US" sz="2400" dirty="0">
+                <a:latin typeface="Consolas" panose="020B0609020204030204" pitchFamily="49" charset="0"/>
+              </a:rPr>
+              <a:t> = new </a:t>
+            </a:r>
+            <a:r>
+              <a:rPr lang="en-US" sz="2400" dirty="0" err="1">
+                <a:latin typeface="Consolas" panose="020B0609020204030204" pitchFamily="49" charset="0"/>
+              </a:rPr>
+              <a:t>KnjigaSaZanrovima</a:t>
+            </a:r>
+            <a:endParaRPr lang="en-US" sz="2400" dirty="0">
+              <a:latin typeface="Consolas" panose="020B0609020204030204" pitchFamily="49" charset="0"/>
+            </a:endParaRPr>
+          </a:p>
+          <a:p>
+            <a:r>
+              <a:rPr lang="en-US" sz="2400" dirty="0">
+                <a:latin typeface="Consolas" panose="020B0609020204030204" pitchFamily="49" charset="0"/>
+              </a:rPr>
+              <a:t>                {</a:t>
+            </a:r>
+            <a:r>
+              <a:rPr lang="sr-Latn-RS" sz="2400" dirty="0">
+                <a:latin typeface="Consolas" panose="020B0609020204030204" pitchFamily="49" charset="0"/>
+              </a:rPr>
+              <a:t>   </a:t>
+            </a:r>
+            <a:r>
+              <a:rPr lang="en-US" sz="2400" dirty="0" err="1">
+                <a:latin typeface="Consolas" panose="020B0609020204030204" pitchFamily="49" charset="0"/>
+              </a:rPr>
+              <a:t>knjiga</a:t>
+            </a:r>
+            <a:r>
+              <a:rPr lang="en-US" sz="2400" dirty="0">
+                <a:latin typeface="Consolas" panose="020B0609020204030204" pitchFamily="49" charset="0"/>
+              </a:rPr>
+              <a:t> = </a:t>
+            </a:r>
+            <a:r>
+              <a:rPr lang="en-US" sz="2400" dirty="0" err="1">
+                <a:latin typeface="Consolas" panose="020B0609020204030204" pitchFamily="49" charset="0"/>
+              </a:rPr>
+              <a:t>knjiga</a:t>
+            </a:r>
+            <a:r>
+              <a:rPr lang="en-US" sz="2400" dirty="0">
+                <a:latin typeface="Consolas" panose="020B0609020204030204" pitchFamily="49" charset="0"/>
+              </a:rPr>
+              <a:t>,</a:t>
+            </a:r>
+            <a:r>
+              <a:rPr lang="sr-Latn-RS" sz="2400" dirty="0">
+                <a:latin typeface="Consolas" panose="020B0609020204030204" pitchFamily="49" charset="0"/>
+              </a:rPr>
+              <a:t>   </a:t>
+            </a:r>
+            <a:r>
+              <a:rPr lang="en-US" sz="2400" dirty="0" err="1">
+                <a:latin typeface="Consolas" panose="020B0609020204030204" pitchFamily="49" charset="0"/>
+              </a:rPr>
+              <a:t>zanrovi</a:t>
+            </a:r>
+            <a:r>
+              <a:rPr lang="en-US" sz="2400" dirty="0">
+                <a:latin typeface="Consolas" panose="020B0609020204030204" pitchFamily="49" charset="0"/>
+              </a:rPr>
+              <a:t> = </a:t>
+            </a:r>
+            <a:r>
+              <a:rPr lang="en-US" sz="2400" dirty="0" err="1">
+                <a:latin typeface="Consolas" panose="020B0609020204030204" pitchFamily="49" charset="0"/>
+              </a:rPr>
+              <a:t>zanrovi</a:t>
+            </a:r>
+            <a:r>
+              <a:rPr lang="sr-Latn-RS" sz="2400" dirty="0">
+                <a:latin typeface="Consolas" panose="020B0609020204030204" pitchFamily="49" charset="0"/>
+              </a:rPr>
+              <a:t>    </a:t>
+            </a:r>
+            <a:r>
+              <a:rPr lang="en-US" sz="2400" dirty="0">
+                <a:latin typeface="Consolas" panose="020B0609020204030204" pitchFamily="49" charset="0"/>
+              </a:rPr>
+              <a:t>};</a:t>
+            </a:r>
+          </a:p>
+          <a:p>
+            <a:r>
+              <a:rPr lang="en-US" sz="2400" dirty="0">
+                <a:latin typeface="Consolas" panose="020B0609020204030204" pitchFamily="49" charset="0"/>
+              </a:rPr>
+              <a:t>                </a:t>
+            </a:r>
+            <a:r>
+              <a:rPr lang="en-US" sz="2400" dirty="0" err="1">
+                <a:latin typeface="Consolas" panose="020B0609020204030204" pitchFamily="49" charset="0"/>
+              </a:rPr>
+              <a:t>knjigeSaZanrovima.Add</a:t>
+            </a:r>
+            <a:r>
+              <a:rPr lang="en-US" sz="2400" dirty="0">
+                <a:latin typeface="Consolas" panose="020B0609020204030204" pitchFamily="49" charset="0"/>
+              </a:rPr>
+              <a:t>(</a:t>
+            </a:r>
+            <a:r>
+              <a:rPr lang="en-US" sz="2400" dirty="0" err="1">
+                <a:latin typeface="Consolas" panose="020B0609020204030204" pitchFamily="49" charset="0"/>
+              </a:rPr>
+              <a:t>knjigaSaZanrovima</a:t>
+            </a:r>
+            <a:r>
+              <a:rPr lang="en-US" sz="2400" dirty="0">
+                <a:latin typeface="Consolas" panose="020B0609020204030204" pitchFamily="49" charset="0"/>
+              </a:rPr>
+              <a:t>);    }</a:t>
+            </a:r>
+          </a:p>
+          <a:p>
+            <a:r>
+              <a:rPr lang="en-US" sz="2400" dirty="0">
+                <a:latin typeface="Consolas" panose="020B0609020204030204" pitchFamily="49" charset="0"/>
+              </a:rPr>
+              <a:t>     </a:t>
+            </a:r>
+            <a:r>
+              <a:rPr lang="en-US" sz="2400" dirty="0" err="1">
+                <a:latin typeface="Consolas" panose="020B0609020204030204" pitchFamily="49" charset="0"/>
+              </a:rPr>
+              <a:t>knjigaZanroviViewModel.KnjigeSaZanrovima</a:t>
+            </a:r>
+            <a:r>
+              <a:rPr lang="en-US" sz="2400" dirty="0">
+                <a:latin typeface="Consolas" panose="020B0609020204030204" pitchFamily="49" charset="0"/>
+              </a:rPr>
+              <a:t> = </a:t>
+            </a:r>
+            <a:r>
+              <a:rPr lang="en-US" sz="2400" dirty="0" err="1">
+                <a:latin typeface="Consolas" panose="020B0609020204030204" pitchFamily="49" charset="0"/>
+              </a:rPr>
+              <a:t>knjigeSaZanrovima</a:t>
+            </a:r>
+            <a:r>
+              <a:rPr lang="en-US" sz="2400" dirty="0">
+                <a:latin typeface="Consolas" panose="020B0609020204030204" pitchFamily="49" charset="0"/>
+              </a:rPr>
+              <a:t>;</a:t>
+            </a:r>
+          </a:p>
+          <a:p>
+            <a:r>
+              <a:rPr lang="en-US" sz="2400" dirty="0">
+                <a:latin typeface="Consolas" panose="020B0609020204030204" pitchFamily="49" charset="0"/>
+              </a:rPr>
+              <a:t>     </a:t>
+            </a:r>
+            <a:r>
+              <a:rPr lang="en-US" sz="2400" dirty="0" err="1">
+                <a:latin typeface="Consolas" panose="020B0609020204030204" pitchFamily="49" charset="0"/>
+              </a:rPr>
+              <a:t>knjigaZanroviViewModel.CurrentPageIndex</a:t>
+            </a:r>
+            <a:r>
+              <a:rPr lang="en-US" sz="2400" dirty="0">
+                <a:latin typeface="Consolas" panose="020B0609020204030204" pitchFamily="49" charset="0"/>
+              </a:rPr>
+              <a:t> = </a:t>
+            </a:r>
+            <a:r>
+              <a:rPr lang="en-US" sz="2400" dirty="0" err="1">
+                <a:latin typeface="Consolas" panose="020B0609020204030204" pitchFamily="49" charset="0"/>
+              </a:rPr>
+              <a:t>pageNumber</a:t>
+            </a:r>
+            <a:r>
+              <a:rPr lang="en-US" sz="2400" dirty="0">
+                <a:latin typeface="Consolas" panose="020B0609020204030204" pitchFamily="49" charset="0"/>
+              </a:rPr>
+              <a:t>;</a:t>
+            </a:r>
+          </a:p>
+          <a:p>
+            <a:r>
+              <a:rPr lang="en-US" sz="2400" dirty="0">
+                <a:latin typeface="Consolas" panose="020B0609020204030204" pitchFamily="49" charset="0"/>
+              </a:rPr>
+              <a:t>	   return View("~/Views/Back-end/</a:t>
+            </a:r>
+            <a:r>
+              <a:rPr lang="en-US" sz="2400" dirty="0" err="1">
+                <a:latin typeface="Consolas" panose="020B0609020204030204" pitchFamily="49" charset="0"/>
+              </a:rPr>
+              <a:t>Knjige</a:t>
+            </a:r>
+            <a:r>
+              <a:rPr lang="en-US" sz="2400" dirty="0">
+                <a:latin typeface="Consolas" panose="020B0609020204030204" pitchFamily="49" charset="0"/>
+              </a:rPr>
+              <a:t>/</a:t>
+            </a:r>
+            <a:r>
+              <a:rPr lang="en-US" sz="2400" dirty="0" err="1">
+                <a:latin typeface="Consolas" panose="020B0609020204030204" pitchFamily="49" charset="0"/>
+              </a:rPr>
+              <a:t>Index.cshtml</a:t>
+            </a:r>
+            <a:r>
+              <a:rPr lang="en-US" sz="2400" dirty="0">
+                <a:latin typeface="Consolas" panose="020B0609020204030204" pitchFamily="49" charset="0"/>
+              </a:rPr>
+              <a:t>", 	</a:t>
+            </a:r>
+            <a:r>
+              <a:rPr lang="en-US" sz="2400" dirty="0" err="1">
+                <a:latin typeface="Consolas" panose="020B0609020204030204" pitchFamily="49" charset="0"/>
+              </a:rPr>
+              <a:t>knjigaZanroviViewModel</a:t>
+            </a:r>
+            <a:r>
+              <a:rPr lang="en-US" sz="2400" dirty="0">
+                <a:latin typeface="Consolas" panose="020B0609020204030204" pitchFamily="49" charset="0"/>
+              </a:rPr>
+              <a:t>);</a:t>
+            </a:r>
+            <a:r>
+              <a:rPr lang="sr-Latn-RS" sz="2400" dirty="0">
+                <a:latin typeface="Consolas" panose="020B0609020204030204" pitchFamily="49" charset="0"/>
+              </a:rPr>
+              <a:t>   </a:t>
+            </a:r>
+            <a:r>
+              <a:rPr lang="en-US" sz="2400" dirty="0">
+                <a:latin typeface="Consolas" panose="020B0609020204030204" pitchFamily="49" charset="0"/>
+              </a:rPr>
+              <a:t>}</a:t>
+            </a:r>
+          </a:p>
+          <a:p>
+            <a:endParaRPr lang="sr-Latn-RS" sz="2400" dirty="0">
+              <a:latin typeface="Consolas" panose="020B0609020204030204" pitchFamily="49" charset="0"/>
+            </a:endParaRPr>
+          </a:p>
+          <a:p>
+            <a:r>
+              <a:rPr lang="sr-Latn-RS" sz="2400" dirty="0">
+                <a:latin typeface="Consolas" panose="020B0609020204030204" pitchFamily="49" charset="0"/>
+              </a:rPr>
+              <a:t>	</a:t>
+            </a:r>
+            <a:r>
+              <a:rPr lang="en-US" sz="2400" dirty="0">
+                <a:latin typeface="Consolas" panose="020B0609020204030204" pitchFamily="49" charset="0"/>
+              </a:rPr>
+              <a:t>public </a:t>
+            </a:r>
+            <a:r>
+              <a:rPr lang="en-US" sz="2400" dirty="0" err="1">
+                <a:latin typeface="Consolas" panose="020B0609020204030204" pitchFamily="49" charset="0"/>
+              </a:rPr>
+              <a:t>ActionResult</a:t>
+            </a:r>
+            <a:r>
+              <a:rPr lang="en-US" sz="2400" dirty="0">
+                <a:latin typeface="Consolas" panose="020B0609020204030204" pitchFamily="49" charset="0"/>
+              </a:rPr>
+              <a:t> Create() { </a:t>
+            </a:r>
+          </a:p>
+          <a:p>
+            <a:r>
+              <a:rPr lang="en-US" sz="2400" dirty="0">
+                <a:latin typeface="Consolas" panose="020B0609020204030204" pitchFamily="49" charset="0"/>
+              </a:rPr>
+              <a:t>   </a:t>
+            </a:r>
+            <a:r>
+              <a:rPr lang="en-US" sz="2400" dirty="0" err="1">
+                <a:latin typeface="Consolas" panose="020B0609020204030204" pitchFamily="49" charset="0"/>
+              </a:rPr>
+              <a:t>KnjigaZanrViewModel</a:t>
+            </a:r>
+            <a:r>
+              <a:rPr lang="en-US" sz="2400" dirty="0">
+                <a:latin typeface="Consolas" panose="020B0609020204030204" pitchFamily="49" charset="0"/>
+              </a:rPr>
+              <a:t> </a:t>
+            </a:r>
+            <a:r>
+              <a:rPr lang="en-US" sz="2400" dirty="0" err="1">
+                <a:latin typeface="Consolas" panose="020B0609020204030204" pitchFamily="49" charset="0"/>
+              </a:rPr>
+              <a:t>knjigaZanrViewModel</a:t>
+            </a:r>
+            <a:r>
+              <a:rPr lang="en-US" sz="2400" dirty="0">
+                <a:latin typeface="Consolas" panose="020B0609020204030204" pitchFamily="49" charset="0"/>
+              </a:rPr>
+              <a:t> = new </a:t>
+            </a:r>
+            <a:r>
+              <a:rPr lang="en-US" sz="2400" dirty="0" err="1">
+                <a:latin typeface="Consolas" panose="020B0609020204030204" pitchFamily="49" charset="0"/>
+              </a:rPr>
+              <a:t>KnjigaZanrViewModel</a:t>
+            </a:r>
+            <a:endParaRPr lang="en-US" sz="2400" dirty="0">
+              <a:latin typeface="Consolas" panose="020B0609020204030204" pitchFamily="49" charset="0"/>
+            </a:endParaRPr>
+          </a:p>
+          <a:p>
+            <a:r>
+              <a:rPr lang="en-US" sz="2400" dirty="0">
+                <a:latin typeface="Consolas" panose="020B0609020204030204" pitchFamily="49" charset="0"/>
+              </a:rPr>
+              <a:t>            {   </a:t>
+            </a:r>
+            <a:r>
+              <a:rPr lang="it-IT" sz="2400" dirty="0">
+                <a:latin typeface="Consolas" panose="020B0609020204030204" pitchFamily="49" charset="0"/>
+              </a:rPr>
+              <a:t>autori = db.Autoris.OrderBy(a =&gt; a.ime).ToList(),</a:t>
+            </a:r>
+          </a:p>
+          <a:p>
+            <a:r>
+              <a:rPr lang="it-IT" sz="2400" dirty="0">
+                <a:latin typeface="Consolas" panose="020B0609020204030204" pitchFamily="49" charset="0"/>
+              </a:rPr>
+              <a:t>			</a:t>
+            </a:r>
+            <a:r>
+              <a:rPr lang="en-US" sz="2400" dirty="0" err="1">
+                <a:latin typeface="Consolas" panose="020B0609020204030204" pitchFamily="49" charset="0"/>
+              </a:rPr>
+              <a:t>zanrovi</a:t>
+            </a:r>
+            <a:r>
+              <a:rPr lang="en-US" sz="2400" dirty="0">
+                <a:latin typeface="Consolas" panose="020B0609020204030204" pitchFamily="49" charset="0"/>
+              </a:rPr>
+              <a:t> = </a:t>
+            </a:r>
+            <a:r>
+              <a:rPr lang="en-US" sz="2400" dirty="0" err="1">
+                <a:latin typeface="Consolas" panose="020B0609020204030204" pitchFamily="49" charset="0"/>
+              </a:rPr>
+              <a:t>db.Zanrs.OrderBy</a:t>
+            </a:r>
+            <a:r>
+              <a:rPr lang="en-US" sz="2400" dirty="0">
+                <a:latin typeface="Consolas" panose="020B0609020204030204" pitchFamily="49" charset="0"/>
+              </a:rPr>
+              <a:t>(z =&gt; </a:t>
+            </a:r>
+            <a:r>
+              <a:rPr lang="en-US" sz="2400" dirty="0" err="1">
+                <a:latin typeface="Consolas" panose="020B0609020204030204" pitchFamily="49" charset="0"/>
+              </a:rPr>
+              <a:t>z.vrsta</a:t>
+            </a:r>
+            <a:r>
+              <a:rPr lang="en-US" sz="2400" dirty="0">
+                <a:latin typeface="Consolas" panose="020B0609020204030204" pitchFamily="49" charset="0"/>
+              </a:rPr>
               <a:t>).</a:t>
             </a:r>
             <a:r>
-              <a:rPr lang="en-US" sz="1600" dirty="0" err="1"/>
+              <a:rPr lang="en-US" sz="2400" dirty="0" err="1">
+                <a:latin typeface="Consolas" panose="020B0609020204030204" pitchFamily="49" charset="0"/>
+              </a:rPr>
               <a:t>ToList</a:t>
             </a:r>
             <a:r>
-              <a:rPr lang="en-US" sz="1600" dirty="0"/>
-              <a:t>();</a:t>
-            </a:r>
-          </a:p>
-          <a:p>
-            <a:r>
-              <a:rPr lang="pl-PL" sz="1600" dirty="0"/>
-              <a:t>                List&lt;Zanr&gt; zanrovi = new List&lt;Zanr&gt;();</a:t>
-            </a:r>
-          </a:p>
-          <a:p>
-            <a:r>
-              <a:rPr lang="en-US" sz="1600" dirty="0"/>
-              <a:t>                foreach (</a:t>
-            </a:r>
-            <a:r>
-              <a:rPr lang="en-US" sz="1600" dirty="0" err="1"/>
-              <a:t>Knjige_Zanr</a:t>
-            </a:r>
-            <a:r>
-              <a:rPr lang="en-US" sz="1600" dirty="0"/>
-              <a:t> </a:t>
-            </a:r>
-            <a:r>
-              <a:rPr lang="en-US" sz="1600" dirty="0" err="1"/>
-              <a:t>kz</a:t>
-            </a:r>
-            <a:r>
-              <a:rPr lang="en-US" sz="1600" dirty="0"/>
-              <a:t> in </a:t>
-            </a:r>
-            <a:r>
-              <a:rPr lang="en-US" sz="1600" dirty="0" err="1"/>
-              <a:t>knjigeZanrovi</a:t>
-            </a:r>
-            <a:r>
-              <a:rPr lang="en-US" sz="1600" dirty="0"/>
-              <a:t>)</a:t>
-            </a:r>
-          </a:p>
-          <a:p>
-            <a:r>
-              <a:rPr lang="en-US" sz="1600" dirty="0"/>
-              <a:t>                {</a:t>
-            </a:r>
-            <a:r>
-              <a:rPr lang="sr-Latn-RS" sz="1600" dirty="0"/>
-              <a:t>   </a:t>
-            </a:r>
-            <a:r>
-              <a:rPr lang="en-US" sz="1600" dirty="0" err="1"/>
-              <a:t>Zanr</a:t>
-            </a:r>
-            <a:r>
-              <a:rPr lang="en-US" sz="1600" dirty="0"/>
-              <a:t> </a:t>
-            </a:r>
-            <a:r>
-              <a:rPr lang="en-US" sz="1600" dirty="0" err="1"/>
-              <a:t>zanr</a:t>
-            </a:r>
-            <a:r>
-              <a:rPr lang="en-US" sz="1600" dirty="0"/>
-              <a:t> = </a:t>
-            </a:r>
-            <a:r>
-              <a:rPr lang="en-US" sz="1600" dirty="0" err="1"/>
-              <a:t>db.Zanrs.Find</a:t>
-            </a:r>
-            <a:r>
-              <a:rPr lang="en-US" sz="1600" dirty="0"/>
-              <a:t>(</a:t>
-            </a:r>
-            <a:r>
-              <a:rPr lang="en-US" sz="1600" dirty="0" err="1"/>
-              <a:t>kz.id_zanr</a:t>
-            </a:r>
-            <a:r>
-              <a:rPr lang="en-US" sz="1600" dirty="0"/>
-              <a:t>);</a:t>
-            </a:r>
-          </a:p>
-          <a:p>
-            <a:r>
-              <a:rPr lang="en-US" sz="1600" dirty="0"/>
-              <a:t>                    </a:t>
-            </a:r>
-            <a:r>
-              <a:rPr lang="en-US" sz="1600" dirty="0" err="1"/>
-              <a:t>zanrovi.Add</a:t>
-            </a:r>
-            <a:r>
-              <a:rPr lang="en-US" sz="1600" dirty="0"/>
-              <a:t>(</a:t>
-            </a:r>
-            <a:r>
-              <a:rPr lang="en-US" sz="1600" dirty="0" err="1"/>
-              <a:t>zanr</a:t>
-            </a:r>
-            <a:r>
-              <a:rPr lang="en-US" sz="1600" dirty="0"/>
-              <a:t>);</a:t>
-            </a:r>
-            <a:r>
-              <a:rPr lang="sr-Latn-RS" sz="1600" dirty="0"/>
-              <a:t>    </a:t>
-            </a:r>
-            <a:r>
-              <a:rPr lang="en-US" sz="1600" dirty="0"/>
-              <a:t>}</a:t>
-            </a:r>
-          </a:p>
-          <a:p>
-            <a:r>
-              <a:rPr lang="en-US" sz="1600" dirty="0"/>
-              <a:t>                </a:t>
-            </a:r>
-            <a:r>
-              <a:rPr lang="en-US" sz="1600" dirty="0" err="1"/>
-              <a:t>KnjigaSaZanrovima</a:t>
-            </a:r>
-            <a:r>
-              <a:rPr lang="en-US" sz="1600" dirty="0"/>
-              <a:t> </a:t>
-            </a:r>
-            <a:r>
-              <a:rPr lang="en-US" sz="1600" dirty="0" err="1"/>
-              <a:t>knjigaSaZanrovima</a:t>
-            </a:r>
-            <a:r>
-              <a:rPr lang="en-US" sz="1600" dirty="0"/>
-              <a:t> = new </a:t>
-            </a:r>
-            <a:r>
-              <a:rPr lang="en-US" sz="1600" dirty="0" err="1"/>
-              <a:t>KnjigaSaZanrovima</a:t>
-            </a:r>
-            <a:endParaRPr lang="en-US" sz="1600" dirty="0"/>
-          </a:p>
-          <a:p>
-            <a:r>
-              <a:rPr lang="en-US" sz="1600" dirty="0"/>
-              <a:t>                {</a:t>
-            </a:r>
-            <a:r>
-              <a:rPr lang="sr-Latn-RS" sz="1600" dirty="0"/>
-              <a:t>   </a:t>
-            </a:r>
-            <a:r>
-              <a:rPr lang="en-US" sz="1600" dirty="0" err="1"/>
-              <a:t>knjiga</a:t>
-            </a:r>
-            <a:r>
-              <a:rPr lang="en-US" sz="1600" dirty="0"/>
-              <a:t> = </a:t>
-            </a:r>
-            <a:r>
-              <a:rPr lang="en-US" sz="1600" dirty="0" err="1"/>
-              <a:t>knjiga</a:t>
-            </a:r>
-            <a:r>
-              <a:rPr lang="en-US" sz="1600" dirty="0"/>
-              <a:t>,</a:t>
-            </a:r>
-            <a:r>
-              <a:rPr lang="sr-Latn-RS" sz="1600" dirty="0"/>
-              <a:t>   </a:t>
-            </a:r>
-            <a:r>
-              <a:rPr lang="en-US" sz="1600" dirty="0" err="1"/>
-              <a:t>zanrovi</a:t>
-            </a:r>
-            <a:r>
-              <a:rPr lang="en-US" sz="1600" dirty="0"/>
-              <a:t> = </a:t>
-            </a:r>
-            <a:r>
-              <a:rPr lang="en-US" sz="1600" dirty="0" err="1"/>
-              <a:t>zanrovi</a:t>
-            </a:r>
-            <a:r>
-              <a:rPr lang="sr-Latn-RS" sz="1600" dirty="0"/>
-              <a:t>    </a:t>
-            </a:r>
-            <a:r>
-              <a:rPr lang="en-US" sz="1600" dirty="0"/>
-              <a:t>};</a:t>
-            </a:r>
-          </a:p>
-          <a:p>
-            <a:r>
-              <a:rPr lang="en-US" sz="1600" dirty="0"/>
-              <a:t>                </a:t>
-            </a:r>
-            <a:r>
-              <a:rPr lang="en-US" sz="1600" dirty="0" err="1"/>
-              <a:t>knjigeSaZanrovima.Add</a:t>
-            </a:r>
-            <a:r>
-              <a:rPr lang="en-US" sz="1600" dirty="0"/>
-              <a:t>(</a:t>
-            </a:r>
-            <a:r>
-              <a:rPr lang="en-US" sz="1600" dirty="0" err="1"/>
-              <a:t>knjigaSaZanrovima</a:t>
-            </a:r>
-            <a:r>
-              <a:rPr lang="en-US" sz="1600" dirty="0"/>
-              <a:t>);</a:t>
-            </a:r>
-          </a:p>
-          <a:p>
-            <a:r>
-              <a:rPr lang="en-US" sz="1600" dirty="0"/>
-              <a:t>            }</a:t>
-            </a:r>
-          </a:p>
-          <a:p>
-            <a:r>
-              <a:rPr lang="en-US" sz="1600" dirty="0"/>
+              <a:rPr lang="en-US" sz="2400" dirty="0">
+                <a:latin typeface="Consolas" panose="020B0609020204030204" pitchFamily="49" charset="0"/>
+              </a:rPr>
+              <a:t>()     };</a:t>
+            </a:r>
+          </a:p>
+          <a:p>
+            <a:r>
+              <a:rPr lang="en-US" sz="2400" dirty="0">
+                <a:latin typeface="Consolas" panose="020B0609020204030204" pitchFamily="49" charset="0"/>
+              </a:rPr>
               <a:t>            </a:t>
             </a:r>
-            <a:r>
-              <a:rPr lang="en-US" sz="1600" dirty="0" err="1"/>
-              <a:t>knjigaZanroviViewModel.KnjigeSaZanrovima</a:t>
-            </a:r>
-            <a:r>
-              <a:rPr lang="en-US" sz="1600" dirty="0"/>
-              <a:t> = </a:t>
-            </a:r>
-            <a:r>
-              <a:rPr lang="en-US" sz="1600" dirty="0" err="1"/>
-              <a:t>knjigeSaZanrovima</a:t>
-            </a:r>
-            <a:r>
-              <a:rPr lang="en-US" sz="1600" dirty="0"/>
-              <a:t>;</a:t>
-            </a:r>
-          </a:p>
-          <a:p>
-            <a:r>
-              <a:rPr lang="en-US" sz="1600" dirty="0"/>
-              <a:t>            </a:t>
-            </a:r>
-            <a:r>
-              <a:rPr lang="en-US" sz="1600" dirty="0" err="1"/>
-              <a:t>knjigaZanroviViewModel.CurrentPageIndex</a:t>
-            </a:r>
-            <a:r>
-              <a:rPr lang="en-US" sz="1600" dirty="0"/>
-              <a:t> = </a:t>
-            </a:r>
-            <a:r>
-              <a:rPr lang="en-US" sz="1600" dirty="0" err="1"/>
-              <a:t>pageNumber</a:t>
-            </a:r>
-            <a:r>
-              <a:rPr lang="en-US" sz="1600" dirty="0"/>
-              <a:t>;</a:t>
-            </a:r>
-          </a:p>
-          <a:p>
-            <a:r>
-              <a:rPr lang="en-US" sz="1600" dirty="0"/>
-              <a:t>            return View("~/Views/Back-end/</a:t>
-            </a:r>
-            <a:r>
-              <a:rPr lang="en-US" sz="1600" dirty="0" err="1"/>
-              <a:t>Knjige</a:t>
-            </a:r>
-            <a:r>
-              <a:rPr lang="en-US" sz="1600" dirty="0"/>
-              <a:t>/</a:t>
-            </a:r>
-            <a:r>
-              <a:rPr lang="en-US" sz="1600" dirty="0" err="1"/>
-              <a:t>Index.cshtml</a:t>
-            </a:r>
-            <a:r>
-              <a:rPr lang="en-US" sz="1600" dirty="0"/>
-              <a:t>", </a:t>
-            </a:r>
-            <a:r>
-              <a:rPr lang="en-US" sz="1600" dirty="0" err="1"/>
-              <a:t>knjigaZanroviViewModel</a:t>
-            </a:r>
-            <a:r>
-              <a:rPr lang="en-US" sz="1600" dirty="0"/>
-              <a:t>);</a:t>
-            </a:r>
-            <a:r>
-              <a:rPr lang="sr-Latn-RS" sz="1600" dirty="0"/>
-              <a:t>   </a:t>
-            </a:r>
-            <a:r>
-              <a:rPr lang="en-US" sz="1600" dirty="0"/>
-              <a:t>}</a:t>
-            </a:r>
-            <a:endParaRPr lang="sr-Latn-RS" sz="1600" dirty="0"/>
-          </a:p>
-          <a:p>
-            <a:r>
-              <a:rPr lang="sr-Latn-RS" sz="1600" dirty="0"/>
-              <a:t>	</a:t>
-            </a:r>
-            <a:r>
-              <a:rPr lang="en-US" sz="1600" dirty="0"/>
-              <a:t>public </a:t>
-            </a:r>
-            <a:r>
-              <a:rPr lang="en-US" sz="1600" dirty="0" err="1"/>
-              <a:t>ActionResult</a:t>
-            </a:r>
-            <a:r>
-              <a:rPr lang="en-US" sz="1600" dirty="0"/>
-              <a:t> Create()</a:t>
-            </a:r>
-          </a:p>
-          <a:p>
-            <a:r>
-              <a:rPr lang="en-US" sz="1600" dirty="0"/>
-              <a:t>        {</a:t>
-            </a:r>
-          </a:p>
-          <a:p>
-            <a:r>
-              <a:rPr lang="en-US" sz="1600" dirty="0"/>
-              <a:t>            </a:t>
-            </a:r>
-            <a:r>
-              <a:rPr lang="en-US" sz="1600" dirty="0" err="1"/>
-              <a:t>KnjigaZanrViewModel</a:t>
-            </a:r>
-            <a:r>
-              <a:rPr lang="en-US" sz="1600" dirty="0"/>
-              <a:t> </a:t>
-            </a:r>
-            <a:r>
-              <a:rPr lang="en-US" sz="1600" dirty="0" err="1"/>
-              <a:t>knjigaZanrViewModel</a:t>
-            </a:r>
-            <a:r>
-              <a:rPr lang="en-US" sz="1600" dirty="0"/>
-              <a:t> = new </a:t>
-            </a:r>
-            <a:r>
-              <a:rPr lang="en-US" sz="1600" dirty="0" err="1"/>
-              <a:t>KnjigaZanrViewModel</a:t>
-            </a:r>
-            <a:endParaRPr lang="en-US" sz="1600" dirty="0"/>
-          </a:p>
-          <a:p>
-            <a:r>
-              <a:rPr lang="en-US" sz="1600" dirty="0"/>
-              <a:t>            {</a:t>
-            </a:r>
-          </a:p>
-          <a:p>
-            <a:r>
-              <a:rPr lang="it-IT" sz="1600" dirty="0"/>
-              <a:t>                autori = db.Autoris.OrderBy(a =&gt; a.ime).ToList(),</a:t>
-            </a:r>
-          </a:p>
-          <a:p>
-            <a:r>
-              <a:rPr lang="en-US" sz="1600" dirty="0"/>
-              <a:t>                </a:t>
-            </a:r>
-            <a:r>
-              <a:rPr lang="en-US" sz="1600" dirty="0" err="1"/>
-              <a:t>zanrovi</a:t>
-            </a:r>
-            <a:r>
-              <a:rPr lang="en-US" sz="1600" dirty="0"/>
-              <a:t> = </a:t>
-            </a:r>
-            <a:r>
-              <a:rPr lang="en-US" sz="1600" dirty="0" err="1"/>
-              <a:t>db.Zanrs.OrderBy</a:t>
-            </a:r>
-            <a:r>
-              <a:rPr lang="en-US" sz="1600" dirty="0"/>
-              <a:t>(z =&gt; </a:t>
-            </a:r>
-            <a:r>
-              <a:rPr lang="en-US" sz="1600" dirty="0" err="1"/>
-              <a:t>z.vrsta</a:t>
-            </a:r>
-            <a:r>
-              <a:rPr lang="en-US" sz="1600" dirty="0"/>
-              <a:t>).</a:t>
-            </a:r>
-            <a:r>
-              <a:rPr lang="en-US" sz="1600" dirty="0" err="1"/>
-              <a:t>ToList</a:t>
-            </a:r>
-            <a:r>
-              <a:rPr lang="en-US" sz="1600" dirty="0"/>
-              <a:t>()</a:t>
-            </a:r>
-          </a:p>
-          <a:p>
-            <a:r>
-              <a:rPr lang="en-US" sz="1600" dirty="0"/>
-              <a:t>            };</a:t>
-            </a:r>
-          </a:p>
-          <a:p>
-            <a:r>
-              <a:rPr lang="en-US" sz="1600" dirty="0"/>
-              <a:t>            return View("~/Views/Back-end/</a:t>
-            </a:r>
-            <a:r>
-              <a:rPr lang="en-US" sz="1600" dirty="0" err="1"/>
-              <a:t>Knjige</a:t>
-            </a:r>
-            <a:r>
-              <a:rPr lang="en-US" sz="1600" dirty="0"/>
-              <a:t>/</a:t>
-            </a:r>
-            <a:r>
-              <a:rPr lang="en-US" sz="1600" dirty="0" err="1"/>
-              <a:t>Create.cshtml</a:t>
-            </a:r>
-            <a:r>
-              <a:rPr lang="en-US" sz="1600" dirty="0"/>
-              <a:t>", </a:t>
-            </a:r>
-            <a:r>
-              <a:rPr lang="en-US" sz="1600" dirty="0" err="1"/>
-              <a:t>knjigaZanrViewModel</a:t>
-            </a:r>
-            <a:r>
-              <a:rPr lang="en-US" sz="1600" dirty="0"/>
-              <a:t>);</a:t>
-            </a:r>
-          </a:p>
-          <a:p>
-            <a:r>
-              <a:rPr lang="en-US" sz="1600" dirty="0"/>
-              <a:t>        }</a:t>
-            </a:r>
-          </a:p>
-          <a:p>
             <a:endParaRPr lang="en-US" sz="1600" dirty="0"/>
           </a:p>
         </p:txBody>
@@ -10092,7 +11193,7 @@
 </p:sld>
 </file>
 
-<file path=ppt/slides/slide7.xml><?xml version="1.0" encoding="utf-8"?>
+<file path=ppt/slides/slide9.xml><?xml version="1.0" encoding="utf-8"?>
 <p:sld xmlns:a="http://schemas.openxmlformats.org/drawingml/2006/main" xmlns:r="http://schemas.openxmlformats.org/officeDocument/2006/relationships" xmlns:p="http://schemas.openxmlformats.org/presentationml/2006/main">
   <p:cSld>
     <p:spTree>
@@ -10318,8 +11419,8 @@
         </p:nvSpPr>
         <p:spPr>
           <a:xfrm>
-            <a:off x="0" y="467390"/>
-            <a:ext cx="11830050" cy="6709529"/>
+            <a:off x="0" y="470168"/>
+            <a:ext cx="11830050" cy="5847755"/>
           </a:xfrm>
           <a:prstGeom prst="rect">
             <a:avLst/>
@@ -10333,606 +11434,447 @@
           <a:lstStyle/>
           <a:p>
             <a:r>
-              <a:rPr lang="en-US" sz="1600" dirty="0"/>
+              <a:rPr lang="en-US" sz="2400" dirty="0">
+                <a:latin typeface="Consolas" panose="020B0609020204030204" pitchFamily="49" charset="0"/>
+              </a:rPr>
+              <a:t>return View("~/Views/Back-end/</a:t>
+            </a:r>
+            <a:r>
+              <a:rPr lang="en-US" sz="2400" dirty="0" err="1">
+                <a:latin typeface="Consolas" panose="020B0609020204030204" pitchFamily="49" charset="0"/>
+              </a:rPr>
+              <a:t>Knjige</a:t>
+            </a:r>
+            <a:r>
+              <a:rPr lang="en-US" sz="2400" dirty="0">
+                <a:latin typeface="Consolas" panose="020B0609020204030204" pitchFamily="49" charset="0"/>
+              </a:rPr>
+              <a:t>/</a:t>
+            </a:r>
+            <a:r>
+              <a:rPr lang="en-US" sz="2400" dirty="0" err="1">
+                <a:latin typeface="Consolas" panose="020B0609020204030204" pitchFamily="49" charset="0"/>
+              </a:rPr>
+              <a:t>Create.cshtml</a:t>
+            </a:r>
+            <a:r>
+              <a:rPr lang="en-US" sz="2400" dirty="0">
+                <a:latin typeface="Consolas" panose="020B0609020204030204" pitchFamily="49" charset="0"/>
+              </a:rPr>
+              <a:t>", </a:t>
+            </a:r>
+            <a:r>
+              <a:rPr lang="en-US" sz="2400" dirty="0" err="1">
+                <a:latin typeface="Consolas" panose="020B0609020204030204" pitchFamily="49" charset="0"/>
+              </a:rPr>
+              <a:t>knjigaZanrViewModel</a:t>
+            </a:r>
+            <a:r>
+              <a:rPr lang="en-US" sz="2400" dirty="0">
+                <a:latin typeface="Consolas" panose="020B0609020204030204" pitchFamily="49" charset="0"/>
+              </a:rPr>
+              <a:t>);    }</a:t>
+            </a:r>
+          </a:p>
+          <a:p>
+            <a:r>
+              <a:rPr lang="en-US" sz="2400" dirty="0"/>
+              <a:t>                </a:t>
+            </a:r>
+            <a:r>
+              <a:rPr lang="en-US" sz="2400" dirty="0">
+                <a:latin typeface="Consolas" panose="020B0609020204030204" pitchFamily="49" charset="0"/>
+              </a:rPr>
+              <a:t>[</a:t>
+            </a:r>
+            <a:r>
+              <a:rPr lang="en-US" sz="2400" dirty="0" err="1">
+                <a:latin typeface="Consolas" panose="020B0609020204030204" pitchFamily="49" charset="0"/>
+              </a:rPr>
+              <a:t>HttpPost</a:t>
+            </a:r>
+            <a:r>
+              <a:rPr lang="en-US" sz="2400" dirty="0">
+                <a:latin typeface="Consolas" panose="020B0609020204030204" pitchFamily="49" charset="0"/>
+              </a:rPr>
+              <a:t>]</a:t>
+            </a:r>
+          </a:p>
+          <a:p>
+            <a:r>
+              <a:rPr lang="en-US" sz="2400" dirty="0">
+                <a:latin typeface="Consolas" panose="020B0609020204030204" pitchFamily="49" charset="0"/>
+              </a:rPr>
               <a:t>        [</a:t>
             </a:r>
             <a:r>
-              <a:rPr lang="en-US" sz="1600" dirty="0" err="1"/>
-              <a:t>HttpPost</a:t>
-            </a:r>
-            <a:r>
-              <a:rPr lang="en-US" sz="1600" dirty="0"/>
+              <a:rPr lang="en-US" sz="2400" dirty="0" err="1">
+                <a:latin typeface="Consolas" panose="020B0609020204030204" pitchFamily="49" charset="0"/>
+              </a:rPr>
+              <a:t>ValidateAntiForgeryToken</a:t>
+            </a:r>
+            <a:r>
+              <a:rPr lang="en-US" sz="2400" dirty="0">
+                <a:latin typeface="Consolas" panose="020B0609020204030204" pitchFamily="49" charset="0"/>
+              </a:rPr>
               <a:t>]</a:t>
             </a:r>
           </a:p>
           <a:p>
             <a:r>
-              <a:rPr lang="en-US" sz="1600" dirty="0"/>
-              <a:t>        [</a:t>
-            </a:r>
-            <a:r>
-              <a:rPr lang="en-US" sz="1600" dirty="0" err="1"/>
-              <a:t>ValidateAntiForgeryToken</a:t>
-            </a:r>
-            <a:r>
-              <a:rPr lang="en-US" sz="1600" dirty="0"/>
-              <a:t>]</a:t>
-            </a:r>
-          </a:p>
-          <a:p>
-            <a:r>
-              <a:rPr lang="en-US" sz="1600" dirty="0"/>
+              <a:rPr lang="en-US" sz="2400" dirty="0">
+                <a:latin typeface="Consolas" panose="020B0609020204030204" pitchFamily="49" charset="0"/>
+              </a:rPr>
               <a:t>        public </a:t>
             </a:r>
             <a:r>
-              <a:rPr lang="en-US" sz="1600" dirty="0" err="1"/>
+              <a:rPr lang="en-US" sz="2400" dirty="0" err="1">
+                <a:latin typeface="Consolas" panose="020B0609020204030204" pitchFamily="49" charset="0"/>
+              </a:rPr>
               <a:t>ActionResult</a:t>
             </a:r>
             <a:r>
-              <a:rPr lang="en-US" sz="1600" dirty="0"/>
+              <a:rPr lang="en-US" sz="2400" dirty="0">
+                <a:latin typeface="Consolas" panose="020B0609020204030204" pitchFamily="49" charset="0"/>
+              </a:rPr>
               <a:t> Create(</a:t>
             </a:r>
             <a:r>
-              <a:rPr lang="sr-Latn-RS" sz="1600" dirty="0"/>
+              <a:rPr lang="sr-Latn-RS" sz="2400" dirty="0">
+                <a:latin typeface="Consolas" panose="020B0609020204030204" pitchFamily="49" charset="0"/>
+              </a:rPr>
               <a:t> </a:t>
             </a:r>
             <a:r>
-              <a:rPr lang="en-US" sz="1600" dirty="0"/>
+              <a:rPr lang="en-US" sz="2400" dirty="0">
+                <a:latin typeface="Consolas" panose="020B0609020204030204" pitchFamily="49" charset="0"/>
+              </a:rPr>
               <a:t>[Bind(Include = "</a:t>
             </a:r>
             <a:r>
-              <a:rPr lang="en-US" sz="1600" dirty="0" err="1"/>
+              <a:rPr lang="en-US" sz="2400" dirty="0" err="1">
+                <a:latin typeface="Consolas" panose="020B0609020204030204" pitchFamily="49" charset="0"/>
+              </a:rPr>
               <a:t>id_knjige,naziv,id_autora,slika,opis,cena</a:t>
             </a:r>
             <a:r>
-              <a:rPr lang="en-US" sz="1600" dirty="0"/>
+              <a:rPr lang="en-US" sz="2400" dirty="0">
+                <a:latin typeface="Consolas" panose="020B0609020204030204" pitchFamily="49" charset="0"/>
+              </a:rPr>
               <a:t>")] </a:t>
             </a:r>
             <a:r>
-              <a:rPr lang="en-US" sz="1600" dirty="0" err="1"/>
+              <a:rPr lang="en-US" sz="2400" dirty="0" err="1">
+                <a:latin typeface="Consolas" panose="020B0609020204030204" pitchFamily="49" charset="0"/>
+              </a:rPr>
               <a:t>Knjige</a:t>
             </a:r>
             <a:r>
-              <a:rPr lang="en-US" sz="1600" dirty="0"/>
+              <a:rPr lang="en-US" sz="2400" dirty="0">
+                <a:latin typeface="Consolas" panose="020B0609020204030204" pitchFamily="49" charset="0"/>
+              </a:rPr>
               <a:t> </a:t>
             </a:r>
             <a:r>
-              <a:rPr lang="en-US" sz="1600" dirty="0" err="1"/>
+              <a:rPr lang="en-US" sz="2400" dirty="0" err="1">
+                <a:latin typeface="Consolas" panose="020B0609020204030204" pitchFamily="49" charset="0"/>
+              </a:rPr>
               <a:t>knjige</a:t>
             </a:r>
             <a:r>
-              <a:rPr lang="en-US" sz="1600" dirty="0"/>
+              <a:rPr lang="en-US" sz="2400" dirty="0">
+                <a:latin typeface="Consolas" panose="020B0609020204030204" pitchFamily="49" charset="0"/>
+              </a:rPr>
               <a:t>,</a:t>
             </a:r>
             <a:r>
-              <a:rPr lang="sr-Latn-RS" sz="1600" dirty="0"/>
+              <a:rPr lang="sr-Latn-RS" sz="2400" dirty="0">
+                <a:latin typeface="Consolas" panose="020B0609020204030204" pitchFamily="49" charset="0"/>
+              </a:rPr>
               <a:t> </a:t>
             </a:r>
             <a:r>
-              <a:rPr lang="en-US" sz="1600" dirty="0"/>
+              <a:rPr lang="en-US" sz="2400" dirty="0">
+                <a:latin typeface="Consolas" panose="020B0609020204030204" pitchFamily="49" charset="0"/>
+              </a:rPr>
               <a:t>[Bind(Include = "</a:t>
             </a:r>
             <a:r>
-              <a:rPr lang="en-US" sz="1600" dirty="0" err="1"/>
+              <a:rPr lang="en-US" sz="2400" dirty="0" err="1">
+                <a:latin typeface="Consolas" panose="020B0609020204030204" pitchFamily="49" charset="0"/>
+              </a:rPr>
               <a:t>odabraniZanrovi</a:t>
             </a:r>
             <a:r>
-              <a:rPr lang="en-US" sz="1600" dirty="0"/>
+              <a:rPr lang="en-US" sz="2400" dirty="0">
+                <a:latin typeface="Consolas" panose="020B0609020204030204" pitchFamily="49" charset="0"/>
+              </a:rPr>
               <a:t>")] List&lt;int&gt; </a:t>
             </a:r>
             <a:r>
-              <a:rPr lang="en-US" sz="1600" dirty="0" err="1"/>
+              <a:rPr lang="en-US" sz="2400" dirty="0" err="1">
+                <a:latin typeface="Consolas" panose="020B0609020204030204" pitchFamily="49" charset="0"/>
+              </a:rPr>
               <a:t>odabraniZanrovi</a:t>
             </a:r>
             <a:r>
-              <a:rPr lang="en-US" sz="1600" dirty="0"/>
+              <a:rPr lang="en-US" sz="2400" dirty="0">
+                <a:latin typeface="Consolas" panose="020B0609020204030204" pitchFamily="49" charset="0"/>
+              </a:rPr>
               <a:t>,</a:t>
             </a:r>
             <a:r>
-              <a:rPr lang="sr-Latn-RS" sz="1600" dirty="0"/>
+              <a:rPr lang="sr-Latn-RS" sz="2400" dirty="0">
+                <a:latin typeface="Consolas" panose="020B0609020204030204" pitchFamily="49" charset="0"/>
+              </a:rPr>
               <a:t> </a:t>
             </a:r>
             <a:r>
-              <a:rPr lang="en-US" sz="1600" dirty="0" err="1"/>
+              <a:rPr lang="en-US" sz="2400" dirty="0" err="1">
+                <a:latin typeface="Consolas" panose="020B0609020204030204" pitchFamily="49" charset="0"/>
+              </a:rPr>
               <a:t>HttpPostedFileBase</a:t>
             </a:r>
             <a:r>
-              <a:rPr lang="en-US" sz="1600" dirty="0"/>
+              <a:rPr lang="en-US" sz="2400" dirty="0">
+                <a:latin typeface="Consolas" panose="020B0609020204030204" pitchFamily="49" charset="0"/>
+              </a:rPr>
               <a:t> </a:t>
             </a:r>
             <a:r>
-              <a:rPr lang="en-US" sz="1600" dirty="0" err="1"/>
+              <a:rPr lang="en-US" sz="2400" dirty="0" err="1">
+                <a:latin typeface="Consolas" panose="020B0609020204030204" pitchFamily="49" charset="0"/>
+              </a:rPr>
               <a:t>postedFile</a:t>
             </a:r>
             <a:r>
-              <a:rPr lang="sr-Latn-RS" sz="1600" dirty="0"/>
+              <a:rPr lang="sr-Latn-RS" sz="2400" dirty="0">
+                <a:latin typeface="Consolas" panose="020B0609020204030204" pitchFamily="49" charset="0"/>
+              </a:rPr>
               <a:t> </a:t>
             </a:r>
             <a:r>
-              <a:rPr lang="en-US" sz="1600" dirty="0"/>
+              <a:rPr lang="en-US" sz="2400" dirty="0">
+                <a:latin typeface="Consolas" panose="020B0609020204030204" pitchFamily="49" charset="0"/>
+              </a:rPr>
               <a:t>) {</a:t>
             </a:r>
           </a:p>
           <a:p>
             <a:r>
-              <a:rPr lang="en-US" sz="1600" dirty="0"/>
+              <a:rPr lang="en-US" sz="2400" dirty="0">
+                <a:latin typeface="Consolas" panose="020B0609020204030204" pitchFamily="49" charset="0"/>
+              </a:rPr>
               <a:t>            if (</a:t>
             </a:r>
             <a:r>
-              <a:rPr lang="en-US" sz="1600" dirty="0" err="1"/>
+              <a:rPr lang="en-US" sz="2400" dirty="0" err="1">
+                <a:latin typeface="Consolas" panose="020B0609020204030204" pitchFamily="49" charset="0"/>
+              </a:rPr>
               <a:t>ModelState.IsValid</a:t>
             </a:r>
             <a:r>
-              <a:rPr lang="en-US" sz="1600" dirty="0"/>
+              <a:rPr lang="en-US" sz="2400" dirty="0">
+                <a:latin typeface="Consolas" panose="020B0609020204030204" pitchFamily="49" charset="0"/>
+              </a:rPr>
               <a:t>)</a:t>
             </a:r>
           </a:p>
           <a:p>
             <a:r>
-              <a:rPr lang="en-US" sz="1600" dirty="0"/>
+              <a:rPr lang="en-US" sz="2400" dirty="0">
+                <a:latin typeface="Consolas" panose="020B0609020204030204" pitchFamily="49" charset="0"/>
+              </a:rPr>
               <a:t>            {</a:t>
             </a:r>
             <a:r>
-              <a:rPr lang="sr-Latn-RS" sz="1600" dirty="0"/>
+              <a:rPr lang="sr-Latn-RS" sz="2400" dirty="0">
+                <a:latin typeface="Consolas" panose="020B0609020204030204" pitchFamily="49" charset="0"/>
+              </a:rPr>
               <a:t>   </a:t>
             </a:r>
             <a:r>
-              <a:rPr lang="en-US" sz="1600" dirty="0"/>
+              <a:rPr lang="en-US" sz="2400" dirty="0">
+                <a:latin typeface="Consolas" panose="020B0609020204030204" pitchFamily="49" charset="0"/>
+              </a:rPr>
               <a:t>if (</a:t>
             </a:r>
             <a:r>
-              <a:rPr lang="en-US" sz="1600" dirty="0" err="1"/>
+              <a:rPr lang="en-US" sz="2400" dirty="0" err="1">
+                <a:latin typeface="Consolas" panose="020B0609020204030204" pitchFamily="49" charset="0"/>
+              </a:rPr>
               <a:t>postedFile</a:t>
             </a:r>
             <a:r>
-              <a:rPr lang="en-US" sz="1600" dirty="0"/>
+              <a:rPr lang="en-US" sz="2400" dirty="0">
+                <a:latin typeface="Consolas" panose="020B0609020204030204" pitchFamily="49" charset="0"/>
+              </a:rPr>
               <a:t> != null)</a:t>
             </a:r>
             <a:r>
-              <a:rPr lang="sr-Latn-RS" sz="1600" dirty="0"/>
+              <a:rPr lang="sr-Latn-RS" sz="2400" dirty="0">
+                <a:latin typeface="Consolas" panose="020B0609020204030204" pitchFamily="49" charset="0"/>
+              </a:rPr>
               <a:t>   </a:t>
             </a:r>
             <a:r>
-              <a:rPr lang="en-US" sz="1600" dirty="0"/>
+              <a:rPr lang="en-US" sz="2400" dirty="0">
+                <a:latin typeface="Consolas" panose="020B0609020204030204" pitchFamily="49" charset="0"/>
+              </a:rPr>
               <a:t>{</a:t>
             </a:r>
           </a:p>
           <a:p>
             <a:r>
-              <a:rPr lang="en-US" sz="1600" dirty="0"/>
+              <a:rPr lang="en-US" sz="2400" dirty="0">
+                <a:latin typeface="Consolas" panose="020B0609020204030204" pitchFamily="49" charset="0"/>
+              </a:rPr>
               <a:t>                    string </a:t>
             </a:r>
             <a:r>
-              <a:rPr lang="en-US" sz="1600" dirty="0" err="1"/>
+              <a:rPr lang="en-US" sz="2400" dirty="0" err="1">
+                <a:latin typeface="Consolas" panose="020B0609020204030204" pitchFamily="49" charset="0"/>
+              </a:rPr>
               <a:t>nazivSlike</a:t>
             </a:r>
             <a:r>
-              <a:rPr lang="en-US" sz="1600" dirty="0"/>
+              <a:rPr lang="en-US" sz="2400" dirty="0">
+                <a:latin typeface="Consolas" panose="020B0609020204030204" pitchFamily="49" charset="0"/>
+              </a:rPr>
               <a:t> = </a:t>
             </a:r>
             <a:r>
-              <a:rPr lang="en-US" sz="1600" dirty="0" err="1"/>
+              <a:rPr lang="en-US" sz="2400" dirty="0" err="1">
+                <a:latin typeface="Consolas" panose="020B0609020204030204" pitchFamily="49" charset="0"/>
+              </a:rPr>
               <a:t>System.IO.Path.GetFileName</a:t>
             </a:r>
             <a:r>
-              <a:rPr lang="en-US" sz="1600" dirty="0"/>
+              <a:rPr lang="en-US" sz="2400" dirty="0">
+                <a:latin typeface="Consolas" panose="020B0609020204030204" pitchFamily="49" charset="0"/>
+              </a:rPr>
               <a:t>(</a:t>
             </a:r>
             <a:r>
-              <a:rPr lang="en-US" sz="1600" dirty="0" err="1"/>
+              <a:rPr lang="en-US" sz="2400" dirty="0" err="1">
+                <a:latin typeface="Consolas" panose="020B0609020204030204" pitchFamily="49" charset="0"/>
+              </a:rPr>
               <a:t>postedFile.FileName</a:t>
             </a:r>
             <a:r>
-              <a:rPr lang="en-US" sz="1600" dirty="0"/>
+              <a:rPr lang="en-US" sz="2400" dirty="0">
+                <a:latin typeface="Consolas" panose="020B0609020204030204" pitchFamily="49" charset="0"/>
+              </a:rPr>
               <a:t>);</a:t>
             </a:r>
           </a:p>
           <a:p>
             <a:r>
-              <a:rPr lang="en-US" sz="1600" dirty="0"/>
-              <a:t>                    string </a:t>
-            </a:r>
-            <a:r>
-              <a:rPr lang="en-US" sz="1600" dirty="0" err="1"/>
+              <a:rPr lang="en-US" sz="2400" dirty="0">
+                <a:latin typeface="Consolas" panose="020B0609020204030204" pitchFamily="49" charset="0"/>
+              </a:rPr>
+              <a:t>          string </a:t>
+            </a:r>
+            <a:r>
+              <a:rPr lang="en-US" sz="2400" dirty="0" err="1">
+                <a:latin typeface="Consolas" panose="020B0609020204030204" pitchFamily="49" charset="0"/>
+              </a:rPr>
               <a:t>putanja</a:t>
             </a:r>
             <a:r>
-              <a:rPr lang="en-US" sz="1600" dirty="0"/>
+              <a:rPr lang="en-US" sz="2400" dirty="0">
+                <a:latin typeface="Consolas" panose="020B0609020204030204" pitchFamily="49" charset="0"/>
+              </a:rPr>
               <a:t> = </a:t>
             </a:r>
             <a:r>
-              <a:rPr lang="en-US" sz="1600" dirty="0" err="1"/>
+              <a:rPr lang="en-US" sz="2400" dirty="0" err="1">
+                <a:latin typeface="Consolas" panose="020B0609020204030204" pitchFamily="49" charset="0"/>
+              </a:rPr>
               <a:t>Server.MapPath</a:t>
             </a:r>
             <a:r>
-              <a:rPr lang="en-US" sz="1600" dirty="0"/>
+              <a:rPr lang="en-US" sz="2400" dirty="0">
+                <a:latin typeface="Consolas" panose="020B0609020204030204" pitchFamily="49" charset="0"/>
+              </a:rPr>
               <a:t>("~/Images/" + </a:t>
             </a:r>
             <a:r>
-              <a:rPr lang="en-US" sz="1600" dirty="0" err="1"/>
+              <a:rPr lang="en-US" sz="2400" dirty="0" err="1">
+                <a:latin typeface="Consolas" panose="020B0609020204030204" pitchFamily="49" charset="0"/>
+              </a:rPr>
               <a:t>nazivSlike</a:t>
             </a:r>
             <a:r>
-              <a:rPr lang="en-US" sz="1600" dirty="0"/>
+              <a:rPr lang="en-US" sz="2400" dirty="0">
+                <a:latin typeface="Consolas" panose="020B0609020204030204" pitchFamily="49" charset="0"/>
+              </a:rPr>
               <a:t>);</a:t>
             </a:r>
           </a:p>
           <a:p>
             <a:r>
-              <a:rPr lang="en-US" sz="1600" dirty="0"/>
-              <a:t>                    </a:t>
-            </a:r>
-            <a:r>
-              <a:rPr lang="en-US" sz="1600" dirty="0" err="1"/>
+              <a:rPr lang="en-US" sz="2400" dirty="0">
+                <a:latin typeface="Consolas" panose="020B0609020204030204" pitchFamily="49" charset="0"/>
+              </a:rPr>
+              <a:t>          </a:t>
+            </a:r>
+            <a:r>
+              <a:rPr lang="en-US" sz="2400" dirty="0" err="1">
+                <a:latin typeface="Consolas" panose="020B0609020204030204" pitchFamily="49" charset="0"/>
+              </a:rPr>
               <a:t>postedFile.SaveAs</a:t>
             </a:r>
             <a:r>
-              <a:rPr lang="en-US" sz="1600" dirty="0"/>
+              <a:rPr lang="en-US" sz="2400" dirty="0">
+                <a:latin typeface="Consolas" panose="020B0609020204030204" pitchFamily="49" charset="0"/>
+              </a:rPr>
               <a:t>(</a:t>
             </a:r>
             <a:r>
-              <a:rPr lang="en-US" sz="1600" dirty="0" err="1"/>
+              <a:rPr lang="en-US" sz="2400" dirty="0" err="1">
+                <a:latin typeface="Consolas" panose="020B0609020204030204" pitchFamily="49" charset="0"/>
+              </a:rPr>
               <a:t>putanja</a:t>
             </a:r>
             <a:r>
-              <a:rPr lang="en-US" sz="1600" dirty="0"/>
+              <a:rPr lang="en-US" sz="2400" dirty="0">
+                <a:latin typeface="Consolas" panose="020B0609020204030204" pitchFamily="49" charset="0"/>
+              </a:rPr>
               <a:t>);</a:t>
             </a:r>
           </a:p>
           <a:p>
             <a:r>
-              <a:rPr lang="en-US" sz="1600" dirty="0"/>
-              <a:t>                    </a:t>
-            </a:r>
-            <a:r>
-              <a:rPr lang="en-US" sz="1600" dirty="0" err="1"/>
+              <a:rPr lang="en-US" sz="2400" dirty="0">
+                <a:latin typeface="Consolas" panose="020B0609020204030204" pitchFamily="49" charset="0"/>
+              </a:rPr>
+              <a:t>          </a:t>
+            </a:r>
+            <a:r>
+              <a:rPr lang="en-US" sz="2400" dirty="0" err="1">
+                <a:latin typeface="Consolas" panose="020B0609020204030204" pitchFamily="49" charset="0"/>
+              </a:rPr>
               <a:t>knjige.slika</a:t>
             </a:r>
             <a:r>
-              <a:rPr lang="en-US" sz="1600" dirty="0"/>
+              <a:rPr lang="en-US" sz="2400" dirty="0">
+                <a:latin typeface="Consolas" panose="020B0609020204030204" pitchFamily="49" charset="0"/>
+              </a:rPr>
               <a:t> = </a:t>
             </a:r>
             <a:r>
-              <a:rPr lang="en-US" sz="1600" dirty="0" err="1"/>
+              <a:rPr lang="en-US" sz="2400" dirty="0" err="1">
+                <a:latin typeface="Consolas" panose="020B0609020204030204" pitchFamily="49" charset="0"/>
+              </a:rPr>
               <a:t>nazivSlike</a:t>
             </a:r>
             <a:r>
-              <a:rPr lang="en-US" sz="1600" dirty="0"/>
-              <a:t>;</a:t>
-            </a:r>
-          </a:p>
-          <a:p>
-            <a:r>
-              <a:rPr lang="en-US" sz="1600" dirty="0"/>
-              <a:t>                    </a:t>
-            </a:r>
-            <a:r>
-              <a:rPr lang="en-US" sz="1600" dirty="0" err="1"/>
-              <a:t>ViewBag.Message</a:t>
-            </a:r>
-            <a:r>
-              <a:rPr lang="en-US" sz="1600" dirty="0"/>
-              <a:t> += </a:t>
-            </a:r>
-            <a:r>
-              <a:rPr lang="en-US" sz="1600" dirty="0" err="1"/>
-              <a:t>string.Format</a:t>
-            </a:r>
-            <a:r>
-              <a:rPr lang="en-US" sz="1600" dirty="0"/>
-              <a:t>("&lt;b&gt;{0}&lt;/b&gt; uploaded.&lt;</a:t>
-            </a:r>
-            <a:r>
-              <a:rPr lang="en-US" sz="1600" dirty="0" err="1"/>
-              <a:t>br</a:t>
-            </a:r>
-            <a:r>
-              <a:rPr lang="en-US" sz="1600" dirty="0"/>
-              <a:t> /&gt;", </a:t>
-            </a:r>
-            <a:r>
-              <a:rPr lang="en-US" sz="1600" dirty="0" err="1"/>
-              <a:t>nazivSlike</a:t>
-            </a:r>
-            <a:r>
-              <a:rPr lang="en-US" sz="1600" dirty="0"/>
-              <a:t>);   }</a:t>
-            </a:r>
-            <a:endParaRPr lang="sr-Latn-RS" sz="1600" dirty="0"/>
-          </a:p>
-          <a:p>
-            <a:r>
-              <a:rPr lang="sr-Latn-RS" sz="1600" dirty="0"/>
-              <a:t>		</a:t>
-            </a:r>
-            <a:r>
-              <a:rPr lang="en-US" sz="1600" dirty="0" err="1"/>
-              <a:t>Knjige</a:t>
-            </a:r>
-            <a:r>
-              <a:rPr lang="en-US" sz="1600" dirty="0"/>
-              <a:t> </a:t>
-            </a:r>
-            <a:r>
-              <a:rPr lang="en-US" sz="1600" dirty="0" err="1"/>
-              <a:t>novaKnjiga</a:t>
-            </a:r>
-            <a:r>
-              <a:rPr lang="en-US" sz="1600" dirty="0"/>
-              <a:t> = </a:t>
-            </a:r>
-            <a:r>
-              <a:rPr lang="en-US" sz="1600" dirty="0" err="1"/>
-              <a:t>db.Knjiges.Add</a:t>
-            </a:r>
-            <a:r>
-              <a:rPr lang="en-US" sz="1600" dirty="0"/>
-              <a:t>(</a:t>
-            </a:r>
-            <a:r>
-              <a:rPr lang="en-US" sz="1600" dirty="0" err="1"/>
-              <a:t>knjige</a:t>
-            </a:r>
-            <a:r>
-              <a:rPr lang="en-US" sz="1600" dirty="0"/>
-              <a:t>);</a:t>
-            </a:r>
-          </a:p>
-          <a:p>
-            <a:r>
-              <a:rPr lang="en-US" sz="1600" dirty="0"/>
-              <a:t>                foreach (int </a:t>
-            </a:r>
-            <a:r>
-              <a:rPr lang="en-US" sz="1600" dirty="0" err="1"/>
-              <a:t>zanr</a:t>
-            </a:r>
-            <a:r>
-              <a:rPr lang="en-US" sz="1600" dirty="0"/>
-              <a:t> in </a:t>
-            </a:r>
-            <a:r>
-              <a:rPr lang="en-US" sz="1600" dirty="0" err="1"/>
-              <a:t>odabraniZanrovi</a:t>
-            </a:r>
-            <a:r>
-              <a:rPr lang="en-US" sz="1600" dirty="0"/>
-              <a:t>)</a:t>
-            </a:r>
-          </a:p>
-          <a:p>
-            <a:r>
-              <a:rPr lang="en-US" sz="1600" dirty="0"/>
-              <a:t>                {</a:t>
-            </a:r>
-            <a:r>
-              <a:rPr lang="sr-Latn-RS" sz="1600" dirty="0"/>
-              <a:t>   </a:t>
-            </a:r>
-            <a:r>
-              <a:rPr lang="en-US" sz="1600" dirty="0" err="1"/>
-              <a:t>Knjige_Zanr</a:t>
-            </a:r>
-            <a:r>
-              <a:rPr lang="en-US" sz="1600" dirty="0"/>
-              <a:t> </a:t>
-            </a:r>
-            <a:r>
-              <a:rPr lang="en-US" sz="1600" dirty="0" err="1"/>
-              <a:t>kz</a:t>
-            </a:r>
-            <a:r>
-              <a:rPr lang="en-US" sz="1600" dirty="0"/>
-              <a:t> = new </a:t>
-            </a:r>
-            <a:r>
-              <a:rPr lang="en-US" sz="1600" dirty="0" err="1"/>
-              <a:t>Knjige_Zanr</a:t>
-            </a:r>
-            <a:r>
-              <a:rPr lang="sr-Latn-RS" sz="1600" dirty="0"/>
-              <a:t>   </a:t>
-            </a:r>
-            <a:r>
-              <a:rPr lang="en-US" sz="1600" dirty="0"/>
-              <a:t>{</a:t>
-            </a:r>
-          </a:p>
-          <a:p>
-            <a:r>
-              <a:rPr lang="en-US" sz="1600" dirty="0"/>
-              <a:t>                        </a:t>
-            </a:r>
-            <a:r>
-              <a:rPr lang="en-US" sz="1600" dirty="0" err="1"/>
-              <a:t>id_knjige</a:t>
-            </a:r>
-            <a:r>
-              <a:rPr lang="en-US" sz="1600" dirty="0"/>
-              <a:t> = </a:t>
-            </a:r>
-            <a:r>
-              <a:rPr lang="en-US" sz="1600" dirty="0" err="1"/>
-              <a:t>novaKnjiga.id_knjige</a:t>
-            </a:r>
-            <a:r>
-              <a:rPr lang="en-US" sz="1600" dirty="0"/>
-              <a:t>,</a:t>
-            </a:r>
-          </a:p>
-          <a:p>
-            <a:r>
-              <a:rPr lang="en-US" sz="1600" dirty="0"/>
-              <a:t>                        </a:t>
-            </a:r>
-            <a:r>
-              <a:rPr lang="en-US" sz="1600" dirty="0" err="1"/>
-              <a:t>id_zanr</a:t>
-            </a:r>
-            <a:r>
-              <a:rPr lang="en-US" sz="1600" dirty="0"/>
-              <a:t> = </a:t>
-            </a:r>
-            <a:r>
-              <a:rPr lang="en-US" sz="1600" dirty="0" err="1"/>
-              <a:t>zanr</a:t>
-            </a:r>
-            <a:r>
-              <a:rPr lang="sr-Latn-RS" sz="1600" dirty="0"/>
-              <a:t>   </a:t>
-            </a:r>
-            <a:r>
-              <a:rPr lang="en-US" sz="1600" dirty="0"/>
-              <a:t>};</a:t>
-            </a:r>
-          </a:p>
-          <a:p>
-            <a:r>
-              <a:rPr lang="nl-NL" sz="1600" dirty="0"/>
-              <a:t>                    db.Knjige_Zanr.Add(kz);</a:t>
-            </a:r>
-          </a:p>
-          <a:p>
-            <a:r>
-              <a:rPr lang="en-US" sz="1600" dirty="0"/>
-              <a:t>                }</a:t>
-            </a:r>
-          </a:p>
-          <a:p>
-            <a:r>
-              <a:rPr lang="en-US" sz="1600" dirty="0"/>
-              <a:t>                </a:t>
-            </a:r>
-            <a:r>
-              <a:rPr lang="en-US" sz="1600" dirty="0" err="1"/>
-              <a:t>db.SaveChanges</a:t>
-            </a:r>
-            <a:r>
-              <a:rPr lang="en-US" sz="1600" dirty="0"/>
-              <a:t>();</a:t>
-            </a:r>
-          </a:p>
-          <a:p>
-            <a:r>
-              <a:rPr lang="en-US" sz="1600" dirty="0"/>
-              <a:t>                return </a:t>
-            </a:r>
-            <a:r>
-              <a:rPr lang="en-US" sz="1600" dirty="0" err="1"/>
-              <a:t>RedirectToAction</a:t>
-            </a:r>
-            <a:r>
-              <a:rPr lang="en-US" sz="1600" dirty="0"/>
-              <a:t>("Index");</a:t>
-            </a:r>
-          </a:p>
-          <a:p>
-            <a:r>
-              <a:rPr lang="en-US" sz="1600" dirty="0"/>
-              <a:t>            }</a:t>
-            </a:r>
-            <a:endParaRPr lang="sr-Latn-RS" sz="1600" dirty="0"/>
-          </a:p>
-          <a:p>
-            <a:r>
-              <a:rPr lang="sr-Latn-RS" sz="1600" dirty="0"/>
-              <a:t>	   </a:t>
-            </a:r>
-            <a:r>
-              <a:rPr lang="en-US" sz="1600" dirty="0" err="1"/>
-              <a:t>ViewBag.id_autora</a:t>
-            </a:r>
-            <a:r>
-              <a:rPr lang="en-US" sz="1600" dirty="0"/>
-              <a:t> = new </a:t>
-            </a:r>
-            <a:r>
-              <a:rPr lang="en-US" sz="1600" dirty="0" err="1"/>
-              <a:t>SelectList</a:t>
-            </a:r>
-            <a:r>
-              <a:rPr lang="en-US" sz="1600" dirty="0"/>
-              <a:t>(</a:t>
-            </a:r>
-            <a:r>
-              <a:rPr lang="en-US" sz="1600" dirty="0" err="1"/>
-              <a:t>db.Autoris</a:t>
-            </a:r>
-            <a:r>
-              <a:rPr lang="en-US" sz="1600" dirty="0"/>
-              <a:t>, "</a:t>
-            </a:r>
-            <a:r>
-              <a:rPr lang="en-US" sz="1600" dirty="0" err="1"/>
-              <a:t>id_autora</a:t>
-            </a:r>
-            <a:r>
-              <a:rPr lang="en-US" sz="1600" dirty="0"/>
-              <a:t>", "</a:t>
-            </a:r>
-            <a:r>
-              <a:rPr lang="en-US" sz="1600" dirty="0" err="1"/>
-              <a:t>ime</a:t>
-            </a:r>
-            <a:r>
-              <a:rPr lang="en-US" sz="1600" dirty="0"/>
-              <a:t>", </a:t>
-            </a:r>
-            <a:r>
-              <a:rPr lang="en-US" sz="1600" dirty="0" err="1"/>
-              <a:t>knjige.id_autora</a:t>
-            </a:r>
-            <a:r>
-              <a:rPr lang="en-US" sz="1600" dirty="0"/>
-              <a:t>);</a:t>
-            </a:r>
-          </a:p>
-          <a:p>
-            <a:r>
-              <a:rPr lang="en-US" sz="1600" dirty="0"/>
-              <a:t>            return View("~/Views/Back-end/</a:t>
-            </a:r>
-            <a:r>
-              <a:rPr lang="en-US" sz="1600" dirty="0" err="1"/>
-              <a:t>Knjige</a:t>
-            </a:r>
-            <a:r>
-              <a:rPr lang="en-US" sz="1600" dirty="0"/>
-              <a:t>/</a:t>
-            </a:r>
-            <a:r>
-              <a:rPr lang="en-US" sz="1600" dirty="0" err="1"/>
-              <a:t>Create.cshtml</a:t>
-            </a:r>
-            <a:r>
-              <a:rPr lang="en-US" sz="1600" dirty="0"/>
-              <a:t>", </a:t>
-            </a:r>
-            <a:r>
-              <a:rPr lang="en-US" sz="1600" dirty="0" err="1"/>
-              <a:t>knjige</a:t>
-            </a:r>
-            <a:r>
-              <a:rPr lang="en-US" sz="1600" dirty="0"/>
-              <a:t>);</a:t>
-            </a:r>
-            <a:r>
-              <a:rPr lang="sr-Latn-RS" sz="1600" dirty="0"/>
-              <a:t>     </a:t>
-            </a:r>
-            <a:r>
-              <a:rPr lang="en-US" sz="1600" dirty="0"/>
-              <a:t>}</a:t>
-            </a:r>
-          </a:p>
-          <a:p>
-            <a:r>
-              <a:rPr lang="sr-Latn-RS" sz="1600" dirty="0"/>
-              <a:t>	</a:t>
-            </a:r>
-            <a:endParaRPr lang="en-US" sz="1200" dirty="0"/>
-          </a:p>
-          <a:p>
+              <a:rPr lang="en-US" sz="2400" dirty="0">
+                <a:latin typeface="Consolas" panose="020B0609020204030204" pitchFamily="49" charset="0"/>
+              </a:rPr>
+              <a:t>;                    </a:t>
+            </a:r>
             <a:endParaRPr lang="en-US" sz="1600" dirty="0"/>
           </a:p>
           <a:p>
@@ -10947,1383 +11889,6 @@
     <p:extLst>
       <p:ext uri="{BB962C8B-B14F-4D97-AF65-F5344CB8AC3E}">
         <p14:creationId xmlns:p14="http://schemas.microsoft.com/office/powerpoint/2010/main" val="2243104757"/>
-      </p:ext>
-    </p:extLst>
-  </p:cSld>
-  <p:clrMapOvr>
-    <a:masterClrMapping/>
-  </p:clrMapOvr>
-</p:sld>
-</file>
-
-<file path=ppt/slides/slide8.xml><?xml version="1.0" encoding="utf-8"?>
-<p:sld xmlns:a="http://schemas.openxmlformats.org/drawingml/2006/main" xmlns:r="http://schemas.openxmlformats.org/officeDocument/2006/relationships" xmlns:p="http://schemas.openxmlformats.org/presentationml/2006/main">
-  <p:cSld>
-    <p:spTree>
-      <p:nvGrpSpPr>
-        <p:cNvPr id="1" name=""/>
-        <p:cNvGrpSpPr/>
-        <p:nvPr/>
-      </p:nvGrpSpPr>
-      <p:grpSpPr>
-        <a:xfrm>
-          <a:off x="0" y="0"/>
-          <a:ext cx="0" cy="0"/>
-          <a:chOff x="0" y="0"/>
-          <a:chExt cx="0" cy="0"/>
-        </a:xfrm>
-      </p:grpSpPr>
-      <p:sp>
-        <p:nvSpPr>
-          <p:cNvPr id="2" name="TextBox 1">
-            <a:extLst>
-              <a:ext uri="{FF2B5EF4-FFF2-40B4-BE49-F238E27FC236}">
-                <a16:creationId xmlns:a16="http://schemas.microsoft.com/office/drawing/2014/main" id="{E49E0F87-C52C-4876-9409-C4DE16D33DD5}"/>
-              </a:ext>
-            </a:extLst>
-          </p:cNvPr>
-          <p:cNvSpPr txBox="1"/>
-          <p:nvPr/>
-        </p:nvSpPr>
-        <p:spPr>
-          <a:xfrm>
-            <a:off x="4391024" y="0"/>
-            <a:ext cx="4752975" cy="523220"/>
-          </a:xfrm>
-          <a:prstGeom prst="rect">
-            <a:avLst/>
-          </a:prstGeom>
-          <a:noFill/>
-        </p:spPr>
-        <p:txBody>
-          <a:bodyPr wrap="square" rtlCol="0">
-            <a:spAutoFit/>
-          </a:bodyPr>
-          <a:lstStyle/>
-          <a:p>
-            <a:r>
-              <a:rPr lang="sr-Latn-RS" sz="2800" dirty="0">
-                <a:solidFill>
-                  <a:schemeClr val="accent1">
-                    <a:lumMod val="90000"/>
-                    <a:lumOff val="10000"/>
-                  </a:schemeClr>
-                </a:solidFill>
-              </a:rPr>
-              <a:t>C# ASP.NET MVC kod</a:t>
-            </a:r>
-            <a:endParaRPr lang="en-US" sz="2800" dirty="0">
-              <a:solidFill>
-                <a:schemeClr val="accent1">
-                  <a:lumMod val="90000"/>
-                  <a:lumOff val="10000"/>
-                </a:schemeClr>
-              </a:solidFill>
-            </a:endParaRPr>
-          </a:p>
-        </p:txBody>
-      </p:sp>
-      <p:graphicFrame>
-        <p:nvGraphicFramePr>
-          <p:cNvPr id="3" name="Table 2">
-            <a:extLst>
-              <a:ext uri="{FF2B5EF4-FFF2-40B4-BE49-F238E27FC236}">
-                <a16:creationId xmlns:a16="http://schemas.microsoft.com/office/drawing/2014/main" id="{DC4840CB-35D2-4F42-B42B-82EB07DC32A6}"/>
-              </a:ext>
-            </a:extLst>
-          </p:cNvPr>
-          <p:cNvGraphicFramePr>
-            <a:graphicFrameLocks noGrp="1"/>
-          </p:cNvGraphicFramePr>
-          <p:nvPr/>
-        </p:nvGraphicFramePr>
-        <p:xfrm>
-          <a:off x="0" y="6237864"/>
-          <a:ext cx="12192000" cy="620136"/>
-        </p:xfrm>
-        <a:graphic>
-          <a:graphicData uri="http://schemas.openxmlformats.org/drawingml/2006/table">
-            <a:tbl>
-              <a:tblPr firstRow="1" bandRow="1">
-                <a:tableStyleId>{5C22544A-7EE6-4342-B048-85BDC9FD1C3A}</a:tableStyleId>
-              </a:tblPr>
-              <a:tblGrid>
-                <a:gridCol w="12192000">
-                  <a:extLst>
-                    <a:ext uri="{9D8B030D-6E8A-4147-A177-3AD203B41FA5}">
-                      <a16:colId xmlns:a16="http://schemas.microsoft.com/office/drawing/2014/main" val="989831799"/>
-                    </a:ext>
-                  </a:extLst>
-                </a:gridCol>
-              </a:tblGrid>
-              <a:tr h="620136">
-                <a:tc>
-                  <a:txBody>
-                    <a:bodyPr/>
-                    <a:lstStyle/>
-                    <a:p>
-                      <a:endParaRPr lang="en-US" dirty="0"/>
-                    </a:p>
-                  </a:txBody>
-                  <a:tcPr/>
-                </a:tc>
-                <a:extLst>
-                  <a:ext uri="{0D108BD9-81ED-4DB2-BD59-A6C34878D82A}">
-                    <a16:rowId xmlns:a16="http://schemas.microsoft.com/office/drawing/2014/main" val="3009869639"/>
-                  </a:ext>
-                </a:extLst>
-              </a:tr>
-            </a:tbl>
-          </a:graphicData>
-        </a:graphic>
-      </p:graphicFrame>
-      <p:pic>
-        <p:nvPicPr>
-          <p:cNvPr id="4" name="Picture 3">
-            <a:extLst>
-              <a:ext uri="{FF2B5EF4-FFF2-40B4-BE49-F238E27FC236}">
-                <a16:creationId xmlns:a16="http://schemas.microsoft.com/office/drawing/2014/main" id="{77728E6F-4F05-4830-B644-01566A8F8C57}"/>
-              </a:ext>
-            </a:extLst>
-          </p:cNvPr>
-          <p:cNvPicPr>
-            <a:picLocks noChangeAspect="1"/>
-          </p:cNvPicPr>
-          <p:nvPr/>
-        </p:nvPicPr>
-        <p:blipFill>
-          <a:blip r:embed="rId2">
-            <a:extLst>
-              <a:ext uri="{28A0092B-C50C-407E-A947-70E740481C1C}">
-                <a14:useLocalDpi xmlns:a14="http://schemas.microsoft.com/office/drawing/2010/main" val="0"/>
-              </a:ext>
-            </a:extLst>
-          </a:blip>
-          <a:stretch>
-            <a:fillRect/>
-          </a:stretch>
-        </p:blipFill>
-        <p:spPr>
-          <a:xfrm>
-            <a:off x="1171741" y="6364090"/>
-            <a:ext cx="2352509" cy="426230"/>
-          </a:xfrm>
-          <a:prstGeom prst="rect">
-            <a:avLst/>
-          </a:prstGeom>
-        </p:spPr>
-      </p:pic>
-      <p:sp>
-        <p:nvSpPr>
-          <p:cNvPr id="5" name="TextBox 4">
-            <a:extLst>
-              <a:ext uri="{FF2B5EF4-FFF2-40B4-BE49-F238E27FC236}">
-                <a16:creationId xmlns:a16="http://schemas.microsoft.com/office/drawing/2014/main" id="{AA584C96-CFCB-48F8-A8F0-E87DC4A60F31}"/>
-              </a:ext>
-            </a:extLst>
-          </p:cNvPr>
-          <p:cNvSpPr txBox="1"/>
-          <p:nvPr/>
-        </p:nvSpPr>
-        <p:spPr>
-          <a:xfrm>
-            <a:off x="4562475" y="6364090"/>
-            <a:ext cx="6791325" cy="646331"/>
-          </a:xfrm>
-          <a:prstGeom prst="rect">
-            <a:avLst/>
-          </a:prstGeom>
-          <a:noFill/>
-        </p:spPr>
-        <p:txBody>
-          <a:bodyPr wrap="square" rtlCol="0">
-            <a:spAutoFit/>
-          </a:bodyPr>
-          <a:lstStyle/>
-          <a:p>
-            <a:r>
-              <a:rPr lang="pl-PL" dirty="0">
-                <a:solidFill>
-                  <a:schemeClr val="bg1"/>
-                </a:solidFill>
-              </a:rPr>
-              <a:t>Obuka za Web aplikacije – Grupa 1 - </a:t>
-            </a:r>
-            <a:r>
-              <a:rPr lang="sr-Latn-RS" altLang="en-US" dirty="0">
-                <a:solidFill>
-                  <a:schemeClr val="bg1"/>
-                </a:solidFill>
-              </a:rPr>
-              <a:t>Knjižara</a:t>
-            </a:r>
-            <a:endParaRPr lang="en-US" dirty="0">
-              <a:solidFill>
-                <a:schemeClr val="bg1"/>
-              </a:solidFill>
-            </a:endParaRPr>
-          </a:p>
-          <a:p>
-            <a:endParaRPr lang="en-US" dirty="0"/>
-          </a:p>
-        </p:txBody>
-      </p:sp>
-      <p:sp>
-        <p:nvSpPr>
-          <p:cNvPr id="6" name="TextBox 5">
-            <a:extLst>
-              <a:ext uri="{FF2B5EF4-FFF2-40B4-BE49-F238E27FC236}">
-                <a16:creationId xmlns:a16="http://schemas.microsoft.com/office/drawing/2014/main" id="{97326CC1-9C50-4717-8925-EF1AD35F3015}"/>
-              </a:ext>
-            </a:extLst>
-          </p:cNvPr>
-          <p:cNvSpPr txBox="1"/>
-          <p:nvPr/>
-        </p:nvSpPr>
-        <p:spPr>
-          <a:xfrm>
-            <a:off x="117446" y="692991"/>
-            <a:ext cx="11830050" cy="5032147"/>
-          </a:xfrm>
-          <a:prstGeom prst="rect">
-            <a:avLst/>
-          </a:prstGeom>
-          <a:noFill/>
-        </p:spPr>
-        <p:txBody>
-          <a:bodyPr wrap="square" rtlCol="0">
-            <a:spAutoFit/>
-          </a:bodyPr>
-          <a:lstStyle/>
-          <a:p>
-            <a:r>
-              <a:rPr lang="sr-Latn-RS" sz="1700" dirty="0"/>
-              <a:t>	</a:t>
-            </a:r>
-            <a:r>
-              <a:rPr lang="en-US" sz="1600" dirty="0"/>
-              <a:t>public </a:t>
-            </a:r>
-            <a:r>
-              <a:rPr lang="en-US" sz="1600" dirty="0" err="1"/>
-              <a:t>ActionResult</a:t>
-            </a:r>
-            <a:r>
-              <a:rPr lang="en-US" sz="1600" dirty="0"/>
-              <a:t> Delete(int? id)</a:t>
-            </a:r>
-          </a:p>
-          <a:p>
-            <a:r>
-              <a:rPr lang="en-US" sz="1600" dirty="0"/>
-              <a:t>        {</a:t>
-            </a:r>
-          </a:p>
-          <a:p>
-            <a:r>
-              <a:rPr lang="en-US" sz="1600" dirty="0"/>
-              <a:t>            if (id == null)</a:t>
-            </a:r>
-          </a:p>
-          <a:p>
-            <a:r>
-              <a:rPr lang="en-US" sz="1600" dirty="0"/>
-              <a:t>            {</a:t>
-            </a:r>
-            <a:r>
-              <a:rPr lang="sr-Latn-RS" sz="1600" dirty="0"/>
-              <a:t>   </a:t>
-            </a:r>
-            <a:r>
-              <a:rPr lang="en-US" sz="1600" dirty="0"/>
-              <a:t>return new </a:t>
-            </a:r>
-            <a:r>
-              <a:rPr lang="en-US" sz="1600" dirty="0" err="1"/>
-              <a:t>HttpStatusCodeResult</a:t>
-            </a:r>
-            <a:r>
-              <a:rPr lang="en-US" sz="1600" dirty="0"/>
-              <a:t>(</a:t>
-            </a:r>
-            <a:r>
-              <a:rPr lang="en-US" sz="1600" dirty="0" err="1"/>
-              <a:t>HttpStatusCode.BadRequest</a:t>
-            </a:r>
-            <a:r>
-              <a:rPr lang="en-US" sz="1600" dirty="0"/>
-              <a:t>);</a:t>
-            </a:r>
-            <a:r>
-              <a:rPr lang="sr-Latn-RS" sz="1600" dirty="0"/>
-              <a:t>    </a:t>
-            </a:r>
-            <a:r>
-              <a:rPr lang="en-US" sz="1600" dirty="0"/>
-              <a:t>}</a:t>
-            </a:r>
-          </a:p>
-          <a:p>
-            <a:r>
-              <a:rPr lang="en-US" sz="1600" dirty="0"/>
-              <a:t>            </a:t>
-            </a:r>
-            <a:r>
-              <a:rPr lang="en-US" sz="1600" dirty="0" err="1"/>
-              <a:t>Knjige</a:t>
-            </a:r>
-            <a:r>
-              <a:rPr lang="en-US" sz="1600" dirty="0"/>
-              <a:t> </a:t>
-            </a:r>
-            <a:r>
-              <a:rPr lang="en-US" sz="1600" dirty="0" err="1"/>
-              <a:t>knjige</a:t>
-            </a:r>
-            <a:r>
-              <a:rPr lang="en-US" sz="1600" dirty="0"/>
-              <a:t> = </a:t>
-            </a:r>
-            <a:r>
-              <a:rPr lang="en-US" sz="1600" dirty="0" err="1"/>
-              <a:t>db.Knjiges.Find</a:t>
-            </a:r>
-            <a:r>
-              <a:rPr lang="en-US" sz="1600" dirty="0"/>
-              <a:t>(id);</a:t>
-            </a:r>
-          </a:p>
-          <a:p>
-            <a:r>
-              <a:rPr lang="en-US" sz="1600" dirty="0"/>
-              <a:t>            if (</a:t>
-            </a:r>
-            <a:r>
-              <a:rPr lang="en-US" sz="1600" dirty="0" err="1"/>
-              <a:t>knjige</a:t>
-            </a:r>
-            <a:r>
-              <a:rPr lang="en-US" sz="1600" dirty="0"/>
-              <a:t> == null)</a:t>
-            </a:r>
-          </a:p>
-          <a:p>
-            <a:r>
-              <a:rPr lang="en-US" sz="1600" dirty="0"/>
-              <a:t>            {</a:t>
-            </a:r>
-            <a:r>
-              <a:rPr lang="sr-Latn-RS" sz="1600" dirty="0"/>
-              <a:t>    </a:t>
-            </a:r>
-            <a:r>
-              <a:rPr lang="en-US" sz="1600" dirty="0"/>
-              <a:t>return </a:t>
-            </a:r>
-            <a:r>
-              <a:rPr lang="en-US" sz="1600" dirty="0" err="1"/>
-              <a:t>HttpNotFound</a:t>
-            </a:r>
-            <a:r>
-              <a:rPr lang="en-US" sz="1600" dirty="0"/>
-              <a:t>();</a:t>
-            </a:r>
-            <a:r>
-              <a:rPr lang="sr-Latn-RS" sz="1600" dirty="0"/>
-              <a:t>     </a:t>
-            </a:r>
-            <a:r>
-              <a:rPr lang="en-US" sz="1600" dirty="0"/>
-              <a:t>}</a:t>
-            </a:r>
-          </a:p>
-          <a:p>
-            <a:r>
-              <a:rPr lang="en-US" sz="1600" dirty="0"/>
-              <a:t>            return View("~/Views/Back-end/</a:t>
-            </a:r>
-            <a:r>
-              <a:rPr lang="en-US" sz="1600" dirty="0" err="1"/>
-              <a:t>Knjige</a:t>
-            </a:r>
-            <a:r>
-              <a:rPr lang="en-US" sz="1600" dirty="0"/>
-              <a:t>/</a:t>
-            </a:r>
-            <a:r>
-              <a:rPr lang="en-US" sz="1600" dirty="0" err="1"/>
-              <a:t>Delete.cshtml</a:t>
-            </a:r>
-            <a:r>
-              <a:rPr lang="en-US" sz="1600" dirty="0"/>
-              <a:t>", </a:t>
-            </a:r>
-            <a:r>
-              <a:rPr lang="en-US" sz="1600" dirty="0" err="1"/>
-              <a:t>knjige</a:t>
-            </a:r>
-            <a:r>
-              <a:rPr lang="en-US" sz="1600" dirty="0"/>
-              <a:t>);</a:t>
-            </a:r>
-          </a:p>
-          <a:p>
-            <a:r>
-              <a:rPr lang="en-US" sz="1600" dirty="0"/>
-              <a:t>        }</a:t>
-            </a:r>
-            <a:endParaRPr lang="sr-Latn-RS" sz="1600" dirty="0"/>
-          </a:p>
-          <a:p>
-            <a:r>
-              <a:rPr lang="en-US" sz="1600" dirty="0"/>
-              <a:t> </a:t>
-            </a:r>
-            <a:r>
-              <a:rPr lang="sr-Latn-RS" sz="1600" dirty="0"/>
-              <a:t>	</a:t>
-            </a:r>
-            <a:r>
-              <a:rPr lang="en-US" sz="1600" dirty="0"/>
-              <a:t>[</a:t>
-            </a:r>
-            <a:r>
-              <a:rPr lang="en-US" sz="1600" dirty="0" err="1"/>
-              <a:t>HttpPost</a:t>
-            </a:r>
-            <a:r>
-              <a:rPr lang="en-US" sz="1600" dirty="0"/>
-              <a:t>, </a:t>
-            </a:r>
-            <a:r>
-              <a:rPr lang="en-US" sz="1600" dirty="0" err="1"/>
-              <a:t>ActionName</a:t>
-            </a:r>
-            <a:r>
-              <a:rPr lang="en-US" sz="1600" dirty="0"/>
-              <a:t>("Delete")]</a:t>
-            </a:r>
-          </a:p>
-          <a:p>
-            <a:r>
-              <a:rPr lang="en-US" sz="1600" dirty="0"/>
-              <a:t>        [</a:t>
-            </a:r>
-            <a:r>
-              <a:rPr lang="en-US" sz="1600" dirty="0" err="1"/>
-              <a:t>ValidateAntiForgeryToken</a:t>
-            </a:r>
-            <a:r>
-              <a:rPr lang="en-US" sz="1600" dirty="0"/>
-              <a:t>]</a:t>
-            </a:r>
-          </a:p>
-          <a:p>
-            <a:r>
-              <a:rPr lang="en-US" sz="1600" dirty="0"/>
-              <a:t>        public </a:t>
-            </a:r>
-            <a:r>
-              <a:rPr lang="en-US" sz="1600" dirty="0" err="1"/>
-              <a:t>ActionResult</a:t>
-            </a:r>
-            <a:r>
-              <a:rPr lang="en-US" sz="1600" dirty="0"/>
-              <a:t> </a:t>
-            </a:r>
-            <a:r>
-              <a:rPr lang="en-US" sz="1600" dirty="0" err="1"/>
-              <a:t>DeleteConfirmed</a:t>
-            </a:r>
-            <a:r>
-              <a:rPr lang="en-US" sz="1600" dirty="0"/>
-              <a:t>(int id)</a:t>
-            </a:r>
-          </a:p>
-          <a:p>
-            <a:r>
-              <a:rPr lang="en-US" sz="1600" dirty="0"/>
-              <a:t>        {</a:t>
-            </a:r>
-          </a:p>
-          <a:p>
-            <a:r>
-              <a:rPr lang="en-US" sz="1600" dirty="0"/>
-              <a:t>            </a:t>
-            </a:r>
-            <a:r>
-              <a:rPr lang="en-US" sz="1600" dirty="0" err="1"/>
-              <a:t>Knjige</a:t>
-            </a:r>
-            <a:r>
-              <a:rPr lang="en-US" sz="1600" dirty="0"/>
-              <a:t> </a:t>
-            </a:r>
-            <a:r>
-              <a:rPr lang="en-US" sz="1600" dirty="0" err="1"/>
-              <a:t>knjige</a:t>
-            </a:r>
-            <a:r>
-              <a:rPr lang="en-US" sz="1600" dirty="0"/>
-              <a:t> = </a:t>
-            </a:r>
-            <a:r>
-              <a:rPr lang="en-US" sz="1600" dirty="0" err="1"/>
-              <a:t>db.Knjiges.Find</a:t>
-            </a:r>
-            <a:r>
-              <a:rPr lang="en-US" sz="1600" dirty="0"/>
-              <a:t>(id);</a:t>
-            </a:r>
-          </a:p>
-          <a:p>
-            <a:r>
-              <a:rPr lang="en-US" sz="1600" dirty="0"/>
-              <a:t>            List&lt;</a:t>
-            </a:r>
-            <a:r>
-              <a:rPr lang="en-US" sz="1600" dirty="0" err="1"/>
-              <a:t>Knjige_Zanr</a:t>
-            </a:r>
-            <a:r>
-              <a:rPr lang="en-US" sz="1600" dirty="0"/>
-              <a:t>&gt; </a:t>
-            </a:r>
-            <a:r>
-              <a:rPr lang="en-US" sz="1600" dirty="0" err="1"/>
-              <a:t>knjige_Zanrs</a:t>
-            </a:r>
-            <a:r>
-              <a:rPr lang="en-US" sz="1600" dirty="0"/>
-              <a:t> = </a:t>
-            </a:r>
-            <a:r>
-              <a:rPr lang="en-US" sz="1600" dirty="0" err="1"/>
-              <a:t>db.Knjige_Zanr.Where</a:t>
-            </a:r>
-            <a:r>
-              <a:rPr lang="en-US" sz="1600" dirty="0"/>
-              <a:t>(</a:t>
-            </a:r>
-            <a:r>
-              <a:rPr lang="en-US" sz="1600" dirty="0" err="1"/>
-              <a:t>kz</a:t>
-            </a:r>
-            <a:r>
-              <a:rPr lang="en-US" sz="1600" dirty="0"/>
-              <a:t> =&gt; </a:t>
-            </a:r>
-            <a:r>
-              <a:rPr lang="en-US" sz="1600" dirty="0" err="1"/>
-              <a:t>kz.id_knjige</a:t>
-            </a:r>
-            <a:r>
-              <a:rPr lang="en-US" sz="1600" dirty="0"/>
-              <a:t> == </a:t>
-            </a:r>
-            <a:r>
-              <a:rPr lang="en-US" sz="1600" dirty="0" err="1"/>
-              <a:t>knjige.id_knjige</a:t>
-            </a:r>
-            <a:r>
-              <a:rPr lang="en-US" sz="1600" dirty="0"/>
-              <a:t>).</a:t>
-            </a:r>
-            <a:r>
-              <a:rPr lang="en-US" sz="1600" dirty="0" err="1"/>
-              <a:t>ToList</a:t>
-            </a:r>
-            <a:r>
-              <a:rPr lang="en-US" sz="1600" dirty="0"/>
-              <a:t>();</a:t>
-            </a:r>
-          </a:p>
-          <a:p>
-            <a:r>
-              <a:rPr lang="en-US" sz="1600" dirty="0"/>
-              <a:t>            </a:t>
-            </a:r>
-            <a:r>
-              <a:rPr lang="en-US" sz="1600" dirty="0" err="1"/>
-              <a:t>db.Knjige_Zanr.RemoveRange</a:t>
-            </a:r>
-            <a:r>
-              <a:rPr lang="en-US" sz="1600" dirty="0"/>
-              <a:t>(</a:t>
-            </a:r>
-            <a:r>
-              <a:rPr lang="en-US" sz="1600" dirty="0" err="1"/>
-              <a:t>knjige_Zanrs</a:t>
-            </a:r>
-            <a:r>
-              <a:rPr lang="en-US" sz="1600" dirty="0"/>
-              <a:t>);</a:t>
-            </a:r>
-          </a:p>
-          <a:p>
-            <a:r>
-              <a:rPr lang="en-US" sz="1600" dirty="0"/>
-              <a:t>            </a:t>
-            </a:r>
-            <a:r>
-              <a:rPr lang="en-US" sz="1600" dirty="0" err="1"/>
-              <a:t>db.SaveChanges</a:t>
-            </a:r>
-            <a:r>
-              <a:rPr lang="en-US" sz="1600" dirty="0"/>
-              <a:t>();</a:t>
-            </a:r>
-          </a:p>
-          <a:p>
-            <a:r>
-              <a:rPr lang="en-US" sz="1600" dirty="0"/>
-              <a:t>            </a:t>
-            </a:r>
-            <a:r>
-              <a:rPr lang="en-US" sz="1600" dirty="0" err="1"/>
-              <a:t>db.Knjiges.Remove</a:t>
-            </a:r>
-            <a:r>
-              <a:rPr lang="en-US" sz="1600" dirty="0"/>
-              <a:t>(</a:t>
-            </a:r>
-            <a:r>
-              <a:rPr lang="en-US" sz="1600" dirty="0" err="1"/>
-              <a:t>knjige</a:t>
-            </a:r>
-            <a:r>
-              <a:rPr lang="en-US" sz="1600" dirty="0"/>
-              <a:t>);</a:t>
-            </a:r>
-          </a:p>
-          <a:p>
-            <a:r>
-              <a:rPr lang="en-US" sz="1600" dirty="0"/>
-              <a:t>            </a:t>
-            </a:r>
-            <a:r>
-              <a:rPr lang="en-US" sz="1600" dirty="0" err="1"/>
-              <a:t>db.SaveChanges</a:t>
-            </a:r>
-            <a:r>
-              <a:rPr lang="en-US" sz="1600" dirty="0"/>
-              <a:t>();</a:t>
-            </a:r>
-          </a:p>
-          <a:p>
-            <a:r>
-              <a:rPr lang="en-US" sz="1600" dirty="0"/>
-              <a:t>            return </a:t>
-            </a:r>
-            <a:r>
-              <a:rPr lang="en-US" sz="1600" dirty="0" err="1"/>
-              <a:t>RedirectToAction</a:t>
-            </a:r>
-            <a:r>
-              <a:rPr lang="en-US" sz="1600" dirty="0"/>
-              <a:t>("Index");</a:t>
-            </a:r>
-            <a:r>
-              <a:rPr lang="sr-Latn-RS" sz="1600" dirty="0"/>
-              <a:t>    </a:t>
-            </a:r>
-            <a:r>
-              <a:rPr lang="en-US" sz="1600" dirty="0"/>
-              <a:t>}</a:t>
-            </a:r>
-          </a:p>
-        </p:txBody>
-      </p:sp>
-    </p:spTree>
-    <p:extLst>
-      <p:ext uri="{BB962C8B-B14F-4D97-AF65-F5344CB8AC3E}">
-        <p14:creationId xmlns:p14="http://schemas.microsoft.com/office/powerpoint/2010/main" val="531238287"/>
-      </p:ext>
-    </p:extLst>
-  </p:cSld>
-  <p:clrMapOvr>
-    <a:masterClrMapping/>
-  </p:clrMapOvr>
-</p:sld>
-</file>
-
-<file path=ppt/slides/slide9.xml><?xml version="1.0" encoding="utf-8"?>
-<p:sld xmlns:a="http://schemas.openxmlformats.org/drawingml/2006/main" xmlns:r="http://schemas.openxmlformats.org/officeDocument/2006/relationships" xmlns:p="http://schemas.openxmlformats.org/presentationml/2006/main">
-  <p:cSld>
-    <p:spTree>
-      <p:nvGrpSpPr>
-        <p:cNvPr id="1" name=""/>
-        <p:cNvGrpSpPr/>
-        <p:nvPr/>
-      </p:nvGrpSpPr>
-      <p:grpSpPr>
-        <a:xfrm>
-          <a:off x="0" y="0"/>
-          <a:ext cx="0" cy="0"/>
-          <a:chOff x="0" y="0"/>
-          <a:chExt cx="0" cy="0"/>
-        </a:xfrm>
-      </p:grpSpPr>
-      <p:sp>
-        <p:nvSpPr>
-          <p:cNvPr id="2" name="TextBox 1">
-            <a:extLst>
-              <a:ext uri="{FF2B5EF4-FFF2-40B4-BE49-F238E27FC236}">
-                <a16:creationId xmlns:a16="http://schemas.microsoft.com/office/drawing/2014/main" id="{E49E0F87-C52C-4876-9409-C4DE16D33DD5}"/>
-              </a:ext>
-            </a:extLst>
-          </p:cNvPr>
-          <p:cNvSpPr txBox="1"/>
-          <p:nvPr/>
-        </p:nvSpPr>
-        <p:spPr>
-          <a:xfrm>
-            <a:off x="4391024" y="0"/>
-            <a:ext cx="4752975" cy="523220"/>
-          </a:xfrm>
-          <a:prstGeom prst="rect">
-            <a:avLst/>
-          </a:prstGeom>
-          <a:noFill/>
-        </p:spPr>
-        <p:txBody>
-          <a:bodyPr wrap="square" rtlCol="0">
-            <a:spAutoFit/>
-          </a:bodyPr>
-          <a:lstStyle/>
-          <a:p>
-            <a:r>
-              <a:rPr lang="sr-Latn-RS" sz="2800" dirty="0">
-                <a:solidFill>
-                  <a:schemeClr val="accent1">
-                    <a:lumMod val="90000"/>
-                    <a:lumOff val="10000"/>
-                  </a:schemeClr>
-                </a:solidFill>
-              </a:rPr>
-              <a:t>C# ASP.NET MVC kod</a:t>
-            </a:r>
-            <a:endParaRPr lang="en-US" sz="2800" dirty="0">
-              <a:solidFill>
-                <a:schemeClr val="accent1">
-                  <a:lumMod val="90000"/>
-                  <a:lumOff val="10000"/>
-                </a:schemeClr>
-              </a:solidFill>
-            </a:endParaRPr>
-          </a:p>
-        </p:txBody>
-      </p:sp>
-      <p:graphicFrame>
-        <p:nvGraphicFramePr>
-          <p:cNvPr id="3" name="Table 2">
-            <a:extLst>
-              <a:ext uri="{FF2B5EF4-FFF2-40B4-BE49-F238E27FC236}">
-                <a16:creationId xmlns:a16="http://schemas.microsoft.com/office/drawing/2014/main" id="{DC4840CB-35D2-4F42-B42B-82EB07DC32A6}"/>
-              </a:ext>
-            </a:extLst>
-          </p:cNvPr>
-          <p:cNvGraphicFramePr>
-            <a:graphicFrameLocks noGrp="1"/>
-          </p:cNvGraphicFramePr>
-          <p:nvPr/>
-        </p:nvGraphicFramePr>
-        <p:xfrm>
-          <a:off x="0" y="6237864"/>
-          <a:ext cx="12192000" cy="620136"/>
-        </p:xfrm>
-        <a:graphic>
-          <a:graphicData uri="http://schemas.openxmlformats.org/drawingml/2006/table">
-            <a:tbl>
-              <a:tblPr firstRow="1" bandRow="1">
-                <a:tableStyleId>{5C22544A-7EE6-4342-B048-85BDC9FD1C3A}</a:tableStyleId>
-              </a:tblPr>
-              <a:tblGrid>
-                <a:gridCol w="12192000">
-                  <a:extLst>
-                    <a:ext uri="{9D8B030D-6E8A-4147-A177-3AD203B41FA5}">
-                      <a16:colId xmlns:a16="http://schemas.microsoft.com/office/drawing/2014/main" val="989831799"/>
-                    </a:ext>
-                  </a:extLst>
-                </a:gridCol>
-              </a:tblGrid>
-              <a:tr h="620136">
-                <a:tc>
-                  <a:txBody>
-                    <a:bodyPr/>
-                    <a:lstStyle/>
-                    <a:p>
-                      <a:endParaRPr lang="en-US" dirty="0"/>
-                    </a:p>
-                  </a:txBody>
-                  <a:tcPr/>
-                </a:tc>
-                <a:extLst>
-                  <a:ext uri="{0D108BD9-81ED-4DB2-BD59-A6C34878D82A}">
-                    <a16:rowId xmlns:a16="http://schemas.microsoft.com/office/drawing/2014/main" val="3009869639"/>
-                  </a:ext>
-                </a:extLst>
-              </a:tr>
-            </a:tbl>
-          </a:graphicData>
-        </a:graphic>
-      </p:graphicFrame>
-      <p:pic>
-        <p:nvPicPr>
-          <p:cNvPr id="4" name="Picture 3">
-            <a:extLst>
-              <a:ext uri="{FF2B5EF4-FFF2-40B4-BE49-F238E27FC236}">
-                <a16:creationId xmlns:a16="http://schemas.microsoft.com/office/drawing/2014/main" id="{77728E6F-4F05-4830-B644-01566A8F8C57}"/>
-              </a:ext>
-            </a:extLst>
-          </p:cNvPr>
-          <p:cNvPicPr>
-            <a:picLocks noChangeAspect="1"/>
-          </p:cNvPicPr>
-          <p:nvPr/>
-        </p:nvPicPr>
-        <p:blipFill>
-          <a:blip r:embed="rId2">
-            <a:extLst>
-              <a:ext uri="{28A0092B-C50C-407E-A947-70E740481C1C}">
-                <a14:useLocalDpi xmlns:a14="http://schemas.microsoft.com/office/drawing/2010/main" val="0"/>
-              </a:ext>
-            </a:extLst>
-          </a:blip>
-          <a:stretch>
-            <a:fillRect/>
-          </a:stretch>
-        </p:blipFill>
-        <p:spPr>
-          <a:xfrm>
-            <a:off x="1171741" y="6364090"/>
-            <a:ext cx="2352509" cy="426230"/>
-          </a:xfrm>
-          <a:prstGeom prst="rect">
-            <a:avLst/>
-          </a:prstGeom>
-        </p:spPr>
-      </p:pic>
-      <p:sp>
-        <p:nvSpPr>
-          <p:cNvPr id="5" name="TextBox 4">
-            <a:extLst>
-              <a:ext uri="{FF2B5EF4-FFF2-40B4-BE49-F238E27FC236}">
-                <a16:creationId xmlns:a16="http://schemas.microsoft.com/office/drawing/2014/main" id="{AA584C96-CFCB-48F8-A8F0-E87DC4A60F31}"/>
-              </a:ext>
-            </a:extLst>
-          </p:cNvPr>
-          <p:cNvSpPr txBox="1"/>
-          <p:nvPr/>
-        </p:nvSpPr>
-        <p:spPr>
-          <a:xfrm>
-            <a:off x="4562475" y="6364090"/>
-            <a:ext cx="6791325" cy="646331"/>
-          </a:xfrm>
-          <a:prstGeom prst="rect">
-            <a:avLst/>
-          </a:prstGeom>
-          <a:noFill/>
-        </p:spPr>
-        <p:txBody>
-          <a:bodyPr wrap="square" rtlCol="0">
-            <a:spAutoFit/>
-          </a:bodyPr>
-          <a:lstStyle/>
-          <a:p>
-            <a:r>
-              <a:rPr lang="pl-PL" dirty="0">
-                <a:solidFill>
-                  <a:schemeClr val="bg1"/>
-                </a:solidFill>
-              </a:rPr>
-              <a:t>Obuka za Web aplikacije – Grupa 1 - </a:t>
-            </a:r>
-            <a:r>
-              <a:rPr lang="sr-Latn-RS" altLang="en-US" dirty="0">
-                <a:solidFill>
-                  <a:schemeClr val="bg1"/>
-                </a:solidFill>
-              </a:rPr>
-              <a:t>Knjižara</a:t>
-            </a:r>
-            <a:endParaRPr lang="en-US" dirty="0">
-              <a:solidFill>
-                <a:schemeClr val="bg1"/>
-              </a:solidFill>
-            </a:endParaRPr>
-          </a:p>
-          <a:p>
-            <a:endParaRPr lang="en-US" dirty="0"/>
-          </a:p>
-        </p:txBody>
-      </p:sp>
-      <p:sp>
-        <p:nvSpPr>
-          <p:cNvPr id="6" name="TextBox 5">
-            <a:extLst>
-              <a:ext uri="{FF2B5EF4-FFF2-40B4-BE49-F238E27FC236}">
-                <a16:creationId xmlns:a16="http://schemas.microsoft.com/office/drawing/2014/main" id="{97326CC1-9C50-4717-8925-EF1AD35F3015}"/>
-              </a:ext>
-            </a:extLst>
-          </p:cNvPr>
-          <p:cNvSpPr txBox="1"/>
-          <p:nvPr/>
-        </p:nvSpPr>
-        <p:spPr>
-          <a:xfrm>
-            <a:off x="117446" y="692991"/>
-            <a:ext cx="11830050" cy="5586145"/>
-          </a:xfrm>
-          <a:prstGeom prst="rect">
-            <a:avLst/>
-          </a:prstGeom>
-          <a:noFill/>
-        </p:spPr>
-        <p:txBody>
-          <a:bodyPr wrap="square" rtlCol="0">
-            <a:spAutoFit/>
-          </a:bodyPr>
-          <a:lstStyle/>
-          <a:p>
-            <a:r>
-              <a:rPr lang="sr-Latn-RS" sz="1700" dirty="0"/>
-              <a:t>    </a:t>
-            </a:r>
-            <a:r>
-              <a:rPr lang="en-US" sz="1700" dirty="0"/>
-              <a:t>public class </a:t>
-            </a:r>
-            <a:r>
-              <a:rPr lang="en-US" sz="1700" dirty="0" err="1"/>
-              <a:t>AdminNarudzbinaController</a:t>
-            </a:r>
-            <a:r>
-              <a:rPr lang="en-US" sz="1700" dirty="0"/>
-              <a:t> : Controller</a:t>
-            </a:r>
-          </a:p>
-          <a:p>
-            <a:r>
-              <a:rPr lang="en-US" sz="1700" dirty="0"/>
-              <a:t>    {</a:t>
-            </a:r>
-          </a:p>
-          <a:p>
-            <a:r>
-              <a:rPr lang="en-US" sz="1700" dirty="0"/>
-              <a:t>        private </a:t>
-            </a:r>
-            <a:r>
-              <a:rPr lang="en-US" sz="1700" dirty="0" err="1"/>
-              <a:t>KnjizaraDBEntities</a:t>
-            </a:r>
-            <a:r>
-              <a:rPr lang="en-US" sz="1700" dirty="0"/>
-              <a:t> </a:t>
-            </a:r>
-            <a:r>
-              <a:rPr lang="en-US" sz="1700" dirty="0" err="1"/>
-              <a:t>db</a:t>
-            </a:r>
-            <a:r>
-              <a:rPr lang="en-US" sz="1700" dirty="0"/>
-              <a:t> = new </a:t>
-            </a:r>
-            <a:r>
-              <a:rPr lang="en-US" sz="1700" dirty="0" err="1"/>
-              <a:t>KnjizaraDBEntities</a:t>
-            </a:r>
-            <a:r>
-              <a:rPr lang="en-US" sz="1700" dirty="0"/>
-              <a:t>();</a:t>
-            </a:r>
-          </a:p>
-          <a:p>
-            <a:r>
-              <a:rPr lang="sr-Latn-RS" sz="1700" dirty="0"/>
-              <a:t>	</a:t>
-            </a:r>
-            <a:r>
-              <a:rPr lang="en-US" sz="1700" dirty="0"/>
-              <a:t>public </a:t>
-            </a:r>
-            <a:r>
-              <a:rPr lang="en-US" sz="1700" dirty="0" err="1"/>
-              <a:t>ActionResult</a:t>
-            </a:r>
-            <a:r>
-              <a:rPr lang="en-US" sz="1700" dirty="0"/>
-              <a:t> Index(int? </a:t>
-            </a:r>
-            <a:r>
-              <a:rPr lang="en-US" sz="1700" dirty="0" err="1"/>
-              <a:t>currentPage</a:t>
-            </a:r>
-            <a:r>
-              <a:rPr lang="en-US" sz="1700" dirty="0"/>
-              <a:t>)</a:t>
-            </a:r>
-          </a:p>
-          <a:p>
-            <a:r>
-              <a:rPr lang="en-US" sz="1700" dirty="0"/>
-              <a:t>        {</a:t>
-            </a:r>
-          </a:p>
-          <a:p>
-            <a:r>
-              <a:rPr lang="en-US" sz="1700" dirty="0"/>
-              <a:t>            int </a:t>
-            </a:r>
-            <a:r>
-              <a:rPr lang="en-US" sz="1700" dirty="0" err="1"/>
-              <a:t>maxRows</a:t>
-            </a:r>
-            <a:r>
-              <a:rPr lang="en-US" sz="1700" dirty="0"/>
-              <a:t> = 5;</a:t>
-            </a:r>
-          </a:p>
-          <a:p>
-            <a:r>
-              <a:rPr lang="en-US" sz="1700" dirty="0"/>
-              <a:t>            int </a:t>
-            </a:r>
-            <a:r>
-              <a:rPr lang="en-US" sz="1700" dirty="0" err="1"/>
-              <a:t>pageNumber</a:t>
-            </a:r>
-            <a:r>
-              <a:rPr lang="en-US" sz="1700" dirty="0"/>
-              <a:t> = (</a:t>
-            </a:r>
-            <a:r>
-              <a:rPr lang="en-US" sz="1700" dirty="0" err="1"/>
-              <a:t>currentPage</a:t>
-            </a:r>
-            <a:r>
-              <a:rPr lang="en-US" sz="1700" dirty="0"/>
-              <a:t> ?? 1);</a:t>
-            </a:r>
-          </a:p>
-          <a:p>
-            <a:r>
-              <a:rPr lang="en-US" sz="1700" dirty="0"/>
-              <a:t>            List&lt;</a:t>
-            </a:r>
-            <a:r>
-              <a:rPr lang="en-US" sz="1700" dirty="0" err="1"/>
-              <a:t>Narudzbina</a:t>
-            </a:r>
-            <a:r>
-              <a:rPr lang="en-US" sz="1700" dirty="0"/>
-              <a:t>&gt; </a:t>
-            </a:r>
-            <a:r>
-              <a:rPr lang="en-US" sz="1700" dirty="0" err="1"/>
-              <a:t>narudzbinas</a:t>
-            </a:r>
-            <a:r>
-              <a:rPr lang="en-US" sz="1700" dirty="0"/>
-              <a:t> = </a:t>
-            </a:r>
-            <a:r>
-              <a:rPr lang="en-US" sz="1700" dirty="0" err="1"/>
-              <a:t>db.Narudzbinas.OrderByDescending</a:t>
-            </a:r>
-            <a:r>
-              <a:rPr lang="en-US" sz="1700" dirty="0"/>
-              <a:t>(</a:t>
-            </a:r>
-            <a:r>
-              <a:rPr lang="en-US" sz="1700" dirty="0" err="1"/>
-              <a:t>i</a:t>
-            </a:r>
-            <a:r>
-              <a:rPr lang="en-US" sz="1700" dirty="0"/>
-              <a:t> =&gt; </a:t>
-            </a:r>
-            <a:r>
-              <a:rPr lang="en-US" sz="1700" dirty="0" err="1"/>
-              <a:t>i.id_narudzbine</a:t>
-            </a:r>
-            <a:r>
-              <a:rPr lang="en-US" sz="1700" dirty="0"/>
-              <a:t>).Skip((</a:t>
-            </a:r>
-            <a:r>
-              <a:rPr lang="en-US" sz="1700" dirty="0" err="1"/>
-              <a:t>pageNumber</a:t>
-            </a:r>
-            <a:r>
-              <a:rPr lang="en-US" sz="1700" dirty="0"/>
-              <a:t> - 1) * </a:t>
-            </a:r>
-            <a:r>
-              <a:rPr lang="en-US" sz="1700" dirty="0" err="1"/>
-              <a:t>maxRows</a:t>
-            </a:r>
-            <a:r>
-              <a:rPr lang="en-US" sz="1700" dirty="0"/>
-              <a:t>).Take(</a:t>
-            </a:r>
-            <a:r>
-              <a:rPr lang="en-US" sz="1700" dirty="0" err="1"/>
-              <a:t>maxRows</a:t>
-            </a:r>
-            <a:r>
-              <a:rPr lang="en-US" sz="1700" dirty="0"/>
-              <a:t>).</a:t>
-            </a:r>
-            <a:r>
-              <a:rPr lang="en-US" sz="1700" dirty="0" err="1"/>
-              <a:t>ToList</a:t>
-            </a:r>
-            <a:r>
-              <a:rPr lang="en-US" sz="1700" dirty="0"/>
-              <a:t>();</a:t>
-            </a:r>
-          </a:p>
-          <a:p>
-            <a:r>
-              <a:rPr lang="en-US" sz="1700" dirty="0"/>
-              <a:t>            List&lt;</a:t>
-            </a:r>
-            <a:r>
-              <a:rPr lang="en-US" sz="1700" dirty="0" err="1"/>
-              <a:t>AdminNarudzbina</a:t>
-            </a:r>
-            <a:r>
-              <a:rPr lang="en-US" sz="1700" dirty="0"/>
-              <a:t>&gt; </a:t>
-            </a:r>
-            <a:r>
-              <a:rPr lang="en-US" sz="1700" dirty="0" err="1"/>
-              <a:t>adminNarudzbinas</a:t>
-            </a:r>
-            <a:r>
-              <a:rPr lang="en-US" sz="1700" dirty="0"/>
-              <a:t> = </a:t>
-            </a:r>
-            <a:r>
-              <a:rPr lang="en-US" sz="1700" dirty="0" err="1"/>
-              <a:t>AdminNarudzbina.TransformList</a:t>
-            </a:r>
-            <a:r>
-              <a:rPr lang="en-US" sz="1700" dirty="0"/>
-              <a:t>(</a:t>
-            </a:r>
-            <a:r>
-              <a:rPr lang="en-US" sz="1700" dirty="0" err="1"/>
-              <a:t>narudzbinas</a:t>
-            </a:r>
-            <a:r>
-              <a:rPr lang="en-US" sz="1700" dirty="0"/>
-              <a:t>);</a:t>
-            </a:r>
-          </a:p>
-          <a:p>
-            <a:r>
-              <a:rPr lang="en-US" sz="1700" dirty="0"/>
-              <a:t>            </a:t>
-            </a:r>
-            <a:r>
-              <a:rPr lang="en-US" sz="1700" dirty="0" err="1"/>
-              <a:t>AdminNarudzbinaViewModel</a:t>
-            </a:r>
-            <a:r>
-              <a:rPr lang="en-US" sz="1700" dirty="0"/>
-              <a:t> </a:t>
-            </a:r>
-            <a:r>
-              <a:rPr lang="en-US" sz="1700" dirty="0" err="1"/>
-              <a:t>adminNarudzbinaViewModel</a:t>
-            </a:r>
-            <a:r>
-              <a:rPr lang="en-US" sz="1700" dirty="0"/>
-              <a:t> = new </a:t>
-            </a:r>
-            <a:r>
-              <a:rPr lang="en-US" sz="1700" dirty="0" err="1"/>
-              <a:t>AdminNarudzbinaViewModel</a:t>
-            </a:r>
-            <a:endParaRPr lang="en-US" sz="1700" dirty="0"/>
-          </a:p>
-          <a:p>
-            <a:r>
-              <a:rPr lang="en-US" sz="1700" dirty="0"/>
-              <a:t>            {</a:t>
-            </a:r>
-            <a:r>
-              <a:rPr lang="sr-Latn-RS" sz="1700" dirty="0"/>
-              <a:t>   </a:t>
-            </a:r>
-          </a:p>
-          <a:p>
-            <a:r>
-              <a:rPr lang="sr-Latn-RS" sz="1700" dirty="0"/>
-              <a:t>		</a:t>
-            </a:r>
-            <a:r>
-              <a:rPr lang="en-US" sz="1700" dirty="0" err="1"/>
-              <a:t>narudzbine</a:t>
-            </a:r>
-            <a:r>
-              <a:rPr lang="en-US" sz="1700" dirty="0"/>
-              <a:t> = </a:t>
-            </a:r>
-            <a:r>
-              <a:rPr lang="en-US" sz="1700" dirty="0" err="1"/>
-              <a:t>adminNarudzbinas</a:t>
-            </a:r>
-            <a:endParaRPr lang="en-US" sz="1700" dirty="0"/>
-          </a:p>
-          <a:p>
-            <a:r>
-              <a:rPr lang="en-US" sz="1700" dirty="0"/>
-              <a:t>            };</a:t>
-            </a:r>
-          </a:p>
-          <a:p>
-            <a:endParaRPr lang="en-US" sz="1700" dirty="0"/>
-          </a:p>
-          <a:p>
-            <a:r>
-              <a:rPr lang="en-US" sz="1700" dirty="0"/>
-              <a:t>            double </a:t>
-            </a:r>
-            <a:r>
-              <a:rPr lang="en-US" sz="1700" dirty="0" err="1"/>
-              <a:t>pageCount</a:t>
-            </a:r>
-            <a:r>
-              <a:rPr lang="en-US" sz="1700" dirty="0"/>
-              <a:t> = (double)((decimal)</a:t>
-            </a:r>
-            <a:r>
-              <a:rPr lang="en-US" sz="1700" dirty="0" err="1"/>
-              <a:t>db.Knjiges.Count</a:t>
-            </a:r>
-            <a:r>
-              <a:rPr lang="en-US" sz="1700" dirty="0"/>
-              <a:t>() / </a:t>
-            </a:r>
-            <a:r>
-              <a:rPr lang="en-US" sz="1700" dirty="0" err="1"/>
-              <a:t>Convert.ToDecimal</a:t>
-            </a:r>
-            <a:r>
-              <a:rPr lang="en-US" sz="1700" dirty="0"/>
-              <a:t>(</a:t>
-            </a:r>
-            <a:r>
-              <a:rPr lang="en-US" sz="1700" dirty="0" err="1"/>
-              <a:t>maxRows</a:t>
-            </a:r>
-            <a:r>
-              <a:rPr lang="en-US" sz="1700" dirty="0"/>
-              <a:t>));</a:t>
-            </a:r>
-          </a:p>
-          <a:p>
-            <a:r>
-              <a:rPr lang="en-US" sz="1700" dirty="0"/>
-              <a:t>            </a:t>
-            </a:r>
-            <a:r>
-              <a:rPr lang="en-US" sz="1700" dirty="0" err="1"/>
-              <a:t>adminNarudzbinaViewModel.PageCount</a:t>
-            </a:r>
-            <a:r>
-              <a:rPr lang="en-US" sz="1700" dirty="0"/>
-              <a:t> = (int)</a:t>
-            </a:r>
-            <a:r>
-              <a:rPr lang="en-US" sz="1700" dirty="0" err="1"/>
-              <a:t>Math.Ceiling</a:t>
-            </a:r>
-            <a:r>
-              <a:rPr lang="en-US" sz="1700" dirty="0"/>
-              <a:t>(</a:t>
-            </a:r>
-            <a:r>
-              <a:rPr lang="en-US" sz="1700" dirty="0" err="1"/>
-              <a:t>pageCount</a:t>
-            </a:r>
-            <a:r>
-              <a:rPr lang="en-US" sz="1700" dirty="0"/>
-              <a:t>);</a:t>
-            </a:r>
-          </a:p>
-          <a:p>
-            <a:r>
-              <a:rPr lang="en-US" sz="1700" dirty="0"/>
-              <a:t>            </a:t>
-            </a:r>
-            <a:r>
-              <a:rPr lang="en-US" sz="1700" dirty="0" err="1"/>
-              <a:t>adminNarudzbinaViewModel.CurrentPageIndex</a:t>
-            </a:r>
-            <a:r>
-              <a:rPr lang="en-US" sz="1700" dirty="0"/>
-              <a:t> = </a:t>
-            </a:r>
-            <a:r>
-              <a:rPr lang="en-US" sz="1700" dirty="0" err="1"/>
-              <a:t>pageNumber</a:t>
-            </a:r>
-            <a:r>
-              <a:rPr lang="en-US" sz="1700" dirty="0"/>
-              <a:t>;</a:t>
-            </a:r>
-          </a:p>
-          <a:p>
-            <a:endParaRPr lang="en-US" sz="1700" dirty="0"/>
-          </a:p>
-          <a:p>
-            <a:r>
-              <a:rPr lang="en-US" sz="1700" dirty="0"/>
-              <a:t>            return View("~/Views/Back-end/</a:t>
-            </a:r>
-            <a:r>
-              <a:rPr lang="en-US" sz="1700" dirty="0" err="1"/>
-              <a:t>AdminNarudzbina</a:t>
-            </a:r>
-            <a:r>
-              <a:rPr lang="en-US" sz="1700" dirty="0"/>
-              <a:t>/</a:t>
-            </a:r>
-            <a:r>
-              <a:rPr lang="en-US" sz="1700" dirty="0" err="1"/>
-              <a:t>Index.cshtml</a:t>
-            </a:r>
-            <a:r>
-              <a:rPr lang="en-US" sz="1700" dirty="0"/>
-              <a:t>", </a:t>
-            </a:r>
-            <a:r>
-              <a:rPr lang="en-US" sz="1700" dirty="0" err="1"/>
-              <a:t>adminNarudzbinaViewModel</a:t>
-            </a:r>
-            <a:r>
-              <a:rPr lang="en-US" sz="1700" dirty="0"/>
-              <a:t>);</a:t>
-            </a:r>
-          </a:p>
-          <a:p>
-            <a:r>
-              <a:rPr lang="en-US" sz="1700" dirty="0"/>
-              <a:t>        }</a:t>
-            </a:r>
-          </a:p>
-        </p:txBody>
-      </p:sp>
-    </p:spTree>
-    <p:extLst>
-      <p:ext uri="{BB962C8B-B14F-4D97-AF65-F5344CB8AC3E}">
-        <p14:creationId xmlns:p14="http://schemas.microsoft.com/office/powerpoint/2010/main" val="2663695697"/>
       </p:ext>
     </p:extLst>
   </p:cSld>
